--- a/2019-6-数据框操作.pptx
+++ b/2019-6-数据框操作.pptx
@@ -1547,7 +1547,7 @@
           </a:ln>
           <a:extLst>
             <a:ext uri="{C572A759-6A51-4108-AA02-DFA0A04FC94B}">
-              <ma14:wrappingTextBoxFlag xmlns:ma14="http://schemas.microsoft.com/office/mac/drawingml/2011/main" xmlns:a14="http://schemas.microsoft.com/office/drawing/2010/main" xmlns:m="http://schemas.openxmlformats.org/officeDocument/2006/math" xmlns="" val="1"/>
+              <ma14:wrappingTextBoxFlag xmlns="" xmlns:m="http://schemas.openxmlformats.org/officeDocument/2006/math" xmlns:a14="http://schemas.microsoft.com/office/drawing/2010/main" xmlns:ma14="http://schemas.microsoft.com/office/mac/drawingml/2011/main" val="1"/>
             </a:ext>
           </a:extLst>
         </p:spPr>
@@ -1939,7 +1939,7 @@
           </a:ln>
           <a:extLst>
             <a:ext uri="{C572A759-6A51-4108-AA02-DFA0A04FC94B}">
-              <ma14:wrappingTextBoxFlag xmlns:ma14="http://schemas.microsoft.com/office/mac/drawingml/2011/main" xmlns:a14="http://schemas.microsoft.com/office/drawing/2010/main" xmlns:m="http://schemas.openxmlformats.org/officeDocument/2006/math" xmlns="" val="1"/>
+              <ma14:wrappingTextBoxFlag xmlns="" xmlns:m="http://schemas.openxmlformats.org/officeDocument/2006/math" xmlns:a14="http://schemas.microsoft.com/office/drawing/2010/main" xmlns:ma14="http://schemas.microsoft.com/office/mac/drawingml/2011/main" val="1"/>
             </a:ext>
           </a:extLst>
         </p:spPr>
@@ -2117,7 +2117,7 @@
           </a:ln>
           <a:extLst>
             <a:ext uri="{C572A759-6A51-4108-AA02-DFA0A04FC94B}">
-              <ma14:wrappingTextBoxFlag xmlns:ma14="http://schemas.microsoft.com/office/mac/drawingml/2011/main" xmlns:a14="http://schemas.microsoft.com/office/drawing/2010/main" xmlns:m="http://schemas.openxmlformats.org/officeDocument/2006/math" xmlns="" val="1"/>
+              <ma14:wrappingTextBoxFlag xmlns="" xmlns:m="http://schemas.openxmlformats.org/officeDocument/2006/math" xmlns:a14="http://schemas.microsoft.com/office/drawing/2010/main" xmlns:ma14="http://schemas.microsoft.com/office/mac/drawingml/2011/main" val="1"/>
             </a:ext>
           </a:extLst>
         </p:spPr>
@@ -2164,7 +2164,7 @@
           </a:ln>
           <a:extLst>
             <a:ext uri="{C572A759-6A51-4108-AA02-DFA0A04FC94B}">
-              <ma14:wrappingTextBoxFlag xmlns:ma14="http://schemas.microsoft.com/office/mac/drawingml/2011/main" xmlns:a14="http://schemas.microsoft.com/office/drawing/2010/main" xmlns:m="http://schemas.openxmlformats.org/officeDocument/2006/math" xmlns="" val="1"/>
+              <ma14:wrappingTextBoxFlag xmlns="" xmlns:m="http://schemas.openxmlformats.org/officeDocument/2006/math" xmlns:a14="http://schemas.microsoft.com/office/drawing/2010/main" xmlns:ma14="http://schemas.microsoft.com/office/mac/drawingml/2011/main" val="1"/>
             </a:ext>
           </a:extLst>
         </p:spPr>
@@ -2531,7 +2531,7 @@
           </a:ln>
           <a:extLst>
             <a:ext uri="{C572A759-6A51-4108-AA02-DFA0A04FC94B}">
-              <ma14:wrappingTextBoxFlag xmlns:ma14="http://schemas.microsoft.com/office/mac/drawingml/2011/main" xmlns:a14="http://schemas.microsoft.com/office/drawing/2010/main" xmlns:m="http://schemas.openxmlformats.org/officeDocument/2006/math" xmlns="" val="1"/>
+              <ma14:wrappingTextBoxFlag xmlns="" xmlns:m="http://schemas.openxmlformats.org/officeDocument/2006/math" xmlns:a14="http://schemas.microsoft.com/office/drawing/2010/main" xmlns:ma14="http://schemas.microsoft.com/office/mac/drawingml/2011/main" val="1"/>
             </a:ext>
           </a:extLst>
         </p:spPr>
@@ -2731,7 +2731,7 @@
           </a:ln>
           <a:extLst>
             <a:ext uri="{C572A759-6A51-4108-AA02-DFA0A04FC94B}">
-              <ma14:wrappingTextBoxFlag xmlns:ma14="http://schemas.microsoft.com/office/mac/drawingml/2011/main" xmlns:a14="http://schemas.microsoft.com/office/drawing/2010/main" xmlns:m="http://schemas.openxmlformats.org/officeDocument/2006/math" xmlns="" val="1"/>
+              <ma14:wrappingTextBoxFlag xmlns="" xmlns:m="http://schemas.openxmlformats.org/officeDocument/2006/math" xmlns:a14="http://schemas.microsoft.com/office/drawing/2010/main" xmlns:ma14="http://schemas.microsoft.com/office/mac/drawingml/2011/main" val="1"/>
             </a:ext>
           </a:extLst>
         </p:spPr>
@@ -4198,7 +4198,7 @@
           </a:ln>
           <a:extLst>
             <a:ext uri="{C572A759-6A51-4108-AA02-DFA0A04FC94B}">
-              <ma14:wrappingTextBoxFlag xmlns:ma14="http://schemas.microsoft.com/office/mac/drawingml/2011/main" xmlns:a14="http://schemas.microsoft.com/office/drawing/2010/main" xmlns:m="http://schemas.openxmlformats.org/officeDocument/2006/math" xmlns="" val="1"/>
+              <ma14:wrappingTextBoxFlag xmlns="" xmlns:m="http://schemas.openxmlformats.org/officeDocument/2006/math" xmlns:a14="http://schemas.microsoft.com/office/drawing/2010/main" xmlns:ma14="http://schemas.microsoft.com/office/mac/drawingml/2011/main" val="1"/>
             </a:ext>
           </a:extLst>
         </p:spPr>
@@ -4236,7 +4236,7 @@
           </a:ln>
           <a:extLst>
             <a:ext uri="{C572A759-6A51-4108-AA02-DFA0A04FC94B}">
-              <ma14:wrappingTextBoxFlag xmlns:ma14="http://schemas.microsoft.com/office/mac/drawingml/2011/main" xmlns:a14="http://schemas.microsoft.com/office/drawing/2010/main" xmlns:m="http://schemas.openxmlformats.org/officeDocument/2006/math" xmlns="" val="1"/>
+              <ma14:wrappingTextBoxFlag xmlns="" xmlns:m="http://schemas.openxmlformats.org/officeDocument/2006/math" xmlns:a14="http://schemas.microsoft.com/office/drawing/2010/main" xmlns:ma14="http://schemas.microsoft.com/office/mac/drawingml/2011/main" val="1"/>
             </a:ext>
           </a:extLst>
         </p:spPr>
@@ -4283,7 +4283,7 @@
           </a:ln>
           <a:extLst>
             <a:ext uri="{C572A759-6A51-4108-AA02-DFA0A04FC94B}">
-              <ma14:wrappingTextBoxFlag xmlns:ma14="http://schemas.microsoft.com/office/mac/drawingml/2011/main" xmlns:a14="http://schemas.microsoft.com/office/drawing/2010/main" xmlns:m="http://schemas.openxmlformats.org/officeDocument/2006/math" xmlns="" val="1"/>
+              <ma14:wrappingTextBoxFlag xmlns="" xmlns:m="http://schemas.openxmlformats.org/officeDocument/2006/math" xmlns:a14="http://schemas.microsoft.com/office/drawing/2010/main" xmlns:ma14="http://schemas.microsoft.com/office/mac/drawingml/2011/main" val="1"/>
             </a:ext>
           </a:extLst>
         </p:spPr>
@@ -4418,7 +4418,7 @@
           </a:ln>
           <a:extLst>
             <a:ext uri="{C572A759-6A51-4108-AA02-DFA0A04FC94B}">
-              <ma14:wrappingTextBoxFlag xmlns:ma14="http://schemas.microsoft.com/office/mac/drawingml/2011/main" xmlns:a14="http://schemas.microsoft.com/office/drawing/2010/main" xmlns:m="http://schemas.openxmlformats.org/officeDocument/2006/math" xmlns="" val="1"/>
+              <ma14:wrappingTextBoxFlag xmlns="" xmlns:m="http://schemas.openxmlformats.org/officeDocument/2006/math" xmlns:a14="http://schemas.microsoft.com/office/drawing/2010/main" xmlns:ma14="http://schemas.microsoft.com/office/mac/drawingml/2011/main" val="1"/>
             </a:ext>
           </a:extLst>
         </p:spPr>
@@ -5460,6 +5460,36 @@
           </a:p>
         </p:txBody>
       </p:sp>
+      <p:pic>
+        <p:nvPicPr>
+          <p:cNvPr id="7" name="图片 6">
+            <a:extLst>
+              <a:ext uri="{FF2B5EF4-FFF2-40B4-BE49-F238E27FC236}">
+                <a16:creationId xmlns:a16="http://schemas.microsoft.com/office/drawing/2014/main" id="{79A6452B-5548-5945-8D4F-B99FD14E13AB}"/>
+              </a:ext>
+            </a:extLst>
+          </p:cNvPr>
+          <p:cNvPicPr>
+            <a:picLocks noChangeAspect="1"/>
+          </p:cNvPicPr>
+          <p:nvPr/>
+        </p:nvPicPr>
+        <p:blipFill>
+          <a:blip r:link="rId2"/>
+          <a:stretch>
+            <a:fillRect/>
+          </a:stretch>
+        </p:blipFill>
+        <p:spPr>
+          <a:xfrm>
+            <a:off x="1270000" y="1270000"/>
+            <a:ext cx="63500" cy="76200"/>
+          </a:xfrm>
+          <a:prstGeom prst="rect">
+            <a:avLst/>
+          </a:prstGeom>
+        </p:spPr>
+      </p:pic>
     </p:spTree>
   </p:cSld>
   <p:clrMapOvr>
@@ -16059,7 +16089,7 @@
           </a:ln>
           <a:extLst>
             <a:ext uri="{C572A759-6A51-4108-AA02-DFA0A04FC94B}">
-              <ma14:wrappingTextBoxFlag xmlns="" xmlns:m="http://schemas.openxmlformats.org/officeDocument/2006/math" xmlns:a14="http://schemas.microsoft.com/office/drawing/2010/main" xmlns:ma14="http://schemas.microsoft.com/office/mac/drawingml/2011/main" val="1"/>
+              <ma14:wrappingTextBoxFlag xmlns:ma14="http://schemas.microsoft.com/office/mac/drawingml/2011/main" xmlns:a14="http://schemas.microsoft.com/office/drawing/2010/main" xmlns:m="http://schemas.openxmlformats.org/officeDocument/2006/math" xmlns="" val="1"/>
             </a:ext>
           </a:extLst>
         </p:spPr>
@@ -17059,7 +17089,7 @@
           </a:ln>
           <a:extLst>
             <a:ext uri="{C572A759-6A51-4108-AA02-DFA0A04FC94B}">
-              <ma14:wrappingTextBoxFlag xmlns="" xmlns:m="http://schemas.openxmlformats.org/officeDocument/2006/math" xmlns:a14="http://schemas.microsoft.com/office/drawing/2010/main" xmlns:ma14="http://schemas.microsoft.com/office/mac/drawingml/2011/main" val="1"/>
+              <ma14:wrappingTextBoxFlag xmlns:ma14="http://schemas.microsoft.com/office/mac/drawingml/2011/main" xmlns:a14="http://schemas.microsoft.com/office/drawing/2010/main" xmlns:m="http://schemas.openxmlformats.org/officeDocument/2006/math" xmlns="" val="1"/>
             </a:ext>
           </a:extLst>
         </p:spPr>
@@ -17370,7 +17400,7 @@
           </a:ln>
           <a:extLst>
             <a:ext uri="{C572A759-6A51-4108-AA02-DFA0A04FC94B}">
-              <ma14:wrappingTextBoxFlag xmlns="" xmlns:m="http://schemas.openxmlformats.org/officeDocument/2006/math" xmlns:a14="http://schemas.microsoft.com/office/drawing/2010/main" xmlns:ma14="http://schemas.microsoft.com/office/mac/drawingml/2011/main" val="1"/>
+              <ma14:wrappingTextBoxFlag xmlns:ma14="http://schemas.microsoft.com/office/mac/drawingml/2011/main" xmlns:a14="http://schemas.microsoft.com/office/drawing/2010/main" xmlns:m="http://schemas.openxmlformats.org/officeDocument/2006/math" xmlns="" val="1"/>
             </a:ext>
           </a:extLst>
         </p:spPr>
@@ -18775,7 +18805,7 @@
           </a:ln>
           <a:extLst>
             <a:ext uri="{C572A759-6A51-4108-AA02-DFA0A04FC94B}">
-              <ma14:wrappingTextBoxFlag xmlns="" xmlns:m="http://schemas.openxmlformats.org/officeDocument/2006/math" xmlns:a14="http://schemas.microsoft.com/office/drawing/2010/main" xmlns:ma14="http://schemas.microsoft.com/office/mac/drawingml/2011/main" val="1"/>
+              <ma14:wrappingTextBoxFlag xmlns:ma14="http://schemas.microsoft.com/office/mac/drawingml/2011/main" xmlns:a14="http://schemas.microsoft.com/office/drawing/2010/main" xmlns:m="http://schemas.openxmlformats.org/officeDocument/2006/math" xmlns="" val="1"/>
             </a:ext>
           </a:extLst>
         </p:spPr>
@@ -19094,7 +19124,7 @@
           </a:ln>
           <a:extLst>
             <a:ext uri="{C572A759-6A51-4108-AA02-DFA0A04FC94B}">
-              <ma14:wrappingTextBoxFlag xmlns="" xmlns:m="http://schemas.openxmlformats.org/officeDocument/2006/math" xmlns:a14="http://schemas.microsoft.com/office/drawing/2010/main" xmlns:ma14="http://schemas.microsoft.com/office/mac/drawingml/2011/main" val="1"/>
+              <ma14:wrappingTextBoxFlag xmlns:ma14="http://schemas.microsoft.com/office/mac/drawingml/2011/main" xmlns:a14="http://schemas.microsoft.com/office/drawing/2010/main" xmlns:m="http://schemas.openxmlformats.org/officeDocument/2006/math" xmlns="" val="1"/>
             </a:ext>
           </a:extLst>
         </p:spPr>
@@ -19905,7 +19935,7 @@
           </a:ln>
           <a:extLst>
             <a:ext uri="{C572A759-6A51-4108-AA02-DFA0A04FC94B}">
-              <ma14:wrappingTextBoxFlag xmlns="" xmlns:m="http://schemas.openxmlformats.org/officeDocument/2006/math" xmlns:a14="http://schemas.microsoft.com/office/drawing/2010/main" xmlns:ma14="http://schemas.microsoft.com/office/mac/drawingml/2011/main" val="1"/>
+              <ma14:wrappingTextBoxFlag xmlns:ma14="http://schemas.microsoft.com/office/mac/drawingml/2011/main" xmlns:a14="http://schemas.microsoft.com/office/drawing/2010/main" xmlns:m="http://schemas.openxmlformats.org/officeDocument/2006/math" xmlns="" val="1"/>
             </a:ext>
           </a:extLst>
         </p:spPr>
@@ -20883,7 +20913,7 @@
           </a:prstGeom>
           <a:extLst>
             <a:ext uri="{C572A759-6A51-4108-AA02-DFA0A04FC94B}">
-              <ma14:wrappingTextBoxFlag xmlns="" xmlns:m="http://schemas.openxmlformats.org/officeDocument/2006/math" xmlns:a14="http://schemas.microsoft.com/office/drawing/2010/main" xmlns:ma14="http://schemas.microsoft.com/office/mac/drawingml/2011/main" val="1"/>
+              <ma14:wrappingTextBoxFlag xmlns:ma14="http://schemas.microsoft.com/office/mac/drawingml/2011/main" xmlns:a14="http://schemas.microsoft.com/office/drawing/2010/main" xmlns:m="http://schemas.openxmlformats.org/officeDocument/2006/math" xmlns="" val="1"/>
             </a:ext>
           </a:extLst>
         </p:spPr>
@@ -21257,7 +21287,7 @@
           </a:prstGeom>
           <a:extLst>
             <a:ext uri="{C572A759-6A51-4108-AA02-DFA0A04FC94B}">
-              <ma14:wrappingTextBoxFlag xmlns:ma14="http://schemas.microsoft.com/office/mac/drawingml/2011/main" xmlns:a14="http://schemas.microsoft.com/office/drawing/2010/main" xmlns:m="http://schemas.openxmlformats.org/officeDocument/2006/math" xmlns="" val="1"/>
+              <ma14:wrappingTextBoxFlag xmlns="" xmlns:m="http://schemas.openxmlformats.org/officeDocument/2006/math" xmlns:a14="http://schemas.microsoft.com/office/drawing/2010/main" xmlns:ma14="http://schemas.microsoft.com/office/mac/drawingml/2011/main" val="1"/>
             </a:ext>
           </a:extLst>
         </p:spPr>
@@ -21291,7 +21321,7 @@
           </a:ln>
           <a:extLst>
             <a:ext uri="{C572A759-6A51-4108-AA02-DFA0A04FC94B}">
-              <ma14:wrappingTextBoxFlag xmlns:ma14="http://schemas.microsoft.com/office/mac/drawingml/2011/main" xmlns:a14="http://schemas.microsoft.com/office/drawing/2010/main" xmlns:m="http://schemas.openxmlformats.org/officeDocument/2006/math" xmlns="" val="1"/>
+              <ma14:wrappingTextBoxFlag xmlns="" xmlns:m="http://schemas.openxmlformats.org/officeDocument/2006/math" xmlns:a14="http://schemas.microsoft.com/office/drawing/2010/main" xmlns:ma14="http://schemas.microsoft.com/office/mac/drawingml/2011/main" val="1"/>
             </a:ext>
           </a:extLst>
         </p:spPr>
@@ -21340,7 +21370,7 @@
           </a:ln>
           <a:extLst>
             <a:ext uri="{C572A759-6A51-4108-AA02-DFA0A04FC94B}">
-              <ma14:wrappingTextBoxFlag xmlns:ma14="http://schemas.microsoft.com/office/mac/drawingml/2011/main" xmlns:a14="http://schemas.microsoft.com/office/drawing/2010/main" xmlns:m="http://schemas.openxmlformats.org/officeDocument/2006/math" xmlns="" val="1"/>
+              <ma14:wrappingTextBoxFlag xmlns="" xmlns:m="http://schemas.openxmlformats.org/officeDocument/2006/math" xmlns:a14="http://schemas.microsoft.com/office/drawing/2010/main" xmlns:ma14="http://schemas.microsoft.com/office/mac/drawingml/2011/main" val="1"/>
             </a:ext>
           </a:extLst>
         </p:spPr>
@@ -23632,7 +23662,7 @@
           </a:prstGeom>
           <a:extLst>
             <a:ext uri="{C572A759-6A51-4108-AA02-DFA0A04FC94B}">
-              <ma14:wrappingTextBoxFlag xmlns:ma14="http://schemas.microsoft.com/office/mac/drawingml/2011/main" xmlns:a14="http://schemas.microsoft.com/office/drawing/2010/main" xmlns:m="http://schemas.openxmlformats.org/officeDocument/2006/math" xmlns="" val="1"/>
+              <ma14:wrappingTextBoxFlag xmlns="" xmlns:m="http://schemas.openxmlformats.org/officeDocument/2006/math" xmlns:a14="http://schemas.microsoft.com/office/drawing/2010/main" xmlns:ma14="http://schemas.microsoft.com/office/mac/drawingml/2011/main" val="1"/>
             </a:ext>
           </a:extLst>
         </p:spPr>
@@ -23666,7 +23696,7 @@
           </a:ln>
           <a:extLst>
             <a:ext uri="{C572A759-6A51-4108-AA02-DFA0A04FC94B}">
-              <ma14:wrappingTextBoxFlag xmlns:ma14="http://schemas.microsoft.com/office/mac/drawingml/2011/main" xmlns:a14="http://schemas.microsoft.com/office/drawing/2010/main" xmlns:m="http://schemas.openxmlformats.org/officeDocument/2006/math" xmlns="" val="1"/>
+              <ma14:wrappingTextBoxFlag xmlns="" xmlns:m="http://schemas.openxmlformats.org/officeDocument/2006/math" xmlns:a14="http://schemas.microsoft.com/office/drawing/2010/main" xmlns:ma14="http://schemas.microsoft.com/office/mac/drawingml/2011/main" val="1"/>
             </a:ext>
           </a:extLst>
         </p:spPr>
@@ -23711,7 +23741,7 @@
           </a:ln>
           <a:extLst>
             <a:ext uri="{C572A759-6A51-4108-AA02-DFA0A04FC94B}">
-              <ma14:wrappingTextBoxFlag xmlns:ma14="http://schemas.microsoft.com/office/mac/drawingml/2011/main" xmlns:a14="http://schemas.microsoft.com/office/drawing/2010/main" xmlns:m="http://schemas.openxmlformats.org/officeDocument/2006/math" xmlns="" val="1"/>
+              <ma14:wrappingTextBoxFlag xmlns="" xmlns:m="http://schemas.openxmlformats.org/officeDocument/2006/math" xmlns:a14="http://schemas.microsoft.com/office/drawing/2010/main" xmlns:ma14="http://schemas.microsoft.com/office/mac/drawingml/2011/main" val="1"/>
             </a:ext>
           </a:extLst>
         </p:spPr>
@@ -23976,7 +24006,7 @@
           </a:prstGeom>
           <a:extLst>
             <a:ext uri="{C572A759-6A51-4108-AA02-DFA0A04FC94B}">
-              <ma14:wrappingTextBoxFlag xmlns:ma14="http://schemas.microsoft.com/office/mac/drawingml/2011/main" xmlns:a14="http://schemas.microsoft.com/office/drawing/2010/main" xmlns:m="http://schemas.openxmlformats.org/officeDocument/2006/math" xmlns="" val="1"/>
+              <ma14:wrappingTextBoxFlag xmlns="" xmlns:m="http://schemas.openxmlformats.org/officeDocument/2006/math" xmlns:a14="http://schemas.microsoft.com/office/drawing/2010/main" xmlns:ma14="http://schemas.microsoft.com/office/mac/drawingml/2011/main" val="1"/>
             </a:ext>
           </a:extLst>
         </p:spPr>
@@ -24150,7 +24180,7 @@
           </a:prstGeom>
           <a:extLst>
             <a:ext uri="{C572A759-6A51-4108-AA02-DFA0A04FC94B}">
-              <ma14:wrappingTextBoxFlag xmlns:ma14="http://schemas.microsoft.com/office/mac/drawingml/2011/main" xmlns:a14="http://schemas.microsoft.com/office/drawing/2010/main" xmlns:m="http://schemas.openxmlformats.org/officeDocument/2006/math" xmlns="" val="1"/>
+              <ma14:wrappingTextBoxFlag xmlns="" xmlns:m="http://schemas.openxmlformats.org/officeDocument/2006/math" xmlns:a14="http://schemas.microsoft.com/office/drawing/2010/main" xmlns:ma14="http://schemas.microsoft.com/office/mac/drawingml/2011/main" val="1"/>
             </a:ext>
           </a:extLst>
         </p:spPr>
@@ -24340,7 +24370,7 @@
         <p:circle/>
       </p:transition>
     </mc:Choice>
-    <mc:Fallback xmlns:a14="http://schemas.microsoft.com/office/drawing/2010/main" xmlns:m="http://schemas.openxmlformats.org/officeDocument/2006/math" xmlns="">
+    <mc:Fallback xmlns="" xmlns:m="http://schemas.openxmlformats.org/officeDocument/2006/math" xmlns:a14="http://schemas.microsoft.com/office/drawing/2010/main">
       <p:transition spd="med">
         <p:fade/>
       </p:transition>
@@ -24472,7 +24502,7 @@
           </a:prstGeom>
           <a:extLst>
             <a:ext uri="{C572A759-6A51-4108-AA02-DFA0A04FC94B}">
-              <ma14:wrappingTextBoxFlag xmlns="" xmlns:m="http://schemas.openxmlformats.org/officeDocument/2006/math" xmlns:a14="http://schemas.microsoft.com/office/drawing/2010/main" xmlns:ma14="http://schemas.microsoft.com/office/mac/drawingml/2011/main" val="1"/>
+              <ma14:wrappingTextBoxFlag xmlns:ma14="http://schemas.microsoft.com/office/mac/drawingml/2011/main" xmlns:a14="http://schemas.microsoft.com/office/drawing/2010/main" xmlns:m="http://schemas.openxmlformats.org/officeDocument/2006/math" xmlns="" val="1"/>
             </a:ext>
           </a:extLst>
         </p:spPr>
@@ -24574,7 +24604,7 @@
           </a:prstGeom>
           <a:extLst>
             <a:ext uri="{C572A759-6A51-4108-AA02-DFA0A04FC94B}">
-              <ma14:wrappingTextBoxFlag xmlns="" xmlns:m="http://schemas.openxmlformats.org/officeDocument/2006/math" xmlns:a14="http://schemas.microsoft.com/office/drawing/2010/main" xmlns:ma14="http://schemas.microsoft.com/office/mac/drawingml/2011/main" val="1"/>
+              <ma14:wrappingTextBoxFlag xmlns:ma14="http://schemas.microsoft.com/office/mac/drawingml/2011/main" xmlns:a14="http://schemas.microsoft.com/office/drawing/2010/main" xmlns:m="http://schemas.openxmlformats.org/officeDocument/2006/math" xmlns="" val="1"/>
             </a:ext>
           </a:extLst>
         </p:spPr>
@@ -24644,7 +24674,7 @@
           </a:ln>
           <a:extLst>
             <a:ext uri="{C572A759-6A51-4108-AA02-DFA0A04FC94B}">
-              <ma14:wrappingTextBoxFlag xmlns:ma14="http://schemas.microsoft.com/office/mac/drawingml/2011/main" xmlns:a14="http://schemas.microsoft.com/office/drawing/2010/main" xmlns:m="http://schemas.openxmlformats.org/officeDocument/2006/math" xmlns="" val="1"/>
+              <ma14:wrappingTextBoxFlag xmlns="" xmlns:m="http://schemas.openxmlformats.org/officeDocument/2006/math" xmlns:a14="http://schemas.microsoft.com/office/drawing/2010/main" xmlns:ma14="http://schemas.microsoft.com/office/mac/drawingml/2011/main" val="1"/>
             </a:ext>
           </a:extLst>
         </p:spPr>
@@ -25377,7 +25407,7 @@
           </a:prstGeom>
           <a:extLst>
             <a:ext uri="{C572A759-6A51-4108-AA02-DFA0A04FC94B}">
-              <ma14:wrappingTextBoxFlag xmlns="" xmlns:m="http://schemas.openxmlformats.org/officeDocument/2006/math" xmlns:a14="http://schemas.microsoft.com/office/drawing/2010/main" xmlns:ma14="http://schemas.microsoft.com/office/mac/drawingml/2011/main" val="1"/>
+              <ma14:wrappingTextBoxFlag xmlns:ma14="http://schemas.microsoft.com/office/mac/drawingml/2011/main" xmlns:a14="http://schemas.microsoft.com/office/drawing/2010/main" xmlns:m="http://schemas.openxmlformats.org/officeDocument/2006/math" xmlns="" val="1"/>
             </a:ext>
           </a:extLst>
         </p:spPr>
@@ -25447,7 +25477,7 @@
           </a:ln>
           <a:extLst>
             <a:ext uri="{C572A759-6A51-4108-AA02-DFA0A04FC94B}">
-              <ma14:wrappingTextBoxFlag xmlns="" xmlns:m="http://schemas.openxmlformats.org/officeDocument/2006/math" xmlns:a14="http://schemas.microsoft.com/office/drawing/2010/main" xmlns:ma14="http://schemas.microsoft.com/office/mac/drawingml/2011/main" val="1"/>
+              <ma14:wrappingTextBoxFlag xmlns:ma14="http://schemas.microsoft.com/office/mac/drawingml/2011/main" xmlns:a14="http://schemas.microsoft.com/office/drawing/2010/main" xmlns:m="http://schemas.openxmlformats.org/officeDocument/2006/math" xmlns="" val="1"/>
             </a:ext>
           </a:extLst>
         </p:spPr>
@@ -25534,7 +25564,7 @@
           </a:ln>
           <a:extLst>
             <a:ext uri="{C572A759-6A51-4108-AA02-DFA0A04FC94B}">
-              <ma14:wrappingTextBoxFlag xmlns="" xmlns:m="http://schemas.openxmlformats.org/officeDocument/2006/math" xmlns:a14="http://schemas.microsoft.com/office/drawing/2010/main" xmlns:ma14="http://schemas.microsoft.com/office/mac/drawingml/2011/main" val="1"/>
+              <ma14:wrappingTextBoxFlag xmlns:ma14="http://schemas.microsoft.com/office/mac/drawingml/2011/main" xmlns:a14="http://schemas.microsoft.com/office/drawing/2010/main" xmlns:m="http://schemas.openxmlformats.org/officeDocument/2006/math" xmlns="" val="1"/>
             </a:ext>
           </a:extLst>
         </p:spPr>
@@ -25613,7 +25643,7 @@
           </a:ln>
           <a:extLst>
             <a:ext uri="{C572A759-6A51-4108-AA02-DFA0A04FC94B}">
-              <ma14:wrappingTextBoxFlag xmlns:ma14="http://schemas.microsoft.com/office/mac/drawingml/2011/main" xmlns:a14="http://schemas.microsoft.com/office/drawing/2010/main" xmlns:m="http://schemas.openxmlformats.org/officeDocument/2006/math" xmlns="" val="1"/>
+              <ma14:wrappingTextBoxFlag xmlns="" xmlns:m="http://schemas.openxmlformats.org/officeDocument/2006/math" xmlns:a14="http://schemas.microsoft.com/office/drawing/2010/main" xmlns:ma14="http://schemas.microsoft.com/office/mac/drawingml/2011/main" val="1"/>
             </a:ext>
           </a:extLst>
         </p:spPr>
@@ -25658,7 +25688,7 @@
           </a:ln>
           <a:extLst>
             <a:ext uri="{C572A759-6A51-4108-AA02-DFA0A04FC94B}">
-              <ma14:wrappingTextBoxFlag xmlns:ma14="http://schemas.microsoft.com/office/mac/drawingml/2011/main" xmlns:a14="http://schemas.microsoft.com/office/drawing/2010/main" xmlns:m="http://schemas.openxmlformats.org/officeDocument/2006/math" xmlns="" val="1"/>
+              <ma14:wrappingTextBoxFlag xmlns="" xmlns:m="http://schemas.openxmlformats.org/officeDocument/2006/math" xmlns:a14="http://schemas.microsoft.com/office/drawing/2010/main" xmlns:ma14="http://schemas.microsoft.com/office/mac/drawingml/2011/main" val="1"/>
             </a:ext>
           </a:extLst>
         </p:spPr>
@@ -26808,7 +26838,7 @@
           </a:prstGeom>
           <a:extLst>
             <a:ext uri="{C572A759-6A51-4108-AA02-DFA0A04FC94B}">
-              <ma14:wrappingTextBoxFlag xmlns="" xmlns:m="http://schemas.openxmlformats.org/officeDocument/2006/math" xmlns:a14="http://schemas.microsoft.com/office/drawing/2010/main" xmlns:ma14="http://schemas.microsoft.com/office/mac/drawingml/2011/main" val="1"/>
+              <ma14:wrappingTextBoxFlag xmlns:ma14="http://schemas.microsoft.com/office/mac/drawingml/2011/main" xmlns:a14="http://schemas.microsoft.com/office/drawing/2010/main" xmlns:m="http://schemas.openxmlformats.org/officeDocument/2006/math" xmlns="" val="1"/>
             </a:ext>
           </a:extLst>
         </p:spPr>
@@ -26878,7 +26908,7 @@
           </a:ln>
           <a:extLst>
             <a:ext uri="{C572A759-6A51-4108-AA02-DFA0A04FC94B}">
-              <ma14:wrappingTextBoxFlag xmlns="" xmlns:m="http://schemas.openxmlformats.org/officeDocument/2006/math" xmlns:a14="http://schemas.microsoft.com/office/drawing/2010/main" xmlns:ma14="http://schemas.microsoft.com/office/mac/drawingml/2011/main" val="1"/>
+              <ma14:wrappingTextBoxFlag xmlns:ma14="http://schemas.microsoft.com/office/mac/drawingml/2011/main" xmlns:a14="http://schemas.microsoft.com/office/drawing/2010/main" xmlns:m="http://schemas.openxmlformats.org/officeDocument/2006/math" xmlns="" val="1"/>
             </a:ext>
           </a:extLst>
         </p:spPr>
@@ -27030,7 +27060,7 @@
           </a:ln>
           <a:extLst>
             <a:ext uri="{C572A759-6A51-4108-AA02-DFA0A04FC94B}">
-              <ma14:wrappingTextBoxFlag xmlns="" xmlns:m="http://schemas.openxmlformats.org/officeDocument/2006/math" xmlns:a14="http://schemas.microsoft.com/office/drawing/2010/main" xmlns:ma14="http://schemas.microsoft.com/office/mac/drawingml/2011/main" val="1"/>
+              <ma14:wrappingTextBoxFlag xmlns:ma14="http://schemas.microsoft.com/office/mac/drawingml/2011/main" xmlns:a14="http://schemas.microsoft.com/office/drawing/2010/main" xmlns:m="http://schemas.openxmlformats.org/officeDocument/2006/math" xmlns="" val="1"/>
             </a:ext>
           </a:extLst>
         </p:spPr>
@@ -27213,7 +27243,7 @@
           </a:ln>
           <a:extLst>
             <a:ext uri="{C572A759-6A51-4108-AA02-DFA0A04FC94B}">
-              <ma14:wrappingTextBoxFlag xmlns:ma14="http://schemas.microsoft.com/office/mac/drawingml/2011/main" xmlns:a14="http://schemas.microsoft.com/office/drawing/2010/main" xmlns:m="http://schemas.openxmlformats.org/officeDocument/2006/math" xmlns="" val="1"/>
+              <ma14:wrappingTextBoxFlag xmlns="" xmlns:m="http://schemas.openxmlformats.org/officeDocument/2006/math" xmlns:a14="http://schemas.microsoft.com/office/drawing/2010/main" xmlns:ma14="http://schemas.microsoft.com/office/mac/drawingml/2011/main" val="1"/>
             </a:ext>
           </a:extLst>
         </p:spPr>
@@ -27258,7 +27288,7 @@
           </a:ln>
           <a:extLst>
             <a:ext uri="{C572A759-6A51-4108-AA02-DFA0A04FC94B}">
-              <ma14:wrappingTextBoxFlag xmlns:ma14="http://schemas.microsoft.com/office/mac/drawingml/2011/main" xmlns:a14="http://schemas.microsoft.com/office/drawing/2010/main" xmlns:m="http://schemas.openxmlformats.org/officeDocument/2006/math" xmlns="" val="1"/>
+              <ma14:wrappingTextBoxFlag xmlns="" xmlns:m="http://schemas.openxmlformats.org/officeDocument/2006/math" xmlns:a14="http://schemas.microsoft.com/office/drawing/2010/main" xmlns:ma14="http://schemas.microsoft.com/office/mac/drawingml/2011/main" val="1"/>
             </a:ext>
           </a:extLst>
         </p:spPr>
@@ -28617,13 +28647,13 @@
         </p:nvSpPr>
         <p:spPr>
           <a:xfrm>
-            <a:off x="571500" y="1705597"/>
-            <a:ext cx="10192753" cy="4406446"/>
+            <a:off x="571500" y="1705596"/>
+            <a:ext cx="10192753" cy="7139465"/>
           </a:xfrm>
         </p:spPr>
         <p:txBody>
           <a:bodyPr>
-            <a:normAutofit lnSpcReduction="10000"/>
+            <a:normAutofit/>
           </a:bodyPr>
           <a:lstStyle/>
           <a:p>
@@ -28776,6 +28806,68 @@
             <a:r>
               <a:rPr lang="zh-CN" altLang="en-US" dirty="0"/>
               <a:t>语言操作数据库）</a:t>
+            </a:r>
+            <a:endParaRPr lang="en-US" altLang="zh-CN" dirty="0"/>
+          </a:p>
+          <a:p>
+            <a:pPr marL="0" indent="0">
+              <a:buNone/>
+            </a:pPr>
+            <a:r>
+              <a:rPr lang="zh-CN" altLang="en-US" dirty="0"/>
+              <a:t>阅读</a:t>
+            </a:r>
+            <a:r>
+              <a:rPr lang="en-US" altLang="zh-CN" dirty="0" err="1"/>
+              <a:t>dplyr</a:t>
+            </a:r>
+            <a:r>
+              <a:rPr lang="zh-CN" altLang="en-US" dirty="0"/>
+              <a:t>的</a:t>
+            </a:r>
+            <a:r>
+              <a:rPr lang="en-US" altLang="zh-CN" dirty="0"/>
+              <a:t>cheat</a:t>
+            </a:r>
+            <a:r>
+              <a:rPr lang="zh-CN" altLang="en-US" dirty="0"/>
+              <a:t> </a:t>
+            </a:r>
+            <a:r>
+              <a:rPr lang="en-US" altLang="zh-CN" dirty="0" err="1"/>
+              <a:t>sheat</a:t>
+            </a:r>
+            <a:r>
+              <a:rPr lang="zh-CN" altLang="en-US" dirty="0"/>
+              <a:t>（</a:t>
+            </a:r>
+            <a:r>
+              <a:rPr lang="en-US" altLang="zh-CN" dirty="0" err="1"/>
+              <a:t>Rstudio</a:t>
+            </a:r>
+            <a:r>
+              <a:rPr lang="zh-CN" altLang="en-US" dirty="0"/>
+              <a:t>的</a:t>
+            </a:r>
+            <a:r>
+              <a:rPr lang="en-US" altLang="zh-CN" dirty="0"/>
+              <a:t>help</a:t>
+            </a:r>
+            <a:r>
+              <a:rPr lang="zh-CN" altLang="en-US" dirty="0"/>
+              <a:t>菜单中提供了许多热门工具包</a:t>
+            </a:r>
+            <a:r>
+              <a:rPr lang="en-US" altLang="zh-CN" dirty="0"/>
+              <a:t>cheat </a:t>
+            </a:r>
+            <a:r>
+              <a:rPr lang="en-US" altLang="zh-CN" dirty="0" err="1"/>
+              <a:t>sheat</a:t>
+            </a:r>
+            <a:r>
+              <a:rPr lang="zh-CN" altLang="en-US" dirty="0"/>
+              <a:t>链接）</a:t>
             </a:r>
           </a:p>
         </p:txBody>
@@ -30494,7 +30586,7 @@
           </a:prstGeom>
           <a:extLst>
             <a:ext uri="{C572A759-6A51-4108-AA02-DFA0A04FC94B}">
-              <ma14:wrappingTextBoxFlag xmlns="" xmlns:m="http://schemas.openxmlformats.org/officeDocument/2006/math" xmlns:a14="http://schemas.microsoft.com/office/drawing/2010/main" xmlns:ma14="http://schemas.microsoft.com/office/mac/drawingml/2011/main" val="1"/>
+              <ma14:wrappingTextBoxFlag xmlns:ma14="http://schemas.microsoft.com/office/mac/drawingml/2011/main" xmlns:a14="http://schemas.microsoft.com/office/drawing/2010/main" xmlns:m="http://schemas.openxmlformats.org/officeDocument/2006/math" xmlns="" val="1"/>
             </a:ext>
           </a:extLst>
         </p:spPr>
@@ -30528,7 +30620,7 @@
           </a:ln>
           <a:extLst>
             <a:ext uri="{C572A759-6A51-4108-AA02-DFA0A04FC94B}">
-              <ma14:wrappingTextBoxFlag xmlns="" xmlns:m="http://schemas.openxmlformats.org/officeDocument/2006/math" xmlns:a14="http://schemas.microsoft.com/office/drawing/2010/main" xmlns:ma14="http://schemas.microsoft.com/office/mac/drawingml/2011/main" val="1"/>
+              <ma14:wrappingTextBoxFlag xmlns:ma14="http://schemas.microsoft.com/office/mac/drawingml/2011/main" xmlns:a14="http://schemas.microsoft.com/office/drawing/2010/main" xmlns:m="http://schemas.openxmlformats.org/officeDocument/2006/math" xmlns="" val="1"/>
             </a:ext>
           </a:extLst>
         </p:spPr>
@@ -30577,7 +30669,7 @@
           </a:ln>
           <a:extLst>
             <a:ext uri="{C572A759-6A51-4108-AA02-DFA0A04FC94B}">
-              <ma14:wrappingTextBoxFlag xmlns="" xmlns:m="http://schemas.openxmlformats.org/officeDocument/2006/math" xmlns:a14="http://schemas.microsoft.com/office/drawing/2010/main" xmlns:ma14="http://schemas.microsoft.com/office/mac/drawingml/2011/main" val="1"/>
+              <ma14:wrappingTextBoxFlag xmlns:ma14="http://schemas.microsoft.com/office/mac/drawingml/2011/main" xmlns:a14="http://schemas.microsoft.com/office/drawing/2010/main" xmlns:m="http://schemas.openxmlformats.org/officeDocument/2006/math" xmlns="" val="1"/>
             </a:ext>
           </a:extLst>
         </p:spPr>
@@ -30622,7 +30714,7 @@
           </a:ln>
           <a:extLst>
             <a:ext uri="{C572A759-6A51-4108-AA02-DFA0A04FC94B}">
-              <ma14:wrappingTextBoxFlag xmlns="" xmlns:m="http://schemas.openxmlformats.org/officeDocument/2006/math" xmlns:a14="http://schemas.microsoft.com/office/drawing/2010/main" xmlns:ma14="http://schemas.microsoft.com/office/mac/drawingml/2011/main" val="1"/>
+              <ma14:wrappingTextBoxFlag xmlns:ma14="http://schemas.microsoft.com/office/mac/drawingml/2011/main" xmlns:a14="http://schemas.microsoft.com/office/drawing/2010/main" xmlns:m="http://schemas.openxmlformats.org/officeDocument/2006/math" xmlns="" val="1"/>
             </a:ext>
           </a:extLst>
         </p:spPr>
@@ -31226,7 +31318,7 @@
           </a:ln>
           <a:extLst>
             <a:ext uri="{C572A759-6A51-4108-AA02-DFA0A04FC94B}">
-              <ma14:wrappingTextBoxFlag xmlns="" xmlns:m="http://schemas.openxmlformats.org/officeDocument/2006/math" xmlns:a14="http://schemas.microsoft.com/office/drawing/2010/main" xmlns:ma14="http://schemas.microsoft.com/office/mac/drawingml/2011/main" val="1"/>
+              <ma14:wrappingTextBoxFlag xmlns:ma14="http://schemas.microsoft.com/office/mac/drawingml/2011/main" xmlns:a14="http://schemas.microsoft.com/office/drawing/2010/main" xmlns:m="http://schemas.openxmlformats.org/officeDocument/2006/math" xmlns="" val="1"/>
             </a:ext>
           </a:extLst>
         </p:spPr>

--- a/2019-6-数据框操作.pptx
+++ b/2019-6-数据框操作.pptx
@@ -5,7 +5,7 @@
     <p:sldMasterId id="2147483648" r:id="rId1"/>
   </p:sldMasterIdLst>
   <p:notesMasterIdLst>
-    <p:notesMasterId r:id="rId27"/>
+    <p:notesMasterId r:id="rId19"/>
   </p:notesMasterIdLst>
   <p:sldIdLst>
     <p:sldId id="256" r:id="rId2"/>
@@ -25,14 +25,6 @@
     <p:sldId id="277" r:id="rId16"/>
     <p:sldId id="292" r:id="rId17"/>
     <p:sldId id="269" r:id="rId18"/>
-    <p:sldId id="290" r:id="rId19"/>
-    <p:sldId id="273" r:id="rId20"/>
-    <p:sldId id="262" r:id="rId21"/>
-    <p:sldId id="279" r:id="rId22"/>
-    <p:sldId id="280" r:id="rId23"/>
-    <p:sldId id="281" r:id="rId24"/>
-    <p:sldId id="294" r:id="rId25"/>
-    <p:sldId id="272" r:id="rId26"/>
   </p:sldIdLst>
   <p:sldSz cx="13004800" cy="9753600"/>
   <p:notesSz cx="6858000" cy="9144000"/>
@@ -353,21 +345,15 @@
 <file path=ppt/changesInfos/changesInfo1.xml><?xml version="1.0" encoding="utf-8"?>
 <pc:chgInfo xmlns:a="http://schemas.openxmlformats.org/drawingml/2006/main" xmlns:r="http://schemas.openxmlformats.org/officeDocument/2006/relationships" xmlns:ac="http://schemas.microsoft.com/office/drawing/2013/main/command" xmlns:pc="http://schemas.microsoft.com/office/powerpoint/2013/main/command">
   <pc:docChgLst>
-    <pc:chgData name="Xu Ning" userId="4b16d4e24b5f2f9c" providerId="LiveId" clId="{7EE27BB7-5398-4475-ACFE-D201F55BEB42}"/>
-  </pc:docChgLst>
-  <pc:docChgLst>
     <pc:chgData name="Xu Ning" userId="4b16d4e24b5f2f9c" providerId="LiveId" clId="{453A8CA5-B063-184C-AA9B-754FA2F0DD91}"/>
   </pc:docChgLst>
   <pc:docChgLst>
     <pc:chgData name="Xu Ning" userId="4b16d4e24b5f2f9c" providerId="LiveId" clId="{CD95D68E-599C-8449-B39D-CA566F85B78D}"/>
   </pc:docChgLst>
   <pc:docChgLst>
-    <pc:chgData name="Xu Ning" userId="4b16d4e24b5f2f9c" providerId="LiveId" clId="{1FE4FF3C-E794-BF4C-B9F5-0E231E173B09}"/>
-  </pc:docChgLst>
-  <pc:docChgLst>
     <pc:chgData name="Xu Ning" userId="4b16d4e24b5f2f9c" providerId="LiveId" clId="{FB54A066-A80C-804B-A3D1-38B71E25DF4C}"/>
     <pc:docChg chg="undo custSel addSld delSld modSld">
-      <pc:chgData name="Xu Ning" userId="4b16d4e24b5f2f9c" providerId="LiveId" clId="{FB54A066-A80C-804B-A3D1-38B71E25DF4C}" dt="2019-10-15T13:55:39.043" v="2389" actId="20577"/>
+      <pc:chgData name="Xu Ning" userId="4b16d4e24b5f2f9c" providerId="LiveId" clId="{FB54A066-A80C-804B-A3D1-38B71E25DF4C}" dt="2019-10-22T08:53:50.260" v="2397" actId="2696"/>
       <pc:docMkLst>
         <pc:docMk/>
       </pc:docMkLst>
@@ -386,8 +372,8 @@
           </ac:spMkLst>
         </pc:spChg>
       </pc:sldChg>
-      <pc:sldChg chg="addSp modSp add">
-        <pc:chgData name="Xu Ning" userId="4b16d4e24b5f2f9c" providerId="LiveId" clId="{FB54A066-A80C-804B-A3D1-38B71E25DF4C}" dt="2019-10-15T13:41:52.725" v="1868" actId="1076"/>
+      <pc:sldChg chg="addSp modSp add del">
+        <pc:chgData name="Xu Ning" userId="4b16d4e24b5f2f9c" providerId="LiveId" clId="{FB54A066-A80C-804B-A3D1-38B71E25DF4C}" dt="2019-10-22T08:53:50.230" v="2392" actId="2696"/>
         <pc:sldMkLst>
           <pc:docMk/>
           <pc:sldMk cId="1646578765" sldId="262"/>
@@ -448,32 +434,11 @@
           </ac:spMkLst>
         </pc:spChg>
       </pc:sldChg>
-      <pc:sldChg chg="add del">
-        <pc:chgData name="Xu Ning" userId="4b16d4e24b5f2f9c" providerId="LiveId" clId="{FB54A066-A80C-804B-A3D1-38B71E25DF4C}" dt="2019-10-15T10:57:10.162" v="149" actId="2696"/>
-        <pc:sldMkLst>
-          <pc:docMk/>
-          <pc:sldMk cId="3319185412" sldId="266"/>
-        </pc:sldMkLst>
-      </pc:sldChg>
       <pc:sldChg chg="add">
         <pc:chgData name="Xu Ning" userId="4b16d4e24b5f2f9c" providerId="LiveId" clId="{FB54A066-A80C-804B-A3D1-38B71E25DF4C}" dt="2019-10-15T10:56:20.775" v="112"/>
         <pc:sldMkLst>
           <pc:docMk/>
           <pc:sldMk cId="1749427281" sldId="269"/>
-        </pc:sldMkLst>
-      </pc:sldChg>
-      <pc:sldChg chg="add del">
-        <pc:chgData name="Xu Ning" userId="4b16d4e24b5f2f9c" providerId="LiveId" clId="{FB54A066-A80C-804B-A3D1-38B71E25DF4C}" dt="2019-10-15T10:56:16.196" v="111" actId="2696"/>
-        <pc:sldMkLst>
-          <pc:docMk/>
-          <pc:sldMk cId="3638714172" sldId="269"/>
-        </pc:sldMkLst>
-      </pc:sldChg>
-      <pc:sldChg chg="add del">
-        <pc:chgData name="Xu Ning" userId="4b16d4e24b5f2f9c" providerId="LiveId" clId="{FB54A066-A80C-804B-A3D1-38B71E25DF4C}" dt="2019-10-15T10:57:10.174" v="151" actId="2696"/>
-        <pc:sldMkLst>
-          <pc:docMk/>
-          <pc:sldMk cId="1996541672" sldId="270"/>
         </pc:sldMkLst>
       </pc:sldChg>
       <pc:sldChg chg="addSp modSp add">
@@ -491,8 +456,8 @@
           </ac:spMkLst>
         </pc:spChg>
       </pc:sldChg>
-      <pc:sldChg chg="modSp add">
-        <pc:chgData name="Xu Ning" userId="4b16d4e24b5f2f9c" providerId="LiveId" clId="{FB54A066-A80C-804B-A3D1-38B71E25DF4C}" dt="2019-10-15T13:55:39.043" v="2389" actId="20577"/>
+      <pc:sldChg chg="modSp add del">
+        <pc:chgData name="Xu Ning" userId="4b16d4e24b5f2f9c" providerId="LiveId" clId="{FB54A066-A80C-804B-A3D1-38B71E25DF4C}" dt="2019-10-22T08:53:50.260" v="2397" actId="2696"/>
         <pc:sldMkLst>
           <pc:docMk/>
           <pc:sldMk cId="473279976" sldId="272"/>
@@ -514,8 +479,8 @@
           </ac:spMkLst>
         </pc:spChg>
       </pc:sldChg>
-      <pc:sldChg chg="modSp add">
-        <pc:chgData name="Xu Ning" userId="4b16d4e24b5f2f9c" providerId="LiveId" clId="{FB54A066-A80C-804B-A3D1-38B71E25DF4C}" dt="2019-10-15T09:53:03.367" v="7" actId="207"/>
+      <pc:sldChg chg="modSp add del">
+        <pc:chgData name="Xu Ning" userId="4b16d4e24b5f2f9c" providerId="LiveId" clId="{FB54A066-A80C-804B-A3D1-38B71E25DF4C}" dt="2019-10-22T08:53:50.228" v="2391" actId="2696"/>
         <pc:sldMkLst>
           <pc:docMk/>
           <pc:sldMk cId="2894958067" sldId="273"/>
@@ -553,32 +518,11 @@
           </ac:spMkLst>
         </pc:spChg>
       </pc:sldChg>
-      <pc:sldChg chg="add del">
-        <pc:chgData name="Xu Ning" userId="4b16d4e24b5f2f9c" providerId="LiveId" clId="{FB54A066-A80C-804B-A3D1-38B71E25DF4C}" dt="2019-10-15T10:57:10.178" v="152" actId="2696"/>
-        <pc:sldMkLst>
-          <pc:docMk/>
-          <pc:sldMk cId="1245515870" sldId="274"/>
-        </pc:sldMkLst>
-      </pc:sldChg>
       <pc:sldChg chg="add">
         <pc:chgData name="Xu Ning" userId="4b16d4e24b5f2f9c" providerId="LiveId" clId="{FB54A066-A80C-804B-A3D1-38B71E25DF4C}" dt="2019-10-15T10:57:14.904" v="155"/>
         <pc:sldMkLst>
           <pc:docMk/>
           <pc:sldMk cId="1706480902" sldId="274"/>
-        </pc:sldMkLst>
-      </pc:sldChg>
-      <pc:sldChg chg="del">
-        <pc:chgData name="Xu Ning" userId="4b16d4e24b5f2f9c" providerId="LiveId" clId="{FB54A066-A80C-804B-A3D1-38B71E25DF4C}" dt="2019-10-15T09:51:50.307" v="1" actId="2696"/>
-        <pc:sldMkLst>
-          <pc:docMk/>
-          <pc:sldMk cId="3359661615" sldId="274"/>
-        </pc:sldMkLst>
-      </pc:sldChg>
-      <pc:sldChg chg="add del">
-        <pc:chgData name="Xu Ning" userId="4b16d4e24b5f2f9c" providerId="LiveId" clId="{FB54A066-A80C-804B-A3D1-38B71E25DF4C}" dt="2019-10-15T10:57:10.181" v="153" actId="2696"/>
-        <pc:sldMkLst>
-          <pc:docMk/>
-          <pc:sldMk cId="401132146" sldId="275"/>
         </pc:sldMkLst>
       </pc:sldChg>
       <pc:sldChg chg="modSp add">
@@ -604,13 +548,6 @@
           </ac:spMkLst>
         </pc:spChg>
       </pc:sldChg>
-      <pc:sldChg chg="del">
-        <pc:chgData name="Xu Ning" userId="4b16d4e24b5f2f9c" providerId="LiveId" clId="{FB54A066-A80C-804B-A3D1-38B71E25DF4C}" dt="2019-10-15T09:51:36.831" v="0" actId="2696"/>
-        <pc:sldMkLst>
-          <pc:docMk/>
-          <pc:sldMk cId="737507804" sldId="275"/>
-        </pc:sldMkLst>
-      </pc:sldChg>
       <pc:sldChg chg="add">
         <pc:chgData name="Xu Ning" userId="4b16d4e24b5f2f9c" providerId="LiveId" clId="{FB54A066-A80C-804B-A3D1-38B71E25DF4C}" dt="2019-10-15T10:57:14.904" v="155"/>
         <pc:sldMkLst>
@@ -618,25 +555,11 @@
           <pc:sldMk cId="14227594" sldId="276"/>
         </pc:sldMkLst>
       </pc:sldChg>
-      <pc:sldChg chg="add del">
-        <pc:chgData name="Xu Ning" userId="4b16d4e24b5f2f9c" providerId="LiveId" clId="{FB54A066-A80C-804B-A3D1-38B71E25DF4C}" dt="2019-10-15T10:57:10.217" v="154" actId="2696"/>
-        <pc:sldMkLst>
-          <pc:docMk/>
-          <pc:sldMk cId="2030332546" sldId="276"/>
-        </pc:sldMkLst>
-      </pc:sldChg>
       <pc:sldChg chg="add">
         <pc:chgData name="Xu Ning" userId="4b16d4e24b5f2f9c" providerId="LiveId" clId="{FB54A066-A80C-804B-A3D1-38B71E25DF4C}" dt="2019-10-15T10:56:20.775" v="112"/>
         <pc:sldMkLst>
           <pc:docMk/>
           <pc:sldMk cId="945993924" sldId="277"/>
-        </pc:sldMkLst>
-      </pc:sldChg>
-      <pc:sldChg chg="add del">
-        <pc:chgData name="Xu Ning" userId="4b16d4e24b5f2f9c" providerId="LiveId" clId="{FB54A066-A80C-804B-A3D1-38B71E25DF4C}" dt="2019-10-15T10:56:16.159" v="109" actId="2696"/>
-        <pc:sldMkLst>
-          <pc:docMk/>
-          <pc:sldMk cId="1553833819" sldId="277"/>
         </pc:sldMkLst>
       </pc:sldChg>
       <pc:sldChg chg="add">
@@ -647,45 +570,31 @@
         </pc:sldMkLst>
       </pc:sldChg>
       <pc:sldChg chg="add del">
-        <pc:chgData name="Xu Ning" userId="4b16d4e24b5f2f9c" providerId="LiveId" clId="{FB54A066-A80C-804B-A3D1-38B71E25DF4C}" dt="2019-10-15T10:56:16.128" v="108" actId="2696"/>
-        <pc:sldMkLst>
-          <pc:docMk/>
-          <pc:sldMk cId="1821057261" sldId="278"/>
-        </pc:sldMkLst>
-      </pc:sldChg>
-      <pc:sldChg chg="add">
-        <pc:chgData name="Xu Ning" userId="4b16d4e24b5f2f9c" providerId="LiveId" clId="{FB54A066-A80C-804B-A3D1-38B71E25DF4C}" dt="2019-10-15T09:52:26.736" v="3"/>
+        <pc:chgData name="Xu Ning" userId="4b16d4e24b5f2f9c" providerId="LiveId" clId="{FB54A066-A80C-804B-A3D1-38B71E25DF4C}" dt="2019-10-22T08:53:50.234" v="2393" actId="2696"/>
         <pc:sldMkLst>
           <pc:docMk/>
           <pc:sldMk cId="2428083084" sldId="279"/>
         </pc:sldMkLst>
       </pc:sldChg>
-      <pc:sldChg chg="add">
-        <pc:chgData name="Xu Ning" userId="4b16d4e24b5f2f9c" providerId="LiveId" clId="{FB54A066-A80C-804B-A3D1-38B71E25DF4C}" dt="2019-10-15T09:52:26.736" v="3"/>
+      <pc:sldChg chg="add del">
+        <pc:chgData name="Xu Ning" userId="4b16d4e24b5f2f9c" providerId="LiveId" clId="{FB54A066-A80C-804B-A3D1-38B71E25DF4C}" dt="2019-10-22T08:53:50.238" v="2394" actId="2696"/>
         <pc:sldMkLst>
           <pc:docMk/>
           <pc:sldMk cId="4070727020" sldId="280"/>
         </pc:sldMkLst>
       </pc:sldChg>
-      <pc:sldChg chg="add">
-        <pc:chgData name="Xu Ning" userId="4b16d4e24b5f2f9c" providerId="LiveId" clId="{FB54A066-A80C-804B-A3D1-38B71E25DF4C}" dt="2019-10-15T09:52:26.736" v="3"/>
+      <pc:sldChg chg="add del">
+        <pc:chgData name="Xu Ning" userId="4b16d4e24b5f2f9c" providerId="LiveId" clId="{FB54A066-A80C-804B-A3D1-38B71E25DF4C}" dt="2019-10-22T08:53:50.241" v="2395" actId="2696"/>
         <pc:sldMkLst>
           <pc:docMk/>
           <pc:sldMk cId="3084555740" sldId="281"/>
         </pc:sldMkLst>
       </pc:sldChg>
-      <pc:sldChg chg="add">
-        <pc:chgData name="Xu Ning" userId="4b16d4e24b5f2f9c" providerId="LiveId" clId="{FB54A066-A80C-804B-A3D1-38B71E25DF4C}" dt="2019-10-15T09:52:26.736" v="3"/>
+      <pc:sldChg chg="add del">
+        <pc:chgData name="Xu Ning" userId="4b16d4e24b5f2f9c" providerId="LiveId" clId="{FB54A066-A80C-804B-A3D1-38B71E25DF4C}" dt="2019-10-22T08:53:50.220" v="2390" actId="2696"/>
         <pc:sldMkLst>
           <pc:docMk/>
           <pc:sldMk cId="3513755751" sldId="290"/>
-        </pc:sldMkLst>
-      </pc:sldChg>
-      <pc:sldChg chg="add del">
-        <pc:chgData name="Xu Ning" userId="4b16d4e24b5f2f9c" providerId="LiveId" clId="{FB54A066-A80C-804B-A3D1-38B71E25DF4C}" dt="2019-10-15T10:57:10.166" v="150" actId="2696"/>
-        <pc:sldMkLst>
-          <pc:docMk/>
-          <pc:sldMk cId="740910558" sldId="291"/>
         </pc:sldMkLst>
       </pc:sldChg>
       <pc:sldChg chg="modSp add">
@@ -708,13 +617,6 @@
         <pc:sldMkLst>
           <pc:docMk/>
           <pc:sldMk cId="1339822315" sldId="292"/>
-        </pc:sldMkLst>
-      </pc:sldChg>
-      <pc:sldChg chg="add del">
-        <pc:chgData name="Xu Ning" userId="4b16d4e24b5f2f9c" providerId="LiveId" clId="{FB54A066-A80C-804B-A3D1-38B71E25DF4C}" dt="2019-10-15T10:56:16.178" v="110" actId="2696"/>
-        <pc:sldMkLst>
-          <pc:docMk/>
-          <pc:sldMk cId="2318727344" sldId="292"/>
         </pc:sldMkLst>
       </pc:sldChg>
       <pc:sldChg chg="addSp delSp modSp add">
@@ -756,8 +658,8 @@
           </ac:spMkLst>
         </pc:spChg>
       </pc:sldChg>
-      <pc:sldChg chg="addSp delSp modSp add">
-        <pc:chgData name="Xu Ning" userId="4b16d4e24b5f2f9c" providerId="LiveId" clId="{FB54A066-A80C-804B-A3D1-38B71E25DF4C}" dt="2019-10-15T13:49:28.230" v="2112" actId="20577"/>
+      <pc:sldChg chg="addSp delSp modSp add del">
+        <pc:chgData name="Xu Ning" userId="4b16d4e24b5f2f9c" providerId="LiveId" clId="{FB54A066-A80C-804B-A3D1-38B71E25DF4C}" dt="2019-10-22T08:53:50.243" v="2396" actId="2696"/>
         <pc:sldMkLst>
           <pc:docMk/>
           <pc:sldMk cId="2717727509" sldId="294"/>
@@ -808,37 +710,6 @@
             <pc:docMk/>
             <pc:sldMk cId="2717727509" sldId="294"/>
             <ac:spMk id="8" creationId="{FD753985-6BB1-6741-A1CD-17B85DBEF9DA}"/>
-          </ac:spMkLst>
-        </pc:spChg>
-      </pc:sldChg>
-      <pc:sldChg chg="modSp add del">
-        <pc:chgData name="Xu Ning" userId="4b16d4e24b5f2f9c" providerId="LiveId" clId="{FB54A066-A80C-804B-A3D1-38B71E25DF4C}" dt="2019-10-15T10:58:29.923" v="260" actId="2696"/>
-        <pc:sldMkLst>
-          <pc:docMk/>
-          <pc:sldMk cId="3830883389" sldId="294"/>
-        </pc:sldMkLst>
-        <pc:spChg chg="mod">
-          <ac:chgData name="Xu Ning" userId="4b16d4e24b5f2f9c" providerId="LiveId" clId="{FB54A066-A80C-804B-A3D1-38B71E25DF4C}" dt="2019-10-15T10:56:37.025" v="129" actId="20577"/>
-          <ac:spMkLst>
-            <pc:docMk/>
-            <pc:sldMk cId="3830883389" sldId="294"/>
-            <ac:spMk id="148" creationId="{00000000-0000-0000-0000-000000000000}"/>
-          </ac:spMkLst>
-        </pc:spChg>
-        <pc:spChg chg="mod">
-          <ac:chgData name="Xu Ning" userId="4b16d4e24b5f2f9c" providerId="LiveId" clId="{FB54A066-A80C-804B-A3D1-38B71E25DF4C}" dt="2019-10-15T10:56:43.844" v="142" actId="20577"/>
-          <ac:spMkLst>
-            <pc:docMk/>
-            <pc:sldMk cId="3830883389" sldId="294"/>
-            <ac:spMk id="151" creationId="{00000000-0000-0000-0000-000000000000}"/>
-          </ac:spMkLst>
-        </pc:spChg>
-        <pc:spChg chg="mod">
-          <ac:chgData name="Xu Ning" userId="4b16d4e24b5f2f9c" providerId="LiveId" clId="{FB54A066-A80C-804B-A3D1-38B71E25DF4C}" dt="2019-10-15T10:56:48.733" v="148" actId="20577"/>
-          <ac:spMkLst>
-            <pc:docMk/>
-            <pc:sldMk cId="3830883389" sldId="294"/>
-            <ac:spMk id="152" creationId="{00000000-0000-0000-0000-000000000000}"/>
           </ac:spMkLst>
         </pc:spChg>
       </pc:sldChg>
@@ -1139,16 +1010,14 @@
           <pc:docMk/>
           <pc:sldMasterMk cId="0" sldId="2147483648"/>
         </pc:sldMasterMkLst>
-        <pc:sldLayoutChg chg="del">
-          <pc:chgData name="Xu Ning" userId="4b16d4e24b5f2f9c" providerId="LiveId" clId="{FB54A066-A80C-804B-A3D1-38B71E25DF4C}" dt="2019-10-15T09:51:50.329" v="2" actId="2696"/>
-          <pc:sldLayoutMkLst>
-            <pc:docMk/>
-            <pc:sldMasterMk cId="0" sldId="2147483648"/>
-            <pc:sldLayoutMk cId="0" sldId="2147483651"/>
-          </pc:sldLayoutMkLst>
-        </pc:sldLayoutChg>
       </pc:sldMasterChg>
     </pc:docChg>
+  </pc:docChgLst>
+  <pc:docChgLst>
+    <pc:chgData name="Xu Ning" userId="4b16d4e24b5f2f9c" providerId="LiveId" clId="{1FE4FF3C-E794-BF4C-B9F5-0E231E173B09}"/>
+  </pc:docChgLst>
+  <pc:docChgLst>
+    <pc:chgData name="Xu Ning" userId="4b16d4e24b5f2f9c" providerId="LiveId" clId="{7EE27BB7-5398-4475-ACFE-D201F55BEB42}"/>
   </pc:docChgLst>
 </pc:chgInfo>
 </file>
@@ -5460,36 +5329,6 @@
           </a:p>
         </p:txBody>
       </p:sp>
-      <p:pic>
-        <p:nvPicPr>
-          <p:cNvPr id="7" name="图片 6">
-            <a:extLst>
-              <a:ext uri="{FF2B5EF4-FFF2-40B4-BE49-F238E27FC236}">
-                <a16:creationId xmlns:a16="http://schemas.microsoft.com/office/drawing/2014/main" id="{79A6452B-5548-5945-8D4F-B99FD14E13AB}"/>
-              </a:ext>
-            </a:extLst>
-          </p:cNvPr>
-          <p:cNvPicPr>
-            <a:picLocks noChangeAspect="1"/>
-          </p:cNvPicPr>
-          <p:nvPr/>
-        </p:nvPicPr>
-        <p:blipFill>
-          <a:blip r:link="rId2"/>
-          <a:stretch>
-            <a:fillRect/>
-          </a:stretch>
-        </p:blipFill>
-        <p:spPr>
-          <a:xfrm>
-            <a:off x="1270000" y="1270000"/>
-            <a:ext cx="63500" cy="76200"/>
-          </a:xfrm>
-          <a:prstGeom prst="rect">
-            <a:avLst/>
-          </a:prstGeom>
-        </p:spPr>
-      </p:pic>
     </p:spTree>
   </p:cSld>
   <p:clrMapOvr>
@@ -21188,2385 +21027,6 @@
 </p:sld>
 </file>
 
-<file path=ppt/slides/slide18.xml><?xml version="1.0" encoding="utf-8"?>
-<p:sld xmlns:a="http://schemas.openxmlformats.org/drawingml/2006/main" xmlns:r="http://schemas.openxmlformats.org/officeDocument/2006/relationships" xmlns:p="http://schemas.openxmlformats.org/presentationml/2006/main">
-  <p:cSld>
-    <p:spTree>
-      <p:nvGrpSpPr>
-        <p:cNvPr id="1" name=""/>
-        <p:cNvGrpSpPr/>
-        <p:nvPr/>
-      </p:nvGrpSpPr>
-      <p:grpSpPr>
-        <a:xfrm>
-          <a:off x="0" y="0"/>
-          <a:ext cx="0" cy="0"/>
-          <a:chOff x="0" y="0"/>
-          <a:chExt cx="0" cy="0"/>
-        </a:xfrm>
-      </p:grpSpPr>
-      <p:sp>
-        <p:nvSpPr>
-          <p:cNvPr id="148" name="数据框操作"/>
-          <p:cNvSpPr txBox="1">
-            <a:spLocks noGrp="1"/>
-          </p:cNvSpPr>
-          <p:nvPr>
-            <p:ph type="title"/>
-          </p:nvPr>
-        </p:nvSpPr>
-        <p:spPr>
-          <a:xfrm>
-            <a:off x="123093" y="4289673"/>
-            <a:ext cx="5621972" cy="2034927"/>
-          </a:xfrm>
-          <a:prstGeom prst="rect">
-            <a:avLst/>
-          </a:prstGeom>
-        </p:spPr>
-        <p:txBody>
-          <a:bodyPr/>
-          <a:lstStyle/>
-          <a:p>
-            <a:r>
-              <a:rPr lang="en-US" altLang="zh-CN" dirty="0" err="1"/>
-              <a:t>dplyr</a:t>
-            </a:r>
-            <a:r>
-              <a:rPr lang="zh-CN" altLang="en-US" dirty="0"/>
-              <a:t>工具</a:t>
-            </a:r>
-            <a:endParaRPr dirty="0"/>
-          </a:p>
-        </p:txBody>
-      </p:sp>
-      <p:sp>
-        <p:nvSpPr>
-          <p:cNvPr id="149" name="数据操作"/>
-          <p:cNvSpPr txBox="1">
-            <a:spLocks noGrp="1"/>
-          </p:cNvSpPr>
-          <p:nvPr>
-            <p:ph type="body" idx="13"/>
-          </p:nvPr>
-        </p:nvSpPr>
-        <p:spPr>
-          <a:prstGeom prst="rect">
-            <a:avLst/>
-          </a:prstGeom>
-        </p:spPr>
-        <p:txBody>
-          <a:bodyPr/>
-          <a:lstStyle/>
-          <a:p>
-            <a:r>
-              <a:rPr lang="zh-CN" altLang="en-US" dirty="0"/>
-              <a:t>数据框操作</a:t>
-            </a:r>
-            <a:endParaRPr dirty="0"/>
-          </a:p>
-        </p:txBody>
-      </p:sp>
-      <p:sp>
-        <p:nvSpPr>
-          <p:cNvPr id="150" name="幻灯片编号"/>
-          <p:cNvSpPr txBox="1">
-            <a:spLocks noGrp="1"/>
-          </p:cNvSpPr>
-          <p:nvPr>
-            <p:ph type="sldNum" sz="quarter" idx="2"/>
-          </p:nvPr>
-        </p:nvSpPr>
-        <p:spPr>
-          <a:xfrm>
-            <a:off x="11893102" y="593542"/>
-            <a:ext cx="276708" cy="449022"/>
-          </a:xfrm>
-          <a:prstGeom prst="rect">
-            <a:avLst/>
-          </a:prstGeom>
-          <a:extLst>
-            <a:ext uri="{C572A759-6A51-4108-AA02-DFA0A04FC94B}">
-              <ma14:wrappingTextBoxFlag xmlns="" xmlns:m="http://schemas.openxmlformats.org/officeDocument/2006/math" xmlns:a14="http://schemas.microsoft.com/office/drawing/2010/main" xmlns:ma14="http://schemas.microsoft.com/office/mac/drawingml/2011/main" val="1"/>
-            </a:ext>
-          </a:extLst>
-        </p:spPr>
-        <p:txBody>
-          <a:bodyPr/>
-          <a:lstStyle/>
-          <a:p>
-            <a:fld id="{86CB4B4D-7CA3-9044-876B-883B54F8677D}" type="slidenum">
-              <a:t>18</a:t>
-            </a:fld>
-            <a:endParaRPr/>
-          </a:p>
-        </p:txBody>
-      </p:sp>
-      <p:sp>
-        <p:nvSpPr>
-          <p:cNvPr id="151" name="data.frame"/>
-          <p:cNvSpPr txBox="1"/>
-          <p:nvPr/>
-        </p:nvSpPr>
-        <p:spPr>
-          <a:xfrm>
-            <a:off x="7352515" y="3421647"/>
-            <a:ext cx="2157642" cy="595035"/>
-          </a:xfrm>
-          <a:prstGeom prst="rect">
-            <a:avLst/>
-          </a:prstGeom>
-          <a:ln w="12700">
-            <a:miter lim="400000"/>
-          </a:ln>
-          <a:extLst>
-            <a:ext uri="{C572A759-6A51-4108-AA02-DFA0A04FC94B}">
-              <ma14:wrappingTextBoxFlag xmlns="" xmlns:m="http://schemas.openxmlformats.org/officeDocument/2006/math" xmlns:a14="http://schemas.microsoft.com/office/drawing/2010/main" xmlns:ma14="http://schemas.microsoft.com/office/mac/drawingml/2011/main" val="1"/>
-            </a:ext>
-          </a:extLst>
-        </p:spPr>
-        <p:txBody>
-          <a:bodyPr wrap="none" lIns="50800" tIns="50800" rIns="50800" bIns="50800" anchor="ctr">
-            <a:spAutoFit/>
-          </a:bodyPr>
-          <a:lstStyle>
-            <a:lvl1pPr>
-              <a:defRPr sz="3200">
-                <a:solidFill>
-                  <a:srgbClr val="2C64A7"/>
-                </a:solidFill>
-              </a:defRPr>
-            </a:lvl1pPr>
-          </a:lstStyle>
-          <a:p>
-            <a:r>
-              <a:rPr lang="en-US" altLang="zh-CN" dirty="0" err="1"/>
-              <a:t>dplyr</a:t>
-            </a:r>
-            <a:r>
-              <a:rPr lang="zh-CN" altLang="en-US" dirty="0"/>
-              <a:t>用途</a:t>
-            </a:r>
-            <a:endParaRPr dirty="0"/>
-          </a:p>
-        </p:txBody>
-      </p:sp>
-      <p:sp>
-        <p:nvSpPr>
-          <p:cNvPr id="152" name="变量操作"/>
-          <p:cNvSpPr txBox="1"/>
-          <p:nvPr/>
-        </p:nvSpPr>
-        <p:spPr>
-          <a:xfrm>
-            <a:off x="7352515" y="4242733"/>
-            <a:ext cx="2564805" cy="595035"/>
-          </a:xfrm>
-          <a:prstGeom prst="rect">
-            <a:avLst/>
-          </a:prstGeom>
-          <a:ln w="12700">
-            <a:miter lim="400000"/>
-          </a:ln>
-          <a:extLst>
-            <a:ext uri="{C572A759-6A51-4108-AA02-DFA0A04FC94B}">
-              <ma14:wrappingTextBoxFlag xmlns="" xmlns:m="http://schemas.openxmlformats.org/officeDocument/2006/math" xmlns:a14="http://schemas.microsoft.com/office/drawing/2010/main" xmlns:ma14="http://schemas.microsoft.com/office/mac/drawingml/2011/main" val="1"/>
-            </a:ext>
-          </a:extLst>
-        </p:spPr>
-        <p:txBody>
-          <a:bodyPr wrap="none" lIns="50800" tIns="50800" rIns="50800" bIns="50800" anchor="ctr">
-            <a:spAutoFit/>
-          </a:bodyPr>
-          <a:lstStyle>
-            <a:lvl1pPr>
-              <a:defRPr sz="3200">
-                <a:solidFill>
-                  <a:srgbClr val="2C64A7"/>
-                </a:solidFill>
-              </a:defRPr>
-            </a:lvl1pPr>
-          </a:lstStyle>
-          <a:p>
-            <a:r>
-              <a:rPr lang="zh-CN" altLang="en-US" dirty="0"/>
-              <a:t>常用工具函数</a:t>
-            </a:r>
-            <a:endParaRPr dirty="0"/>
-          </a:p>
-        </p:txBody>
-      </p:sp>
-    </p:spTree>
-    <p:extLst>
-      <p:ext uri="{BB962C8B-B14F-4D97-AF65-F5344CB8AC3E}">
-        <p14:creationId xmlns:p14="http://schemas.microsoft.com/office/powerpoint/2010/main" val="3513755751"/>
-      </p:ext>
-    </p:extLst>
-  </p:cSld>
-  <p:clrMapOvr>
-    <a:masterClrMapping/>
-  </p:clrMapOvr>
-  <p:transition spd="med"/>
-  <p:timing>
-    <p:tnLst>
-      <p:par>
-        <p:cTn id="1" dur="indefinite" restart="never" fill="hold" nodeType="tmRoot">
-          <p:childTnLst>
-            <p:seq concurrent="1" prevAc="none" nextAc="seek">
-              <p:cTn id="2" dur="indefinite" fill="hold" nodeType="mainSeq">
-                <p:childTnLst>
-                  <p:par>
-                    <p:cTn id="3" fill="hold">
-                      <p:stCondLst>
-                        <p:cond delay="indefinite"/>
-                      </p:stCondLst>
-                      <p:childTnLst>
-                        <p:par>
-                          <p:cTn id="4" fill="hold">
-                            <p:stCondLst>
-                              <p:cond delay="0"/>
-                            </p:stCondLst>
-                            <p:childTnLst>
-                              <p:par>
-                                <p:cTn id="5" presetID="9" presetClass="entr" fill="hold" grpId="0" nodeType="clickEffect">
-                                  <p:stCondLst>
-                                    <p:cond delay="0"/>
-                                  </p:stCondLst>
-                                  <p:iterate>
-                                    <p:tmAbs val="0"/>
-                                  </p:iterate>
-                                  <p:childTnLst>
-                                    <p:set>
-                                      <p:cBhvr>
-                                        <p:cTn id="6" fill="hold"/>
-                                        <p:tgtEl>
-                                          <p:spTgt spid="151"/>
-                                        </p:tgtEl>
-                                        <p:attrNameLst>
-                                          <p:attrName>style.visibility</p:attrName>
-                                        </p:attrNameLst>
-                                      </p:cBhvr>
-                                      <p:to>
-                                        <p:strVal val="visible"/>
-                                      </p:to>
-                                    </p:set>
-                                    <p:animEffect transition="in" filter="dissolve">
-                                      <p:cBhvr>
-                                        <p:cTn id="7" dur="400"/>
-                                        <p:tgtEl>
-                                          <p:spTgt spid="151"/>
-                                        </p:tgtEl>
-                                      </p:cBhvr>
-                                    </p:animEffect>
-                                  </p:childTnLst>
-                                </p:cTn>
-                              </p:par>
-                            </p:childTnLst>
-                          </p:cTn>
-                        </p:par>
-                        <p:par>
-                          <p:cTn id="8" fill="hold">
-                            <p:stCondLst>
-                              <p:cond delay="400"/>
-                            </p:stCondLst>
-                            <p:childTnLst>
-                              <p:par>
-                                <p:cTn id="9" presetID="9" presetClass="entr" fill="hold" grpId="0" nodeType="afterEffect">
-                                  <p:stCondLst>
-                                    <p:cond delay="0"/>
-                                  </p:stCondLst>
-                                  <p:iterate>
-                                    <p:tmAbs val="0"/>
-                                  </p:iterate>
-                                  <p:childTnLst>
-                                    <p:set>
-                                      <p:cBhvr>
-                                        <p:cTn id="10" fill="hold"/>
-                                        <p:tgtEl>
-                                          <p:spTgt spid="152"/>
-                                        </p:tgtEl>
-                                        <p:attrNameLst>
-                                          <p:attrName>style.visibility</p:attrName>
-                                        </p:attrNameLst>
-                                      </p:cBhvr>
-                                      <p:to>
-                                        <p:strVal val="visible"/>
-                                      </p:to>
-                                    </p:set>
-                                    <p:animEffect transition="in" filter="dissolve">
-                                      <p:cBhvr>
-                                        <p:cTn id="11" dur="400"/>
-                                        <p:tgtEl>
-                                          <p:spTgt spid="152"/>
-                                        </p:tgtEl>
-                                      </p:cBhvr>
-                                    </p:animEffect>
-                                  </p:childTnLst>
-                                </p:cTn>
-                              </p:par>
-                            </p:childTnLst>
-                          </p:cTn>
-                        </p:par>
-                      </p:childTnLst>
-                    </p:cTn>
-                  </p:par>
-                </p:childTnLst>
-              </p:cTn>
-              <p:prevCondLst>
-                <p:cond evt="onPrev" delay="0">
-                  <p:tgtEl>
-                    <p:sldTgt/>
-                  </p:tgtEl>
-                </p:cond>
-              </p:prevCondLst>
-              <p:nextCondLst>
-                <p:cond evt="onNext" delay="0">
-                  <p:tgtEl>
-                    <p:sldTgt/>
-                  </p:tgtEl>
-                </p:cond>
-              </p:nextCondLst>
-            </p:seq>
-          </p:childTnLst>
-        </p:cTn>
-      </p:par>
-    </p:tnLst>
-    <p:bldLst>
-      <p:bldP spid="151" grpId="0" animBg="1" advAuto="0"/>
-      <p:bldP spid="152" grpId="0" animBg="1" advAuto="0"/>
-    </p:bldLst>
-  </p:timing>
-</p:sld>
-</file>
-
-<file path=ppt/slides/slide19.xml><?xml version="1.0" encoding="utf-8"?>
-<p:sld xmlns:a="http://schemas.openxmlformats.org/drawingml/2006/main" xmlns:r="http://schemas.openxmlformats.org/officeDocument/2006/relationships" xmlns:p="http://schemas.openxmlformats.org/presentationml/2006/main">
-  <p:cSld>
-    <p:spTree>
-      <p:nvGrpSpPr>
-        <p:cNvPr id="1" name=""/>
-        <p:cNvGrpSpPr/>
-        <p:nvPr/>
-      </p:nvGrpSpPr>
-      <p:grpSpPr>
-        <a:xfrm>
-          <a:off x="0" y="0"/>
-          <a:ext cx="0" cy="0"/>
-          <a:chOff x="0" y="0"/>
-          <a:chExt cx="0" cy="0"/>
-        </a:xfrm>
-      </p:grpSpPr>
-      <p:sp>
-        <p:nvSpPr>
-          <p:cNvPr id="6" name="标题 5">
-            <a:extLst>
-              <a:ext uri="{FF2B5EF4-FFF2-40B4-BE49-F238E27FC236}">
-                <a16:creationId xmlns:a16="http://schemas.microsoft.com/office/drawing/2014/main" id="{49068C63-E7AF-9647-9D18-6A20AD16C6C5}"/>
-              </a:ext>
-            </a:extLst>
-          </p:cNvPr>
-          <p:cNvSpPr>
-            <a:spLocks noGrp="1"/>
-          </p:cNvSpPr>
-          <p:nvPr>
-            <p:ph type="title"/>
-          </p:nvPr>
-        </p:nvSpPr>
-        <p:spPr/>
-        <p:txBody>
-          <a:bodyPr/>
-          <a:lstStyle/>
-          <a:p>
-            <a:r>
-              <a:rPr kumimoji="1" lang="zh-CN" altLang="en-US" dirty="0"/>
-              <a:t>数据框工具</a:t>
-            </a:r>
-            <a:r>
-              <a:rPr kumimoji="1" lang="en-US" altLang="zh-CN" dirty="0" err="1"/>
-              <a:t>dplyr</a:t>
-            </a:r>
-            <a:endParaRPr kumimoji="1" lang="zh-CN" altLang="en-US" dirty="0"/>
-          </a:p>
-        </p:txBody>
-      </p:sp>
-      <p:sp>
-        <p:nvSpPr>
-          <p:cNvPr id="7" name="文本占位符 6">
-            <a:extLst>
-              <a:ext uri="{FF2B5EF4-FFF2-40B4-BE49-F238E27FC236}">
-                <a16:creationId xmlns:a16="http://schemas.microsoft.com/office/drawing/2014/main" id="{05C3DDA0-030B-294D-BE16-4F22A1CB188F}"/>
-              </a:ext>
-            </a:extLst>
-          </p:cNvPr>
-          <p:cNvSpPr>
-            <a:spLocks noGrp="1"/>
-          </p:cNvSpPr>
-          <p:nvPr>
-            <p:ph type="body" idx="1"/>
-          </p:nvPr>
-        </p:nvSpPr>
-        <p:spPr>
-          <a:xfrm>
-            <a:off x="518746" y="2198077"/>
-            <a:ext cx="4656992" cy="3323489"/>
-          </a:xfrm>
-        </p:spPr>
-        <p:txBody>
-          <a:bodyPr>
-            <a:normAutofit/>
-          </a:bodyPr>
-          <a:lstStyle/>
-          <a:p>
-            <a:r>
-              <a:rPr kumimoji="1" lang="en-US" altLang="zh-CN" dirty="0" err="1"/>
-              <a:t>dplyr</a:t>
-            </a:r>
-            <a:r>
-              <a:rPr kumimoji="1" lang="zh-CN" altLang="en-US" dirty="0"/>
-              <a:t>是目前少数能够快速处理十万行以上数据量的工具之一。</a:t>
-            </a:r>
-            <a:endParaRPr kumimoji="1" lang="en-US" altLang="zh-CN" dirty="0"/>
-          </a:p>
-          <a:p>
-            <a:r>
-              <a:rPr kumimoji="1" lang="zh-CN" altLang="en-US" dirty="0"/>
-              <a:t>在</a:t>
-            </a:r>
-            <a:r>
-              <a:rPr kumimoji="1" lang="en-US" altLang="zh-CN" dirty="0"/>
-              <a:t>R</a:t>
-            </a:r>
-            <a:r>
-              <a:rPr kumimoji="1" lang="zh-CN" altLang="en-US" dirty="0"/>
-              <a:t>语言中加载方式：</a:t>
-            </a:r>
-            <a:endParaRPr kumimoji="1" lang="en-US" altLang="zh-CN" dirty="0"/>
-          </a:p>
-          <a:p>
-            <a:pPr marL="0" indent="0">
-              <a:buNone/>
-            </a:pPr>
-            <a:r>
-              <a:rPr kumimoji="1" lang="en-US" altLang="zh-CN" dirty="0"/>
-              <a:t>  </a:t>
-            </a:r>
-            <a:endParaRPr kumimoji="1" lang="zh-CN" altLang="en-US" dirty="0"/>
-          </a:p>
-        </p:txBody>
-      </p:sp>
-      <p:pic>
-        <p:nvPicPr>
-          <p:cNvPr id="9" name="图片 8" descr="图片包含 名片, 文字&#10;&#10;描述已自动生成">
-            <a:extLst>
-              <a:ext uri="{FF2B5EF4-FFF2-40B4-BE49-F238E27FC236}">
-                <a16:creationId xmlns:a16="http://schemas.microsoft.com/office/drawing/2014/main" id="{1CFCF8E5-3493-D74F-B677-7C43F34E0353}"/>
-              </a:ext>
-            </a:extLst>
-          </p:cNvPr>
-          <p:cNvPicPr>
-            <a:picLocks noChangeAspect="1"/>
-          </p:cNvPicPr>
-          <p:nvPr/>
-        </p:nvPicPr>
-        <p:blipFill>
-          <a:blip r:embed="rId2" cstate="print">
-            <a:extLst>
-              <a:ext uri="{28A0092B-C50C-407E-A947-70E740481C1C}">
-                <a14:useLocalDpi xmlns:a14="http://schemas.microsoft.com/office/drawing/2010/main" val="0"/>
-              </a:ext>
-            </a:extLst>
-          </a:blip>
-          <a:stretch>
-            <a:fillRect/>
-          </a:stretch>
-        </p:blipFill>
-        <p:spPr>
-          <a:xfrm>
-            <a:off x="4722449" y="4594307"/>
-            <a:ext cx="1374124" cy="1593984"/>
-          </a:xfrm>
-          <a:prstGeom prst="rect">
-            <a:avLst/>
-          </a:prstGeom>
-        </p:spPr>
-      </p:pic>
-      <p:grpSp>
-        <p:nvGrpSpPr>
-          <p:cNvPr id="38" name="组合 37">
-            <a:extLst>
-              <a:ext uri="{FF2B5EF4-FFF2-40B4-BE49-F238E27FC236}">
-                <a16:creationId xmlns:a16="http://schemas.microsoft.com/office/drawing/2014/main" id="{49FE0657-66CB-6D46-999A-16141DD2572D}"/>
-              </a:ext>
-            </a:extLst>
-          </p:cNvPr>
-          <p:cNvGrpSpPr/>
-          <p:nvPr/>
-        </p:nvGrpSpPr>
-        <p:grpSpPr>
-          <a:xfrm>
-            <a:off x="6096573" y="2390448"/>
-            <a:ext cx="4559702" cy="3000851"/>
-            <a:chOff x="6096573" y="2390448"/>
-            <a:chExt cx="4559702" cy="3000851"/>
-          </a:xfrm>
-        </p:grpSpPr>
-        <p:sp>
-          <p:nvSpPr>
-            <p:cNvPr id="11" name="圆角矩形 10">
-              <a:extLst>
-                <a:ext uri="{FF2B5EF4-FFF2-40B4-BE49-F238E27FC236}">
-                  <a16:creationId xmlns:a16="http://schemas.microsoft.com/office/drawing/2014/main" id="{E1AD784F-4DDE-CD4F-8EFA-0004A6C54ED0}"/>
-                </a:ext>
-              </a:extLst>
-            </p:cNvPr>
-            <p:cNvSpPr/>
-            <p:nvPr/>
-          </p:nvSpPr>
-          <p:spPr>
-            <a:xfrm>
-              <a:off x="8282352" y="2390448"/>
-              <a:ext cx="2373923" cy="590233"/>
-            </a:xfrm>
-            <a:prstGeom prst="roundRect">
-              <a:avLst/>
-            </a:prstGeom>
-            <a:noFill/>
-            <a:ln>
-              <a:solidFill>
-                <a:srgbClr val="0070C0"/>
-              </a:solidFill>
-            </a:ln>
-          </p:spPr>
-          <p:style>
-            <a:lnRef idx="2">
-              <a:schemeClr val="dk1"/>
-            </a:lnRef>
-            <a:fillRef idx="1">
-              <a:schemeClr val="lt1"/>
-            </a:fillRef>
-            <a:effectRef idx="0">
-              <a:schemeClr val="dk1"/>
-            </a:effectRef>
-            <a:fontRef idx="minor">
-              <a:schemeClr val="dk1"/>
-            </a:fontRef>
-          </p:style>
-          <p:txBody>
-            <a:bodyPr rot="0" spcFirstLastPara="1" vertOverflow="overflow" horzOverflow="overflow" vert="horz" wrap="square" lIns="50800" tIns="50800" rIns="50800" bIns="50800" numCol="1" spcCol="38100" rtlCol="0" anchor="ctr">
-              <a:spAutoFit/>
-            </a:bodyPr>
-            <a:lstStyle/>
-            <a:p>
-              <a:pPr marL="0" marR="0" indent="0" algn="ctr" defTabSz="584200" rtl="0" fontAlgn="auto" latinLnBrk="0" hangingPunct="0">
-                <a:lnSpc>
-                  <a:spcPct val="100000"/>
-                </a:lnSpc>
-                <a:spcBef>
-                  <a:spcPts val="0"/>
-                </a:spcBef>
-                <a:spcAft>
-                  <a:spcPts val="0"/>
-                </a:spcAft>
-                <a:buClrTx/>
-                <a:buSzTx/>
-                <a:buFontTx/>
-                <a:buNone/>
-                <a:tabLst/>
-              </a:pPr>
-              <a:r>
-                <a:rPr lang="zh-CN" altLang="en-US" sz="2800" dirty="0">
-                  <a:solidFill>
-                    <a:srgbClr val="0432FF"/>
-                  </a:solidFill>
-                  <a:sym typeface="Helvetica Neue Light"/>
-                </a:rPr>
-                <a:t>对象筛选</a:t>
-              </a:r>
-              <a:endParaRPr kumimoji="0" lang="zh-CN" altLang="en-US" sz="2800" b="0" i="0" u="none" strike="noStrike" cap="none" spc="0" normalizeH="0" baseline="0" dirty="0">
-                <a:ln>
-                  <a:noFill/>
-                </a:ln>
-                <a:solidFill>
-                  <a:srgbClr val="0432FF"/>
-                </a:solidFill>
-                <a:effectLst/>
-                <a:uFillTx/>
-                <a:latin typeface="+mn-lt"/>
-                <a:ea typeface="+mn-ea"/>
-                <a:cs typeface="+mn-cs"/>
-                <a:sym typeface="Helvetica Neue Light"/>
-              </a:endParaRPr>
-            </a:p>
-          </p:txBody>
-        </p:sp>
-        <p:grpSp>
-          <p:nvGrpSpPr>
-            <p:cNvPr id="23" name="组合 22">
-              <a:extLst>
-                <a:ext uri="{FF2B5EF4-FFF2-40B4-BE49-F238E27FC236}">
-                  <a16:creationId xmlns:a16="http://schemas.microsoft.com/office/drawing/2014/main" id="{E74B7C35-BA6B-964E-9017-566ACAC4FB46}"/>
-                </a:ext>
-              </a:extLst>
-            </p:cNvPr>
-            <p:cNvGrpSpPr/>
-            <p:nvPr/>
-          </p:nvGrpSpPr>
-          <p:grpSpPr>
-            <a:xfrm>
-              <a:off x="6096573" y="2685564"/>
-              <a:ext cx="2185779" cy="2705735"/>
-              <a:chOff x="6096573" y="2685564"/>
-              <a:chExt cx="2185779" cy="2705735"/>
-            </a:xfrm>
-          </p:grpSpPr>
-          <p:cxnSp>
-            <p:nvCxnSpPr>
-              <p:cNvPr id="18" name="直线连接符 17">
-                <a:extLst>
-                  <a:ext uri="{FF2B5EF4-FFF2-40B4-BE49-F238E27FC236}">
-                    <a16:creationId xmlns:a16="http://schemas.microsoft.com/office/drawing/2014/main" id="{CA57BC5D-1254-B74D-9ED8-1B03166121FF}"/>
-                  </a:ext>
-                </a:extLst>
-              </p:cNvPr>
-              <p:cNvCxnSpPr>
-                <a:stCxn id="9" idx="3"/>
-              </p:cNvCxnSpPr>
-              <p:nvPr/>
-            </p:nvCxnSpPr>
-            <p:spPr>
-              <a:xfrm flipV="1">
-                <a:off x="6096573" y="2685564"/>
-                <a:ext cx="937273" cy="2705735"/>
-              </a:xfrm>
-              <a:prstGeom prst="line">
-                <a:avLst/>
-              </a:prstGeom>
-              <a:noFill/>
-              <a:ln w="12700" cap="flat">
-                <a:solidFill>
-                  <a:srgbClr val="0070C0"/>
-                </a:solidFill>
-                <a:prstDash val="solid"/>
-                <a:miter lim="400000"/>
-              </a:ln>
-              <a:effectLst/>
-              <a:sp3d/>
-            </p:spPr>
-            <p:style>
-              <a:lnRef idx="0">
-                <a:scrgbClr r="0" g="0" b="0"/>
-              </a:lnRef>
-              <a:fillRef idx="0">
-                <a:scrgbClr r="0" g="0" b="0"/>
-              </a:fillRef>
-              <a:effectRef idx="0">
-                <a:scrgbClr r="0" g="0" b="0"/>
-              </a:effectRef>
-              <a:fontRef idx="none"/>
-            </p:style>
-          </p:cxnSp>
-          <p:cxnSp>
-            <p:nvCxnSpPr>
-              <p:cNvPr id="20" name="直线箭头连接符 19">
-                <a:extLst>
-                  <a:ext uri="{FF2B5EF4-FFF2-40B4-BE49-F238E27FC236}">
-                    <a16:creationId xmlns:a16="http://schemas.microsoft.com/office/drawing/2014/main" id="{D53F008A-B287-6F4F-AA1C-8FB544F16B49}"/>
-                  </a:ext>
-                </a:extLst>
-              </p:cNvPr>
-              <p:cNvCxnSpPr>
-                <a:cxnSpLocks/>
-                <a:endCxn id="11" idx="1"/>
-              </p:cNvCxnSpPr>
-              <p:nvPr/>
-            </p:nvCxnSpPr>
-            <p:spPr>
-              <a:xfrm>
-                <a:off x="7033846" y="2685564"/>
-                <a:ext cx="1248506" cy="1"/>
-              </a:xfrm>
-              <a:prstGeom prst="straightConnector1">
-                <a:avLst/>
-              </a:prstGeom>
-              <a:noFill/>
-              <a:ln w="12700" cap="flat">
-                <a:solidFill>
-                  <a:srgbClr val="0070C0"/>
-                </a:solidFill>
-                <a:prstDash val="solid"/>
-                <a:miter lim="400000"/>
-                <a:tailEnd type="triangle"/>
-              </a:ln>
-              <a:effectLst/>
-              <a:sp3d/>
-            </p:spPr>
-            <p:style>
-              <a:lnRef idx="0">
-                <a:scrgbClr r="0" g="0" b="0"/>
-              </a:lnRef>
-              <a:fillRef idx="0">
-                <a:scrgbClr r="0" g="0" b="0"/>
-              </a:fillRef>
-              <a:effectRef idx="0">
-                <a:scrgbClr r="0" g="0" b="0"/>
-              </a:effectRef>
-              <a:fontRef idx="none"/>
-            </p:style>
-          </p:cxnSp>
-        </p:grpSp>
-      </p:grpSp>
-      <p:grpSp>
-        <p:nvGrpSpPr>
-          <p:cNvPr id="39" name="组合 38">
-            <a:extLst>
-              <a:ext uri="{FF2B5EF4-FFF2-40B4-BE49-F238E27FC236}">
-                <a16:creationId xmlns:a16="http://schemas.microsoft.com/office/drawing/2014/main" id="{B7F53559-8671-EA43-9B6A-F2DE62949D32}"/>
-              </a:ext>
-            </a:extLst>
-          </p:cNvPr>
-          <p:cNvGrpSpPr/>
-          <p:nvPr/>
-        </p:nvGrpSpPr>
-        <p:grpSpPr>
-          <a:xfrm>
-            <a:off x="6096573" y="3595756"/>
-            <a:ext cx="4559702" cy="1795543"/>
-            <a:chOff x="6096573" y="3595756"/>
-            <a:chExt cx="4559702" cy="1795543"/>
-          </a:xfrm>
-        </p:grpSpPr>
-        <p:sp>
-          <p:nvSpPr>
-            <p:cNvPr id="12" name="圆角矩形 11">
-              <a:extLst>
-                <a:ext uri="{FF2B5EF4-FFF2-40B4-BE49-F238E27FC236}">
-                  <a16:creationId xmlns:a16="http://schemas.microsoft.com/office/drawing/2014/main" id="{748DF6AB-7EEB-F841-A0B2-E3B442918A63}"/>
-                </a:ext>
-              </a:extLst>
-            </p:cNvPr>
-            <p:cNvSpPr/>
-            <p:nvPr/>
-          </p:nvSpPr>
-          <p:spPr>
-            <a:xfrm>
-              <a:off x="8282352" y="3595756"/>
-              <a:ext cx="2373923" cy="590233"/>
-            </a:xfrm>
-            <a:prstGeom prst="roundRect">
-              <a:avLst/>
-            </a:prstGeom>
-            <a:noFill/>
-            <a:ln>
-              <a:solidFill>
-                <a:srgbClr val="0070C0"/>
-              </a:solidFill>
-            </a:ln>
-          </p:spPr>
-          <p:style>
-            <a:lnRef idx="2">
-              <a:schemeClr val="dk1"/>
-            </a:lnRef>
-            <a:fillRef idx="1">
-              <a:schemeClr val="lt1"/>
-            </a:fillRef>
-            <a:effectRef idx="0">
-              <a:schemeClr val="dk1"/>
-            </a:effectRef>
-            <a:fontRef idx="minor">
-              <a:schemeClr val="dk1"/>
-            </a:fontRef>
-          </p:style>
-          <p:txBody>
-            <a:bodyPr rot="0" spcFirstLastPara="1" vertOverflow="overflow" horzOverflow="overflow" vert="horz" wrap="square" lIns="50800" tIns="50800" rIns="50800" bIns="50800" numCol="1" spcCol="38100" rtlCol="0" anchor="ctr">
-              <a:spAutoFit/>
-            </a:bodyPr>
-            <a:lstStyle/>
-            <a:p>
-              <a:pPr marL="0" marR="0" indent="0" algn="ctr" defTabSz="584200" rtl="0" fontAlgn="auto" latinLnBrk="0" hangingPunct="0">
-                <a:lnSpc>
-                  <a:spcPct val="100000"/>
-                </a:lnSpc>
-                <a:spcBef>
-                  <a:spcPts val="0"/>
-                </a:spcBef>
-                <a:spcAft>
-                  <a:spcPts val="0"/>
-                </a:spcAft>
-                <a:buClrTx/>
-                <a:buSzTx/>
-                <a:buFontTx/>
-                <a:buNone/>
-                <a:tabLst/>
-              </a:pPr>
-              <a:r>
-                <a:rPr lang="zh-CN" altLang="en-US" sz="2800" dirty="0">
-                  <a:solidFill>
-                    <a:srgbClr val="0432FF"/>
-                  </a:solidFill>
-                  <a:sym typeface="Helvetica Neue Light"/>
-                </a:rPr>
-                <a:t>属性筛选</a:t>
-              </a:r>
-              <a:endParaRPr kumimoji="0" lang="zh-CN" altLang="en-US" sz="2800" b="0" i="0" u="none" strike="noStrike" cap="none" spc="0" normalizeH="0" baseline="0" dirty="0">
-                <a:ln>
-                  <a:noFill/>
-                </a:ln>
-                <a:solidFill>
-                  <a:srgbClr val="0432FF"/>
-                </a:solidFill>
-                <a:effectLst/>
-                <a:uFillTx/>
-                <a:latin typeface="+mn-lt"/>
-                <a:ea typeface="+mn-ea"/>
-                <a:cs typeface="+mn-cs"/>
-                <a:sym typeface="Helvetica Neue Light"/>
-              </a:endParaRPr>
-            </a:p>
-          </p:txBody>
-        </p:sp>
-        <p:grpSp>
-          <p:nvGrpSpPr>
-            <p:cNvPr id="30" name="组合 29">
-              <a:extLst>
-                <a:ext uri="{FF2B5EF4-FFF2-40B4-BE49-F238E27FC236}">
-                  <a16:creationId xmlns:a16="http://schemas.microsoft.com/office/drawing/2014/main" id="{86942623-8C94-2546-B09F-9A3731B3AC37}"/>
-                </a:ext>
-              </a:extLst>
-            </p:cNvPr>
-            <p:cNvGrpSpPr/>
-            <p:nvPr/>
-          </p:nvGrpSpPr>
-          <p:grpSpPr>
-            <a:xfrm>
-              <a:off x="6096573" y="3890872"/>
-              <a:ext cx="2185779" cy="1500427"/>
-              <a:chOff x="6096573" y="3890872"/>
-              <a:chExt cx="2185779" cy="1500427"/>
-            </a:xfrm>
-          </p:grpSpPr>
-          <p:cxnSp>
-            <p:nvCxnSpPr>
-              <p:cNvPr id="27" name="直线连接符 26">
-                <a:extLst>
-                  <a:ext uri="{FF2B5EF4-FFF2-40B4-BE49-F238E27FC236}">
-                    <a16:creationId xmlns:a16="http://schemas.microsoft.com/office/drawing/2014/main" id="{5F8B8602-36D6-DF4C-BBC8-AAED25424A34}"/>
-                  </a:ext>
-                </a:extLst>
-              </p:cNvPr>
-              <p:cNvCxnSpPr>
-                <a:stCxn id="9" idx="3"/>
-              </p:cNvCxnSpPr>
-              <p:nvPr/>
-            </p:nvCxnSpPr>
-            <p:spPr>
-              <a:xfrm flipV="1">
-                <a:off x="6096573" y="3890872"/>
-                <a:ext cx="937273" cy="1500427"/>
-              </a:xfrm>
-              <a:prstGeom prst="line">
-                <a:avLst/>
-              </a:prstGeom>
-              <a:noFill/>
-              <a:ln w="12700" cap="flat">
-                <a:solidFill>
-                  <a:srgbClr val="0070C0"/>
-                </a:solidFill>
-                <a:prstDash val="solid"/>
-                <a:miter lim="400000"/>
-              </a:ln>
-              <a:effectLst/>
-              <a:sp3d/>
-            </p:spPr>
-            <p:style>
-              <a:lnRef idx="0">
-                <a:scrgbClr r="0" g="0" b="0"/>
-              </a:lnRef>
-              <a:fillRef idx="0">
-                <a:scrgbClr r="0" g="0" b="0"/>
-              </a:fillRef>
-              <a:effectRef idx="0">
-                <a:scrgbClr r="0" g="0" b="0"/>
-              </a:effectRef>
-              <a:fontRef idx="none"/>
-            </p:style>
-          </p:cxnSp>
-          <p:cxnSp>
-            <p:nvCxnSpPr>
-              <p:cNvPr id="29" name="直线箭头连接符 28">
-                <a:extLst>
-                  <a:ext uri="{FF2B5EF4-FFF2-40B4-BE49-F238E27FC236}">
-                    <a16:creationId xmlns:a16="http://schemas.microsoft.com/office/drawing/2014/main" id="{4FC32FD0-46D8-434D-B821-688218C4FCBD}"/>
-                  </a:ext>
-                </a:extLst>
-              </p:cNvPr>
-              <p:cNvCxnSpPr>
-                <a:endCxn id="12" idx="1"/>
-              </p:cNvCxnSpPr>
-              <p:nvPr/>
-            </p:nvCxnSpPr>
-            <p:spPr>
-              <a:xfrm>
-                <a:off x="7033846" y="3890872"/>
-                <a:ext cx="1248506" cy="1"/>
-              </a:xfrm>
-              <a:prstGeom prst="straightConnector1">
-                <a:avLst/>
-              </a:prstGeom>
-              <a:noFill/>
-              <a:ln w="12700" cap="flat">
-                <a:solidFill>
-                  <a:srgbClr val="0070C0"/>
-                </a:solidFill>
-                <a:prstDash val="solid"/>
-                <a:miter lim="400000"/>
-                <a:tailEnd type="triangle"/>
-              </a:ln>
-              <a:effectLst/>
-              <a:sp3d/>
-            </p:spPr>
-            <p:style>
-              <a:lnRef idx="0">
-                <a:scrgbClr r="0" g="0" b="0"/>
-              </a:lnRef>
-              <a:fillRef idx="0">
-                <a:scrgbClr r="0" g="0" b="0"/>
-              </a:fillRef>
-              <a:effectRef idx="0">
-                <a:scrgbClr r="0" g="0" b="0"/>
-              </a:effectRef>
-              <a:fontRef idx="none"/>
-            </p:style>
-          </p:cxnSp>
-        </p:grpSp>
-      </p:grpSp>
-      <p:grpSp>
-        <p:nvGrpSpPr>
-          <p:cNvPr id="40" name="组合 39">
-            <a:extLst>
-              <a:ext uri="{FF2B5EF4-FFF2-40B4-BE49-F238E27FC236}">
-                <a16:creationId xmlns:a16="http://schemas.microsoft.com/office/drawing/2014/main" id="{90F25002-E098-4C49-A44B-9935F007E70E}"/>
-              </a:ext>
-            </a:extLst>
-          </p:cNvPr>
-          <p:cNvGrpSpPr/>
-          <p:nvPr/>
-        </p:nvGrpSpPr>
-        <p:grpSpPr>
-          <a:xfrm>
-            <a:off x="6096573" y="4801066"/>
-            <a:ext cx="4559702" cy="590233"/>
-            <a:chOff x="6096573" y="4801066"/>
-            <a:chExt cx="4559702" cy="590233"/>
-          </a:xfrm>
-        </p:grpSpPr>
-        <p:sp>
-          <p:nvSpPr>
-            <p:cNvPr id="13" name="圆角矩形 12">
-              <a:extLst>
-                <a:ext uri="{FF2B5EF4-FFF2-40B4-BE49-F238E27FC236}">
-                  <a16:creationId xmlns:a16="http://schemas.microsoft.com/office/drawing/2014/main" id="{8D53161E-9DEC-424B-95A9-C53DBF1EE229}"/>
-                </a:ext>
-              </a:extLst>
-            </p:cNvPr>
-            <p:cNvSpPr/>
-            <p:nvPr/>
-          </p:nvSpPr>
-          <p:spPr>
-            <a:xfrm>
-              <a:off x="8282352" y="4801066"/>
-              <a:ext cx="2373923" cy="590233"/>
-            </a:xfrm>
-            <a:prstGeom prst="roundRect">
-              <a:avLst/>
-            </a:prstGeom>
-            <a:noFill/>
-            <a:ln>
-              <a:solidFill>
-                <a:srgbClr val="0070C0"/>
-              </a:solidFill>
-            </a:ln>
-          </p:spPr>
-          <p:style>
-            <a:lnRef idx="2">
-              <a:schemeClr val="dk1"/>
-            </a:lnRef>
-            <a:fillRef idx="1">
-              <a:schemeClr val="lt1"/>
-            </a:fillRef>
-            <a:effectRef idx="0">
-              <a:schemeClr val="dk1"/>
-            </a:effectRef>
-            <a:fontRef idx="minor">
-              <a:schemeClr val="dk1"/>
-            </a:fontRef>
-          </p:style>
-          <p:txBody>
-            <a:bodyPr rot="0" spcFirstLastPara="1" vertOverflow="overflow" horzOverflow="overflow" vert="horz" wrap="square" lIns="50800" tIns="50800" rIns="50800" bIns="50800" numCol="1" spcCol="38100" rtlCol="0" anchor="ctr">
-              <a:spAutoFit/>
-            </a:bodyPr>
-            <a:lstStyle/>
-            <a:p>
-              <a:pPr marL="0" marR="0" indent="0" algn="ctr" defTabSz="584200" rtl="0" fontAlgn="auto" latinLnBrk="0" hangingPunct="0">
-                <a:lnSpc>
-                  <a:spcPct val="100000"/>
-                </a:lnSpc>
-                <a:spcBef>
-                  <a:spcPts val="0"/>
-                </a:spcBef>
-                <a:spcAft>
-                  <a:spcPts val="0"/>
-                </a:spcAft>
-                <a:buClrTx/>
-                <a:buSzTx/>
-                <a:buFontTx/>
-                <a:buNone/>
-                <a:tabLst/>
-              </a:pPr>
-              <a:r>
-                <a:rPr lang="zh-CN" altLang="en-US" sz="2800" dirty="0">
-                  <a:solidFill>
-                    <a:srgbClr val="0432FF"/>
-                  </a:solidFill>
-                  <a:sym typeface="Helvetica Neue Light"/>
-                </a:rPr>
-                <a:t>表格排序</a:t>
-              </a:r>
-              <a:endParaRPr kumimoji="0" lang="zh-CN" altLang="en-US" sz="2800" b="0" i="0" u="none" strike="noStrike" cap="none" spc="0" normalizeH="0" baseline="0" dirty="0">
-                <a:ln>
-                  <a:noFill/>
-                </a:ln>
-                <a:solidFill>
-                  <a:srgbClr val="0432FF"/>
-                </a:solidFill>
-                <a:effectLst/>
-                <a:uFillTx/>
-                <a:latin typeface="+mn-lt"/>
-                <a:ea typeface="+mn-ea"/>
-                <a:cs typeface="+mn-cs"/>
-                <a:sym typeface="Helvetica Neue Light"/>
-              </a:endParaRPr>
-            </a:p>
-          </p:txBody>
-        </p:sp>
-        <p:grpSp>
-          <p:nvGrpSpPr>
-            <p:cNvPr id="37" name="组合 36">
-              <a:extLst>
-                <a:ext uri="{FF2B5EF4-FFF2-40B4-BE49-F238E27FC236}">
-                  <a16:creationId xmlns:a16="http://schemas.microsoft.com/office/drawing/2014/main" id="{9450EE8A-CD6D-574E-AE51-463E66720D18}"/>
-                </a:ext>
-              </a:extLst>
-            </p:cNvPr>
-            <p:cNvGrpSpPr/>
-            <p:nvPr/>
-          </p:nvGrpSpPr>
-          <p:grpSpPr>
-            <a:xfrm>
-              <a:off x="6096573" y="5096182"/>
-              <a:ext cx="2185779" cy="295117"/>
-              <a:chOff x="6096573" y="5096182"/>
-              <a:chExt cx="2185779" cy="295117"/>
-            </a:xfrm>
-          </p:grpSpPr>
-          <p:cxnSp>
-            <p:nvCxnSpPr>
-              <p:cNvPr id="34" name="直线连接符 33">
-                <a:extLst>
-                  <a:ext uri="{FF2B5EF4-FFF2-40B4-BE49-F238E27FC236}">
-                    <a16:creationId xmlns:a16="http://schemas.microsoft.com/office/drawing/2014/main" id="{8173F957-FA35-9C45-9861-AE2E029E31A4}"/>
-                  </a:ext>
-                </a:extLst>
-              </p:cNvPr>
-              <p:cNvCxnSpPr>
-                <a:stCxn id="9" idx="3"/>
-              </p:cNvCxnSpPr>
-              <p:nvPr/>
-            </p:nvCxnSpPr>
-            <p:spPr>
-              <a:xfrm flipV="1">
-                <a:off x="6096573" y="5096182"/>
-                <a:ext cx="814181" cy="295117"/>
-              </a:xfrm>
-              <a:prstGeom prst="line">
-                <a:avLst/>
-              </a:prstGeom>
-              <a:noFill/>
-              <a:ln w="12700" cap="flat">
-                <a:solidFill>
-                  <a:srgbClr val="0070C0"/>
-                </a:solidFill>
-                <a:prstDash val="solid"/>
-                <a:miter lim="400000"/>
-              </a:ln>
-              <a:effectLst/>
-              <a:sp3d/>
-            </p:spPr>
-            <p:style>
-              <a:lnRef idx="0">
-                <a:scrgbClr r="0" g="0" b="0"/>
-              </a:lnRef>
-              <a:fillRef idx="0">
-                <a:scrgbClr r="0" g="0" b="0"/>
-              </a:fillRef>
-              <a:effectRef idx="0">
-                <a:scrgbClr r="0" g="0" b="0"/>
-              </a:effectRef>
-              <a:fontRef idx="none"/>
-            </p:style>
-          </p:cxnSp>
-          <p:cxnSp>
-            <p:nvCxnSpPr>
-              <p:cNvPr id="36" name="直线箭头连接符 35">
-                <a:extLst>
-                  <a:ext uri="{FF2B5EF4-FFF2-40B4-BE49-F238E27FC236}">
-                    <a16:creationId xmlns:a16="http://schemas.microsoft.com/office/drawing/2014/main" id="{600D1827-A1AD-9D4D-A06C-0F3788B22C2D}"/>
-                  </a:ext>
-                </a:extLst>
-              </p:cNvPr>
-              <p:cNvCxnSpPr>
-                <a:endCxn id="13" idx="1"/>
-              </p:cNvCxnSpPr>
-              <p:nvPr/>
-            </p:nvCxnSpPr>
-            <p:spPr>
-              <a:xfrm>
-                <a:off x="6908229" y="5096182"/>
-                <a:ext cx="1374123" cy="1"/>
-              </a:xfrm>
-              <a:prstGeom prst="straightConnector1">
-                <a:avLst/>
-              </a:prstGeom>
-              <a:noFill/>
-              <a:ln w="12700" cap="flat">
-                <a:solidFill>
-                  <a:srgbClr val="0070C0"/>
-                </a:solidFill>
-                <a:prstDash val="solid"/>
-                <a:miter lim="400000"/>
-                <a:tailEnd type="triangle"/>
-              </a:ln>
-              <a:effectLst/>
-              <a:sp3d/>
-            </p:spPr>
-            <p:style>
-              <a:lnRef idx="0">
-                <a:scrgbClr r="0" g="0" b="0"/>
-              </a:lnRef>
-              <a:fillRef idx="0">
-                <a:scrgbClr r="0" g="0" b="0"/>
-              </a:fillRef>
-              <a:effectRef idx="0">
-                <a:scrgbClr r="0" g="0" b="0"/>
-              </a:effectRef>
-              <a:fontRef idx="none"/>
-            </p:style>
-          </p:cxnSp>
-        </p:grpSp>
-      </p:grpSp>
-      <p:grpSp>
-        <p:nvGrpSpPr>
-          <p:cNvPr id="41" name="组合 40">
-            <a:extLst>
-              <a:ext uri="{FF2B5EF4-FFF2-40B4-BE49-F238E27FC236}">
-                <a16:creationId xmlns:a16="http://schemas.microsoft.com/office/drawing/2014/main" id="{6147FA03-3714-D945-BA83-56DE0DDCDD92}"/>
-              </a:ext>
-            </a:extLst>
-          </p:cNvPr>
-          <p:cNvGrpSpPr/>
-          <p:nvPr/>
-        </p:nvGrpSpPr>
-        <p:grpSpPr>
-          <a:xfrm>
-            <a:off x="6096573" y="5391299"/>
-            <a:ext cx="4501077" cy="1003094"/>
-            <a:chOff x="6155198" y="4388205"/>
-            <a:chExt cx="4501077" cy="1003094"/>
-          </a:xfrm>
-        </p:grpSpPr>
-        <p:sp>
-          <p:nvSpPr>
-            <p:cNvPr id="42" name="圆角矩形 41">
-              <a:extLst>
-                <a:ext uri="{FF2B5EF4-FFF2-40B4-BE49-F238E27FC236}">
-                  <a16:creationId xmlns:a16="http://schemas.microsoft.com/office/drawing/2014/main" id="{3F7AF615-55A8-B749-BA9A-DE5833E63FB5}"/>
-                </a:ext>
-              </a:extLst>
-            </p:cNvPr>
-            <p:cNvSpPr/>
-            <p:nvPr/>
-          </p:nvSpPr>
-          <p:spPr>
-            <a:xfrm>
-              <a:off x="8282352" y="4801066"/>
-              <a:ext cx="2373923" cy="590233"/>
-            </a:xfrm>
-            <a:prstGeom prst="roundRect">
-              <a:avLst/>
-            </a:prstGeom>
-            <a:noFill/>
-            <a:ln>
-              <a:solidFill>
-                <a:srgbClr val="0070C0"/>
-              </a:solidFill>
-            </a:ln>
-          </p:spPr>
-          <p:style>
-            <a:lnRef idx="2">
-              <a:schemeClr val="dk1"/>
-            </a:lnRef>
-            <a:fillRef idx="1">
-              <a:schemeClr val="lt1"/>
-            </a:fillRef>
-            <a:effectRef idx="0">
-              <a:schemeClr val="dk1"/>
-            </a:effectRef>
-            <a:fontRef idx="minor">
-              <a:schemeClr val="dk1"/>
-            </a:fontRef>
-          </p:style>
-          <p:txBody>
-            <a:bodyPr rot="0" spcFirstLastPara="1" vertOverflow="overflow" horzOverflow="overflow" vert="horz" wrap="square" lIns="50800" tIns="50800" rIns="50800" bIns="50800" numCol="1" spcCol="38100" rtlCol="0" anchor="ctr">
-              <a:spAutoFit/>
-            </a:bodyPr>
-            <a:lstStyle/>
-            <a:p>
-              <a:pPr marL="0" marR="0" indent="0" algn="ctr" defTabSz="584200" rtl="0" fontAlgn="auto" latinLnBrk="0" hangingPunct="0">
-                <a:lnSpc>
-                  <a:spcPct val="100000"/>
-                </a:lnSpc>
-                <a:spcBef>
-                  <a:spcPts val="0"/>
-                </a:spcBef>
-                <a:spcAft>
-                  <a:spcPts val="0"/>
-                </a:spcAft>
-                <a:buClrTx/>
-                <a:buSzTx/>
-                <a:buFontTx/>
-                <a:buNone/>
-                <a:tabLst/>
-              </a:pPr>
-              <a:r>
-                <a:rPr kumimoji="0" lang="en-US" altLang="zh-CN" sz="2800" b="0" i="0" u="none" strike="noStrike" cap="none" spc="0" normalizeH="0" baseline="0" dirty="0">
-                  <a:ln>
-                    <a:noFill/>
-                  </a:ln>
-                  <a:solidFill>
-                    <a:srgbClr val="0432FF"/>
-                  </a:solidFill>
-                  <a:effectLst/>
-                  <a:uFillTx/>
-                  <a:latin typeface="+mn-lt"/>
-                  <a:ea typeface="+mn-ea"/>
-                  <a:cs typeface="+mn-cs"/>
-                  <a:sym typeface="Helvetica Neue Light"/>
-                </a:rPr>
-                <a:t>……</a:t>
-              </a:r>
-              <a:endParaRPr kumimoji="0" lang="zh-CN" altLang="en-US" sz="2800" b="0" i="0" u="none" strike="noStrike" cap="none" spc="0" normalizeH="0" baseline="0" dirty="0">
-                <a:ln>
-                  <a:noFill/>
-                </a:ln>
-                <a:solidFill>
-                  <a:srgbClr val="0432FF"/>
-                </a:solidFill>
-                <a:effectLst/>
-                <a:uFillTx/>
-                <a:latin typeface="+mn-lt"/>
-                <a:ea typeface="+mn-ea"/>
-                <a:cs typeface="+mn-cs"/>
-                <a:sym typeface="Helvetica Neue Light"/>
-              </a:endParaRPr>
-            </a:p>
-          </p:txBody>
-        </p:sp>
-        <p:grpSp>
-          <p:nvGrpSpPr>
-            <p:cNvPr id="43" name="组合 42">
-              <a:extLst>
-                <a:ext uri="{FF2B5EF4-FFF2-40B4-BE49-F238E27FC236}">
-                  <a16:creationId xmlns:a16="http://schemas.microsoft.com/office/drawing/2014/main" id="{AB1A8E9C-6F2E-084A-9856-4E5B461A0D79}"/>
-                </a:ext>
-              </a:extLst>
-            </p:cNvPr>
-            <p:cNvGrpSpPr/>
-            <p:nvPr/>
-          </p:nvGrpSpPr>
-          <p:grpSpPr>
-            <a:xfrm>
-              <a:off x="6155198" y="4388205"/>
-              <a:ext cx="2127154" cy="707978"/>
-              <a:chOff x="6155198" y="4388205"/>
-              <a:chExt cx="2127154" cy="707978"/>
-            </a:xfrm>
-          </p:grpSpPr>
-          <p:cxnSp>
-            <p:nvCxnSpPr>
-              <p:cNvPr id="44" name="直线连接符 43">
-                <a:extLst>
-                  <a:ext uri="{FF2B5EF4-FFF2-40B4-BE49-F238E27FC236}">
-                    <a16:creationId xmlns:a16="http://schemas.microsoft.com/office/drawing/2014/main" id="{BEA4716C-5803-1144-A13F-46255FCB9DDE}"/>
-                  </a:ext>
-                </a:extLst>
-              </p:cNvPr>
-              <p:cNvCxnSpPr>
-                <a:cxnSpLocks/>
-                <a:stCxn id="9" idx="3"/>
-              </p:cNvCxnSpPr>
-              <p:nvPr/>
-            </p:nvCxnSpPr>
-            <p:spPr>
-              <a:xfrm>
-                <a:off x="6155198" y="4388205"/>
-                <a:ext cx="755556" cy="707978"/>
-              </a:xfrm>
-              <a:prstGeom prst="line">
-                <a:avLst/>
-              </a:prstGeom>
-              <a:noFill/>
-              <a:ln w="12700" cap="flat">
-                <a:solidFill>
-                  <a:srgbClr val="0070C0"/>
-                </a:solidFill>
-                <a:prstDash val="solid"/>
-                <a:miter lim="400000"/>
-              </a:ln>
-              <a:effectLst/>
-              <a:sp3d/>
-            </p:spPr>
-            <p:style>
-              <a:lnRef idx="0">
-                <a:scrgbClr r="0" g="0" b="0"/>
-              </a:lnRef>
-              <a:fillRef idx="0">
-                <a:scrgbClr r="0" g="0" b="0"/>
-              </a:fillRef>
-              <a:effectRef idx="0">
-                <a:scrgbClr r="0" g="0" b="0"/>
-              </a:effectRef>
-              <a:fontRef idx="none"/>
-            </p:style>
-          </p:cxnSp>
-          <p:cxnSp>
-            <p:nvCxnSpPr>
-              <p:cNvPr id="45" name="直线箭头连接符 44">
-                <a:extLst>
-                  <a:ext uri="{FF2B5EF4-FFF2-40B4-BE49-F238E27FC236}">
-                    <a16:creationId xmlns:a16="http://schemas.microsoft.com/office/drawing/2014/main" id="{94DD1650-9B3A-344A-A006-0167E27E8603}"/>
-                  </a:ext>
-                </a:extLst>
-              </p:cNvPr>
-              <p:cNvCxnSpPr>
-                <a:cxnSpLocks/>
-                <a:endCxn id="42" idx="1"/>
-              </p:cNvCxnSpPr>
-              <p:nvPr/>
-            </p:nvCxnSpPr>
-            <p:spPr>
-              <a:xfrm>
-                <a:off x="6908229" y="5096182"/>
-                <a:ext cx="1374123" cy="1"/>
-              </a:xfrm>
-              <a:prstGeom prst="straightConnector1">
-                <a:avLst/>
-              </a:prstGeom>
-              <a:noFill/>
-              <a:ln w="12700" cap="flat">
-                <a:solidFill>
-                  <a:srgbClr val="0070C0"/>
-                </a:solidFill>
-                <a:prstDash val="solid"/>
-                <a:miter lim="400000"/>
-                <a:tailEnd type="triangle"/>
-              </a:ln>
-              <a:effectLst/>
-              <a:sp3d/>
-            </p:spPr>
-            <p:style>
-              <a:lnRef idx="0">
-                <a:scrgbClr r="0" g="0" b="0"/>
-              </a:lnRef>
-              <a:fillRef idx="0">
-                <a:scrgbClr r="0" g="0" b="0"/>
-              </a:fillRef>
-              <a:effectRef idx="0">
-                <a:scrgbClr r="0" g="0" b="0"/>
-              </a:effectRef>
-              <a:fontRef idx="none"/>
-            </p:style>
-          </p:cxnSp>
-        </p:grpSp>
-      </p:grpSp>
-      <p:sp>
-        <p:nvSpPr>
-          <p:cNvPr id="47" name="文本框 46">
-            <a:extLst>
-              <a:ext uri="{FF2B5EF4-FFF2-40B4-BE49-F238E27FC236}">
-                <a16:creationId xmlns:a16="http://schemas.microsoft.com/office/drawing/2014/main" id="{B16B733E-52CE-684F-AFEF-E7D0CDED750F}"/>
-              </a:ext>
-            </a:extLst>
-          </p:cNvPr>
-          <p:cNvSpPr txBox="1"/>
-          <p:nvPr/>
-        </p:nvSpPr>
-        <p:spPr>
-          <a:xfrm>
-            <a:off x="922988" y="4829443"/>
-            <a:ext cx="2003754" cy="533479"/>
-          </a:xfrm>
-          <a:prstGeom prst="rect">
-            <a:avLst/>
-          </a:prstGeom>
-          <a:noFill/>
-          <a:ln w="12700" cap="flat">
-            <a:noFill/>
-            <a:miter lim="400000"/>
-          </a:ln>
-          <a:effectLst/>
-          <a:sp3d/>
-        </p:spPr>
-        <p:style>
-          <a:lnRef idx="0">
-            <a:scrgbClr r="0" g="0" b="0"/>
-          </a:lnRef>
-          <a:fillRef idx="0">
-            <a:scrgbClr r="0" g="0" b="0"/>
-          </a:fillRef>
-          <a:effectRef idx="0">
-            <a:scrgbClr r="0" g="0" b="0"/>
-          </a:effectRef>
-          <a:fontRef idx="none"/>
-        </p:style>
-        <p:txBody>
-          <a:bodyPr rot="0" spcFirstLastPara="1" vertOverflow="overflow" horzOverflow="overflow" vert="horz" wrap="none" lIns="50800" tIns="50800" rIns="50800" bIns="50800" numCol="1" spcCol="38100" rtlCol="0" anchor="ctr">
-            <a:spAutoFit/>
-          </a:bodyPr>
-          <a:lstStyle/>
-          <a:p>
-            <a:pPr marL="0" marR="0" indent="0" algn="l" defTabSz="584200" rtl="0" fontAlgn="auto" latinLnBrk="0" hangingPunct="0">
-              <a:lnSpc>
-                <a:spcPct val="100000"/>
-              </a:lnSpc>
-              <a:spcBef>
-                <a:spcPts val="0"/>
-              </a:spcBef>
-              <a:spcAft>
-                <a:spcPts val="0"/>
-              </a:spcAft>
-              <a:buClrTx/>
-              <a:buSzTx/>
-              <a:buFontTx/>
-              <a:buNone/>
-              <a:tabLst/>
-            </a:pPr>
-            <a:r>
-              <a:rPr kumimoji="0" lang="en-US" altLang="zh-CN" sz="2800" b="0" i="0" u="none" strike="noStrike" cap="none" spc="0" normalizeH="0" baseline="0" dirty="0">
-                <a:ln>
-                  <a:noFill/>
-                </a:ln>
-                <a:solidFill>
-                  <a:srgbClr val="000000"/>
-                </a:solidFill>
-                <a:effectLst/>
-                <a:uFillTx/>
-                <a:latin typeface="Monaco"/>
-                <a:ea typeface="Monaco"/>
-                <a:cs typeface="Monaco"/>
-                <a:sym typeface="Monaco"/>
-              </a:rPr>
-              <a:t>library(</a:t>
-            </a:r>
-            <a:r>
-              <a:rPr kumimoji="0" lang="en-US" altLang="zh-CN" sz="2800" b="0" i="0" u="none" strike="noStrike" cap="none" spc="0" normalizeH="0" baseline="0" dirty="0" err="1">
-                <a:ln>
-                  <a:noFill/>
-                </a:ln>
-                <a:solidFill>
-                  <a:srgbClr val="000000"/>
-                </a:solidFill>
-                <a:effectLst/>
-                <a:uFillTx/>
-                <a:latin typeface="Monaco"/>
-                <a:ea typeface="Monaco"/>
-                <a:cs typeface="Monaco"/>
-                <a:sym typeface="Monaco"/>
-              </a:rPr>
-              <a:t>dplyr</a:t>
-            </a:r>
-            <a:r>
-              <a:rPr kumimoji="0" lang="en-US" altLang="zh-CN" sz="2800" b="0" i="0" u="none" strike="noStrike" cap="none" spc="0" normalizeH="0" baseline="0" dirty="0">
-                <a:ln>
-                  <a:noFill/>
-                </a:ln>
-                <a:solidFill>
-                  <a:srgbClr val="000000"/>
-                </a:solidFill>
-                <a:effectLst/>
-                <a:uFillTx/>
-                <a:latin typeface="Monaco"/>
-                <a:ea typeface="Monaco"/>
-                <a:cs typeface="Monaco"/>
-                <a:sym typeface="Monaco"/>
-              </a:rPr>
-              <a:t>)</a:t>
-            </a:r>
-            <a:endParaRPr kumimoji="0" lang="zh-CN" altLang="en-US" sz="2800" b="0" i="0" u="none" strike="noStrike" cap="none" spc="0" normalizeH="0" baseline="0" dirty="0">
-              <a:ln>
-                <a:noFill/>
-              </a:ln>
-              <a:solidFill>
-                <a:srgbClr val="000000"/>
-              </a:solidFill>
-              <a:effectLst/>
-              <a:uFillTx/>
-              <a:latin typeface="Monaco"/>
-              <a:ea typeface="Monaco"/>
-              <a:cs typeface="Monaco"/>
-              <a:sym typeface="Monaco"/>
-            </a:endParaRPr>
-          </a:p>
-        </p:txBody>
-      </p:sp>
-      <p:grpSp>
-        <p:nvGrpSpPr>
-          <p:cNvPr id="56" name="组合 55">
-            <a:extLst>
-              <a:ext uri="{FF2B5EF4-FFF2-40B4-BE49-F238E27FC236}">
-                <a16:creationId xmlns:a16="http://schemas.microsoft.com/office/drawing/2014/main" id="{523C3757-FA5B-024D-8AD3-327DBC9011A2}"/>
-              </a:ext>
-            </a:extLst>
-          </p:cNvPr>
-          <p:cNvGrpSpPr/>
-          <p:nvPr/>
-        </p:nvGrpSpPr>
-        <p:grpSpPr>
-          <a:xfrm>
-            <a:off x="2097037" y="6188291"/>
-            <a:ext cx="4173930" cy="2697643"/>
-            <a:chOff x="2097037" y="6188291"/>
-            <a:chExt cx="4173930" cy="2697643"/>
-          </a:xfrm>
-        </p:grpSpPr>
-        <p:pic>
-          <p:nvPicPr>
-            <p:cNvPr id="49" name="图片 48">
-              <a:extLst>
-                <a:ext uri="{FF2B5EF4-FFF2-40B4-BE49-F238E27FC236}">
-                  <a16:creationId xmlns:a16="http://schemas.microsoft.com/office/drawing/2014/main" id="{F1228D4F-5CD9-2A49-B5BD-31B59605EBA6}"/>
-                </a:ext>
-              </a:extLst>
-            </p:cNvPr>
-            <p:cNvPicPr>
-              <a:picLocks noChangeAspect="1"/>
-            </p:cNvPicPr>
-            <p:nvPr/>
-          </p:nvPicPr>
-          <p:blipFill rotWithShape="1">
-            <a:blip r:embed="rId3">
-              <a:extLst>
-                <a:ext uri="{28A0092B-C50C-407E-A947-70E740481C1C}">
-                  <a14:useLocalDpi xmlns:a14="http://schemas.microsoft.com/office/drawing/2010/main" val="0"/>
-                </a:ext>
-              </a:extLst>
-            </a:blip>
-            <a:srcRect l="27303" t="17653" r="30302" b="33120"/>
-            <a:stretch/>
-          </p:blipFill>
-          <p:spPr>
-            <a:xfrm>
-              <a:off x="4548055" y="7385509"/>
-              <a:ext cx="1722912" cy="1500425"/>
-            </a:xfrm>
-            <a:prstGeom prst="rect">
-              <a:avLst/>
-            </a:prstGeom>
-          </p:spPr>
-        </p:pic>
-        <p:cxnSp>
-          <p:nvCxnSpPr>
-            <p:cNvPr id="51" name="直线连接符 50">
-              <a:extLst>
-                <a:ext uri="{FF2B5EF4-FFF2-40B4-BE49-F238E27FC236}">
-                  <a16:creationId xmlns:a16="http://schemas.microsoft.com/office/drawing/2014/main" id="{ACB77328-21B6-CE44-BE8F-DDA14187A685}"/>
-                </a:ext>
-              </a:extLst>
-            </p:cNvPr>
-            <p:cNvCxnSpPr>
-              <a:stCxn id="9" idx="2"/>
-              <a:endCxn id="49" idx="0"/>
-            </p:cNvCxnSpPr>
-            <p:nvPr/>
-          </p:nvCxnSpPr>
-          <p:spPr>
-            <a:xfrm>
-              <a:off x="5409511" y="6188291"/>
-              <a:ext cx="0" cy="1197218"/>
-            </a:xfrm>
-            <a:prstGeom prst="line">
-              <a:avLst/>
-            </a:prstGeom>
-            <a:noFill/>
-            <a:ln w="28575" cap="flat">
-              <a:solidFill>
-                <a:srgbClr val="ABABAB"/>
-              </a:solidFill>
-              <a:prstDash val="dash"/>
-              <a:miter lim="400000"/>
-            </a:ln>
-            <a:effectLst/>
-            <a:sp3d/>
-          </p:spPr>
-          <p:style>
-            <a:lnRef idx="0">
-              <a:scrgbClr r="0" g="0" b="0"/>
-            </a:lnRef>
-            <a:fillRef idx="0">
-              <a:scrgbClr r="0" g="0" b="0"/>
-            </a:fillRef>
-            <a:effectRef idx="0">
-              <a:scrgbClr r="0" g="0" b="0"/>
-            </a:effectRef>
-            <a:fontRef idx="none"/>
-          </p:style>
-        </p:cxnSp>
-        <p:sp>
-          <p:nvSpPr>
-            <p:cNvPr id="52" name="文本框 51">
-              <a:extLst>
-                <a:ext uri="{FF2B5EF4-FFF2-40B4-BE49-F238E27FC236}">
-                  <a16:creationId xmlns:a16="http://schemas.microsoft.com/office/drawing/2014/main" id="{82402A8E-03A9-1946-8D50-31EABE9E534C}"/>
-                </a:ext>
-              </a:extLst>
-            </p:cNvPr>
-            <p:cNvSpPr txBox="1"/>
-            <p:nvPr/>
-          </p:nvSpPr>
-          <p:spPr>
-            <a:xfrm>
-              <a:off x="2097037" y="7910071"/>
-              <a:ext cx="750205" cy="425758"/>
-            </a:xfrm>
-            <a:prstGeom prst="rect">
-              <a:avLst/>
-            </a:prstGeom>
-            <a:noFill/>
-            <a:ln w="12700" cap="flat">
-              <a:noFill/>
-              <a:miter lim="400000"/>
-            </a:ln>
-            <a:effectLst/>
-            <a:sp3d/>
-          </p:spPr>
-          <p:style>
-            <a:lnRef idx="0">
-              <a:scrgbClr r="0" g="0" b="0"/>
-            </a:lnRef>
-            <a:fillRef idx="0">
-              <a:scrgbClr r="0" g="0" b="0"/>
-            </a:fillRef>
-            <a:effectRef idx="0">
-              <a:scrgbClr r="0" g="0" b="0"/>
-            </a:effectRef>
-            <a:fontRef idx="none"/>
-          </p:style>
-          <p:txBody>
-            <a:bodyPr rot="0" spcFirstLastPara="1" vertOverflow="overflow" horzOverflow="overflow" vert="horz" wrap="none" lIns="50800" tIns="50800" rIns="50800" bIns="50800" numCol="1" spcCol="38100" rtlCol="0" anchor="ctr">
-              <a:spAutoFit/>
-            </a:bodyPr>
-            <a:lstStyle/>
-            <a:p>
-              <a:pPr marL="0" marR="0" indent="0" algn="l" defTabSz="584200" rtl="0" fontAlgn="auto" latinLnBrk="0" hangingPunct="0">
-                <a:lnSpc>
-                  <a:spcPct val="100000"/>
-                </a:lnSpc>
-                <a:spcBef>
-                  <a:spcPts val="0"/>
-                </a:spcBef>
-                <a:spcAft>
-                  <a:spcPts val="0"/>
-                </a:spcAft>
-                <a:buClrTx/>
-                <a:buSzTx/>
-                <a:buFontTx/>
-                <a:buNone/>
-                <a:tabLst/>
-              </a:pPr>
-              <a:r>
-                <a:rPr kumimoji="0" lang="en-US" altLang="zh-CN" sz="2100" b="0" i="0" u="none" strike="noStrike" cap="none" spc="0" normalizeH="0" baseline="0" dirty="0">
-                  <a:ln>
-                    <a:noFill/>
-                  </a:ln>
-                  <a:solidFill>
-                    <a:srgbClr val="000000"/>
-                  </a:solidFill>
-                  <a:effectLst/>
-                  <a:uFillTx/>
-                  <a:latin typeface="Monaco"/>
-                  <a:ea typeface="Monaco"/>
-                  <a:cs typeface="Monaco"/>
-                  <a:sym typeface="Monaco"/>
-                </a:rPr>
-                <a:t>CRAN</a:t>
-              </a:r>
-              <a:endParaRPr kumimoji="0" lang="zh-CN" altLang="en-US" sz="2100" b="0" i="0" u="none" strike="noStrike" cap="none" spc="0" normalizeH="0" baseline="0" dirty="0">
-                <a:ln>
-                  <a:noFill/>
-                </a:ln>
-                <a:solidFill>
-                  <a:srgbClr val="000000"/>
-                </a:solidFill>
-                <a:effectLst/>
-                <a:uFillTx/>
-                <a:latin typeface="Monaco"/>
-                <a:ea typeface="Monaco"/>
-                <a:cs typeface="Monaco"/>
-                <a:sym typeface="Monaco"/>
-              </a:endParaRPr>
-            </a:p>
-          </p:txBody>
-        </p:sp>
-        <p:cxnSp>
-          <p:nvCxnSpPr>
-            <p:cNvPr id="54" name="直线连接符 53">
-              <a:extLst>
-                <a:ext uri="{FF2B5EF4-FFF2-40B4-BE49-F238E27FC236}">
-                  <a16:creationId xmlns:a16="http://schemas.microsoft.com/office/drawing/2014/main" id="{D613E74F-5759-A04B-B794-F9B6C65C16DF}"/>
-                </a:ext>
-              </a:extLst>
-            </p:cNvPr>
-            <p:cNvCxnSpPr>
-              <a:cxnSpLocks/>
-              <a:stCxn id="49" idx="1"/>
-              <a:endCxn id="52" idx="3"/>
-            </p:cNvCxnSpPr>
-            <p:nvPr/>
-          </p:nvCxnSpPr>
-          <p:spPr>
-            <a:xfrm flipH="1" flipV="1">
-              <a:off x="2847242" y="8122950"/>
-              <a:ext cx="1700813" cy="12772"/>
-            </a:xfrm>
-            <a:prstGeom prst="line">
-              <a:avLst/>
-            </a:prstGeom>
-            <a:noFill/>
-            <a:ln w="28575" cap="flat">
-              <a:solidFill>
-                <a:srgbClr val="ABABAB"/>
-              </a:solidFill>
-              <a:prstDash val="dash"/>
-              <a:miter lim="400000"/>
-            </a:ln>
-            <a:effectLst/>
-            <a:sp3d/>
-          </p:spPr>
-          <p:style>
-            <a:lnRef idx="0">
-              <a:scrgbClr r="0" g="0" b="0"/>
-            </a:lnRef>
-            <a:fillRef idx="0">
-              <a:scrgbClr r="0" g="0" b="0"/>
-            </a:fillRef>
-            <a:effectRef idx="0">
-              <a:scrgbClr r="0" g="0" b="0"/>
-            </a:effectRef>
-            <a:fontRef idx="none"/>
-          </p:style>
-        </p:cxnSp>
-      </p:grpSp>
-      <p:sp>
-        <p:nvSpPr>
-          <p:cNvPr id="2" name="灯片编号占位符 1"/>
-          <p:cNvSpPr>
-            <a:spLocks noGrp="1"/>
-          </p:cNvSpPr>
-          <p:nvPr>
-            <p:ph type="sldNum" sz="quarter" idx="2"/>
-          </p:nvPr>
-        </p:nvSpPr>
-        <p:spPr/>
-        <p:txBody>
-          <a:bodyPr/>
-          <a:lstStyle/>
-          <a:p>
-            <a:fld id="{86CB4B4D-7CA3-9044-876B-883B54F8677D}" type="slidenum">
-              <a:rPr lang="en-US" altLang="zh-CN" smtClean="0"/>
-              <a:t>19</a:t>
-            </a:fld>
-            <a:endParaRPr lang="zh-CN" altLang="en-US"/>
-          </a:p>
-        </p:txBody>
-      </p:sp>
-    </p:spTree>
-    <p:extLst>
-      <p:ext uri="{BB962C8B-B14F-4D97-AF65-F5344CB8AC3E}">
-        <p14:creationId xmlns:p14="http://schemas.microsoft.com/office/powerpoint/2010/main" val="2894958067"/>
-      </p:ext>
-    </p:extLst>
-  </p:cSld>
-  <p:clrMapOvr>
-    <a:masterClrMapping/>
-  </p:clrMapOvr>
-  <p:transition spd="med">
-    <p:pull/>
-  </p:transition>
-  <p:timing>
-    <p:tnLst>
-      <p:par>
-        <p:cTn id="1" dur="indefinite" restart="never" nodeType="tmRoot">
-          <p:childTnLst>
-            <p:seq concurrent="1" nextAc="seek">
-              <p:cTn id="2" dur="indefinite" nodeType="mainSeq">
-                <p:childTnLst>
-                  <p:par>
-                    <p:cTn id="3" fill="hold">
-                      <p:stCondLst>
-                        <p:cond delay="indefinite"/>
-                      </p:stCondLst>
-                      <p:childTnLst>
-                        <p:par>
-                          <p:cTn id="4" fill="hold">
-                            <p:stCondLst>
-                              <p:cond delay="0"/>
-                            </p:stCondLst>
-                            <p:childTnLst>
-                              <p:par>
-                                <p:cTn id="5" presetID="10" presetClass="entr" presetSubtype="0" fill="hold" nodeType="clickEffect">
-                                  <p:stCondLst>
-                                    <p:cond delay="0"/>
-                                  </p:stCondLst>
-                                  <p:childTnLst>
-                                    <p:set>
-                                      <p:cBhvr>
-                                        <p:cTn id="6" dur="1" fill="hold">
-                                          <p:stCondLst>
-                                            <p:cond delay="0"/>
-                                          </p:stCondLst>
-                                        </p:cTn>
-                                        <p:tgtEl>
-                                          <p:spTgt spid="7">
-                                            <p:txEl>
-                                              <p:pRg st="0" end="0"/>
-                                            </p:txEl>
-                                          </p:spTgt>
-                                        </p:tgtEl>
-                                        <p:attrNameLst>
-                                          <p:attrName>style.visibility</p:attrName>
-                                        </p:attrNameLst>
-                                      </p:cBhvr>
-                                      <p:to>
-                                        <p:strVal val="visible"/>
-                                      </p:to>
-                                    </p:set>
-                                    <p:animEffect transition="in" filter="fade">
-                                      <p:cBhvr>
-                                        <p:cTn id="7" dur="500"/>
-                                        <p:tgtEl>
-                                          <p:spTgt spid="7">
-                                            <p:txEl>
-                                              <p:pRg st="0" end="0"/>
-                                            </p:txEl>
-                                          </p:spTgt>
-                                        </p:tgtEl>
-                                      </p:cBhvr>
-                                    </p:animEffect>
-                                  </p:childTnLst>
-                                </p:cTn>
-                              </p:par>
-                            </p:childTnLst>
-                          </p:cTn>
-                        </p:par>
-                        <p:par>
-                          <p:cTn id="8" fill="hold">
-                            <p:stCondLst>
-                              <p:cond delay="500"/>
-                            </p:stCondLst>
-                            <p:childTnLst>
-                              <p:par>
-                                <p:cTn id="9" presetID="42" presetClass="entr" presetSubtype="0" fill="hold" nodeType="afterEffect">
-                                  <p:stCondLst>
-                                    <p:cond delay="0"/>
-                                  </p:stCondLst>
-                                  <p:childTnLst>
-                                    <p:set>
-                                      <p:cBhvr>
-                                        <p:cTn id="10" dur="1" fill="hold">
-                                          <p:stCondLst>
-                                            <p:cond delay="0"/>
-                                          </p:stCondLst>
-                                        </p:cTn>
-                                        <p:tgtEl>
-                                          <p:spTgt spid="9"/>
-                                        </p:tgtEl>
-                                        <p:attrNameLst>
-                                          <p:attrName>style.visibility</p:attrName>
-                                        </p:attrNameLst>
-                                      </p:cBhvr>
-                                      <p:to>
-                                        <p:strVal val="visible"/>
-                                      </p:to>
-                                    </p:set>
-                                    <p:animEffect transition="in" filter="fade">
-                                      <p:cBhvr>
-                                        <p:cTn id="11" dur="1000"/>
-                                        <p:tgtEl>
-                                          <p:spTgt spid="9"/>
-                                        </p:tgtEl>
-                                      </p:cBhvr>
-                                    </p:animEffect>
-                                    <p:anim calcmode="lin" valueType="num">
-                                      <p:cBhvr>
-                                        <p:cTn id="12" dur="1000" fill="hold"/>
-                                        <p:tgtEl>
-                                          <p:spTgt spid="9"/>
-                                        </p:tgtEl>
-                                        <p:attrNameLst>
-                                          <p:attrName>ppt_x</p:attrName>
-                                        </p:attrNameLst>
-                                      </p:cBhvr>
-                                      <p:tavLst>
-                                        <p:tav tm="0">
-                                          <p:val>
-                                            <p:strVal val="#ppt_x"/>
-                                          </p:val>
-                                        </p:tav>
-                                        <p:tav tm="100000">
-                                          <p:val>
-                                            <p:strVal val="#ppt_x"/>
-                                          </p:val>
-                                        </p:tav>
-                                      </p:tavLst>
-                                    </p:anim>
-                                    <p:anim calcmode="lin" valueType="num">
-                                      <p:cBhvr>
-                                        <p:cTn id="13" dur="1000" fill="hold"/>
-                                        <p:tgtEl>
-                                          <p:spTgt spid="9"/>
-                                        </p:tgtEl>
-                                        <p:attrNameLst>
-                                          <p:attrName>ppt_y</p:attrName>
-                                        </p:attrNameLst>
-                                      </p:cBhvr>
-                                      <p:tavLst>
-                                        <p:tav tm="0">
-                                          <p:val>
-                                            <p:strVal val="#ppt_y+.1"/>
-                                          </p:val>
-                                        </p:tav>
-                                        <p:tav tm="100000">
-                                          <p:val>
-                                            <p:strVal val="#ppt_y"/>
-                                          </p:val>
-                                        </p:tav>
-                                      </p:tavLst>
-                                    </p:anim>
-                                  </p:childTnLst>
-                                </p:cTn>
-                              </p:par>
-                            </p:childTnLst>
-                          </p:cTn>
-                        </p:par>
-                      </p:childTnLst>
-                    </p:cTn>
-                  </p:par>
-                  <p:par>
-                    <p:cTn id="14" fill="hold">
-                      <p:stCondLst>
-                        <p:cond delay="indefinite"/>
-                      </p:stCondLst>
-                      <p:childTnLst>
-                        <p:par>
-                          <p:cTn id="15" fill="hold">
-                            <p:stCondLst>
-                              <p:cond delay="0"/>
-                            </p:stCondLst>
-                            <p:childTnLst>
-                              <p:par>
-                                <p:cTn id="16" presetID="22" presetClass="entr" presetSubtype="8" fill="hold" nodeType="clickEffect">
-                                  <p:stCondLst>
-                                    <p:cond delay="0"/>
-                                  </p:stCondLst>
-                                  <p:childTnLst>
-                                    <p:set>
-                                      <p:cBhvr>
-                                        <p:cTn id="17" dur="1" fill="hold">
-                                          <p:stCondLst>
-                                            <p:cond delay="0"/>
-                                          </p:stCondLst>
-                                        </p:cTn>
-                                        <p:tgtEl>
-                                          <p:spTgt spid="38"/>
-                                        </p:tgtEl>
-                                        <p:attrNameLst>
-                                          <p:attrName>style.visibility</p:attrName>
-                                        </p:attrNameLst>
-                                      </p:cBhvr>
-                                      <p:to>
-                                        <p:strVal val="visible"/>
-                                      </p:to>
-                                    </p:set>
-                                    <p:animEffect transition="in" filter="wipe(left)">
-                                      <p:cBhvr>
-                                        <p:cTn id="18" dur="500"/>
-                                        <p:tgtEl>
-                                          <p:spTgt spid="38"/>
-                                        </p:tgtEl>
-                                      </p:cBhvr>
-                                    </p:animEffect>
-                                  </p:childTnLst>
-                                </p:cTn>
-                              </p:par>
-                            </p:childTnLst>
-                          </p:cTn>
-                        </p:par>
-                      </p:childTnLst>
-                    </p:cTn>
-                  </p:par>
-                  <p:par>
-                    <p:cTn id="19" fill="hold">
-                      <p:stCondLst>
-                        <p:cond delay="indefinite"/>
-                      </p:stCondLst>
-                      <p:childTnLst>
-                        <p:par>
-                          <p:cTn id="20" fill="hold">
-                            <p:stCondLst>
-                              <p:cond delay="0"/>
-                            </p:stCondLst>
-                            <p:childTnLst>
-                              <p:par>
-                                <p:cTn id="21" presetID="22" presetClass="entr" presetSubtype="8" fill="hold" nodeType="clickEffect">
-                                  <p:stCondLst>
-                                    <p:cond delay="0"/>
-                                  </p:stCondLst>
-                                  <p:childTnLst>
-                                    <p:set>
-                                      <p:cBhvr>
-                                        <p:cTn id="22" dur="1" fill="hold">
-                                          <p:stCondLst>
-                                            <p:cond delay="0"/>
-                                          </p:stCondLst>
-                                        </p:cTn>
-                                        <p:tgtEl>
-                                          <p:spTgt spid="39"/>
-                                        </p:tgtEl>
-                                        <p:attrNameLst>
-                                          <p:attrName>style.visibility</p:attrName>
-                                        </p:attrNameLst>
-                                      </p:cBhvr>
-                                      <p:to>
-                                        <p:strVal val="visible"/>
-                                      </p:to>
-                                    </p:set>
-                                    <p:animEffect transition="in" filter="wipe(left)">
-                                      <p:cBhvr>
-                                        <p:cTn id="23" dur="500"/>
-                                        <p:tgtEl>
-                                          <p:spTgt spid="39"/>
-                                        </p:tgtEl>
-                                      </p:cBhvr>
-                                    </p:animEffect>
-                                  </p:childTnLst>
-                                </p:cTn>
-                              </p:par>
-                            </p:childTnLst>
-                          </p:cTn>
-                        </p:par>
-                      </p:childTnLst>
-                    </p:cTn>
-                  </p:par>
-                  <p:par>
-                    <p:cTn id="24" fill="hold">
-                      <p:stCondLst>
-                        <p:cond delay="indefinite"/>
-                      </p:stCondLst>
-                      <p:childTnLst>
-                        <p:par>
-                          <p:cTn id="25" fill="hold">
-                            <p:stCondLst>
-                              <p:cond delay="0"/>
-                            </p:stCondLst>
-                            <p:childTnLst>
-                              <p:par>
-                                <p:cTn id="26" presetID="22" presetClass="entr" presetSubtype="8" fill="hold" nodeType="clickEffect">
-                                  <p:stCondLst>
-                                    <p:cond delay="0"/>
-                                  </p:stCondLst>
-                                  <p:childTnLst>
-                                    <p:set>
-                                      <p:cBhvr>
-                                        <p:cTn id="27" dur="1" fill="hold">
-                                          <p:stCondLst>
-                                            <p:cond delay="0"/>
-                                          </p:stCondLst>
-                                        </p:cTn>
-                                        <p:tgtEl>
-                                          <p:spTgt spid="40"/>
-                                        </p:tgtEl>
-                                        <p:attrNameLst>
-                                          <p:attrName>style.visibility</p:attrName>
-                                        </p:attrNameLst>
-                                      </p:cBhvr>
-                                      <p:to>
-                                        <p:strVal val="visible"/>
-                                      </p:to>
-                                    </p:set>
-                                    <p:animEffect transition="in" filter="wipe(left)">
-                                      <p:cBhvr>
-                                        <p:cTn id="28" dur="500"/>
-                                        <p:tgtEl>
-                                          <p:spTgt spid="40"/>
-                                        </p:tgtEl>
-                                      </p:cBhvr>
-                                    </p:animEffect>
-                                  </p:childTnLst>
-                                </p:cTn>
-                              </p:par>
-                            </p:childTnLst>
-                          </p:cTn>
-                        </p:par>
-                      </p:childTnLst>
-                    </p:cTn>
-                  </p:par>
-                  <p:par>
-                    <p:cTn id="29" fill="hold">
-                      <p:stCondLst>
-                        <p:cond delay="indefinite"/>
-                      </p:stCondLst>
-                      <p:childTnLst>
-                        <p:par>
-                          <p:cTn id="30" fill="hold">
-                            <p:stCondLst>
-                              <p:cond delay="0"/>
-                            </p:stCondLst>
-                            <p:childTnLst>
-                              <p:par>
-                                <p:cTn id="31" presetID="22" presetClass="entr" presetSubtype="8" fill="hold" nodeType="clickEffect">
-                                  <p:stCondLst>
-                                    <p:cond delay="0"/>
-                                  </p:stCondLst>
-                                  <p:childTnLst>
-                                    <p:set>
-                                      <p:cBhvr>
-                                        <p:cTn id="32" dur="1" fill="hold">
-                                          <p:stCondLst>
-                                            <p:cond delay="0"/>
-                                          </p:stCondLst>
-                                        </p:cTn>
-                                        <p:tgtEl>
-                                          <p:spTgt spid="41"/>
-                                        </p:tgtEl>
-                                        <p:attrNameLst>
-                                          <p:attrName>style.visibility</p:attrName>
-                                        </p:attrNameLst>
-                                      </p:cBhvr>
-                                      <p:to>
-                                        <p:strVal val="visible"/>
-                                      </p:to>
-                                    </p:set>
-                                    <p:animEffect transition="in" filter="wipe(left)">
-                                      <p:cBhvr>
-                                        <p:cTn id="33" dur="500"/>
-                                        <p:tgtEl>
-                                          <p:spTgt spid="41"/>
-                                        </p:tgtEl>
-                                      </p:cBhvr>
-                                    </p:animEffect>
-                                  </p:childTnLst>
-                                </p:cTn>
-                              </p:par>
-                            </p:childTnLst>
-                          </p:cTn>
-                        </p:par>
-                      </p:childTnLst>
-                    </p:cTn>
-                  </p:par>
-                  <p:par>
-                    <p:cTn id="34" fill="hold">
-                      <p:stCondLst>
-                        <p:cond delay="indefinite"/>
-                      </p:stCondLst>
-                      <p:childTnLst>
-                        <p:par>
-                          <p:cTn id="35" fill="hold">
-                            <p:stCondLst>
-                              <p:cond delay="0"/>
-                            </p:stCondLst>
-                            <p:childTnLst>
-                              <p:par>
-                                <p:cTn id="36" presetID="10" presetClass="entr" presetSubtype="0" fill="hold" nodeType="clickEffect">
-                                  <p:stCondLst>
-                                    <p:cond delay="0"/>
-                                  </p:stCondLst>
-                                  <p:childTnLst>
-                                    <p:set>
-                                      <p:cBhvr>
-                                        <p:cTn id="37" dur="1" fill="hold">
-                                          <p:stCondLst>
-                                            <p:cond delay="0"/>
-                                          </p:stCondLst>
-                                        </p:cTn>
-                                        <p:tgtEl>
-                                          <p:spTgt spid="7">
-                                            <p:txEl>
-                                              <p:pRg st="1" end="1"/>
-                                            </p:txEl>
-                                          </p:spTgt>
-                                        </p:tgtEl>
-                                        <p:attrNameLst>
-                                          <p:attrName>style.visibility</p:attrName>
-                                        </p:attrNameLst>
-                                      </p:cBhvr>
-                                      <p:to>
-                                        <p:strVal val="visible"/>
-                                      </p:to>
-                                    </p:set>
-                                    <p:animEffect transition="in" filter="fade">
-                                      <p:cBhvr>
-                                        <p:cTn id="38" dur="500"/>
-                                        <p:tgtEl>
-                                          <p:spTgt spid="7">
-                                            <p:txEl>
-                                              <p:pRg st="1" end="1"/>
-                                            </p:txEl>
-                                          </p:spTgt>
-                                        </p:tgtEl>
-                                      </p:cBhvr>
-                                    </p:animEffect>
-                                  </p:childTnLst>
-                                </p:cTn>
-                              </p:par>
-                            </p:childTnLst>
-                          </p:cTn>
-                        </p:par>
-                        <p:par>
-                          <p:cTn id="39" fill="hold">
-                            <p:stCondLst>
-                              <p:cond delay="500"/>
-                            </p:stCondLst>
-                            <p:childTnLst>
-                              <p:par>
-                                <p:cTn id="40" presetID="10" presetClass="entr" presetSubtype="0" fill="hold" grpId="0" nodeType="afterEffect">
-                                  <p:stCondLst>
-                                    <p:cond delay="0"/>
-                                  </p:stCondLst>
-                                  <p:childTnLst>
-                                    <p:set>
-                                      <p:cBhvr>
-                                        <p:cTn id="41" dur="1" fill="hold">
-                                          <p:stCondLst>
-                                            <p:cond delay="0"/>
-                                          </p:stCondLst>
-                                        </p:cTn>
-                                        <p:tgtEl>
-                                          <p:spTgt spid="47"/>
-                                        </p:tgtEl>
-                                        <p:attrNameLst>
-                                          <p:attrName>style.visibility</p:attrName>
-                                        </p:attrNameLst>
-                                      </p:cBhvr>
-                                      <p:to>
-                                        <p:strVal val="visible"/>
-                                      </p:to>
-                                    </p:set>
-                                    <p:animEffect transition="in" filter="fade">
-                                      <p:cBhvr>
-                                        <p:cTn id="42" dur="500"/>
-                                        <p:tgtEl>
-                                          <p:spTgt spid="47"/>
-                                        </p:tgtEl>
-                                      </p:cBhvr>
-                                    </p:animEffect>
-                                  </p:childTnLst>
-                                </p:cTn>
-                              </p:par>
-                            </p:childTnLst>
-                          </p:cTn>
-                        </p:par>
-                      </p:childTnLst>
-                    </p:cTn>
-                  </p:par>
-                  <p:par>
-                    <p:cTn id="43" fill="hold">
-                      <p:stCondLst>
-                        <p:cond delay="indefinite"/>
-                      </p:stCondLst>
-                      <p:childTnLst>
-                        <p:par>
-                          <p:cTn id="44" fill="hold">
-                            <p:stCondLst>
-                              <p:cond delay="0"/>
-                            </p:stCondLst>
-                            <p:childTnLst>
-                              <p:par>
-                                <p:cTn id="45" presetID="21" presetClass="entr" presetSubtype="1" fill="hold" nodeType="clickEffect">
-                                  <p:stCondLst>
-                                    <p:cond delay="0"/>
-                                  </p:stCondLst>
-                                  <p:childTnLst>
-                                    <p:set>
-                                      <p:cBhvr>
-                                        <p:cTn id="46" dur="1" fill="hold">
-                                          <p:stCondLst>
-                                            <p:cond delay="0"/>
-                                          </p:stCondLst>
-                                        </p:cTn>
-                                        <p:tgtEl>
-                                          <p:spTgt spid="56"/>
-                                        </p:tgtEl>
-                                        <p:attrNameLst>
-                                          <p:attrName>style.visibility</p:attrName>
-                                        </p:attrNameLst>
-                                      </p:cBhvr>
-                                      <p:to>
-                                        <p:strVal val="visible"/>
-                                      </p:to>
-                                    </p:set>
-                                    <p:animEffect transition="in" filter="wheel(1)">
-                                      <p:cBhvr>
-                                        <p:cTn id="47" dur="2000"/>
-                                        <p:tgtEl>
-                                          <p:spTgt spid="56"/>
-                                        </p:tgtEl>
-                                      </p:cBhvr>
-                                    </p:animEffect>
-                                  </p:childTnLst>
-                                </p:cTn>
-                              </p:par>
-                            </p:childTnLst>
-                          </p:cTn>
-                        </p:par>
-                      </p:childTnLst>
-                    </p:cTn>
-                  </p:par>
-                </p:childTnLst>
-              </p:cTn>
-              <p:prevCondLst>
-                <p:cond evt="onPrev" delay="0">
-                  <p:tgtEl>
-                    <p:sldTgt/>
-                  </p:tgtEl>
-                </p:cond>
-              </p:prevCondLst>
-              <p:nextCondLst>
-                <p:cond evt="onNext" delay="0">
-                  <p:tgtEl>
-                    <p:sldTgt/>
-                  </p:tgtEl>
-                </p:cond>
-              </p:nextCondLst>
-            </p:seq>
-          </p:childTnLst>
-        </p:cTn>
-      </p:par>
-    </p:tnLst>
-    <p:bldLst>
-      <p:bldP spid="47" grpId="0"/>
-    </p:bldLst>
-  </p:timing>
-</p:sld>
-</file>
-
 <file path=ppt/slides/slide2.xml><?xml version="1.0" encoding="utf-8"?>
 <p:sld xmlns:a="http://schemas.openxmlformats.org/drawingml/2006/main" xmlns:r="http://schemas.openxmlformats.org/officeDocument/2006/relationships" xmlns:p="http://schemas.openxmlformats.org/presentationml/2006/main">
   <p:cSld>
@@ -23907,5005 +21367,6 @@
       <p:bldP spid="152" grpId="0" animBg="1" advAuto="0"/>
     </p:bldLst>
   </p:timing>
-</p:sld>
-</file>
-
-<file path=ppt/slides/slide20.xml><?xml version="1.0" encoding="utf-8"?>
-<p:sld xmlns:a="http://schemas.openxmlformats.org/drawingml/2006/main" xmlns:r="http://schemas.openxmlformats.org/officeDocument/2006/relationships" xmlns:p="http://schemas.openxmlformats.org/presentationml/2006/main">
-  <p:cSld>
-    <p:spTree>
-      <p:nvGrpSpPr>
-        <p:cNvPr id="1" name=""/>
-        <p:cNvGrpSpPr/>
-        <p:nvPr/>
-      </p:nvGrpSpPr>
-      <p:grpSpPr>
-        <a:xfrm>
-          <a:off x="0" y="0"/>
-          <a:ext cx="0" cy="0"/>
-          <a:chOff x="0" y="0"/>
-          <a:chExt cx="0" cy="0"/>
-        </a:xfrm>
-      </p:grpSpPr>
-      <p:sp>
-        <p:nvSpPr>
-          <p:cNvPr id="184" name="data.frame"/>
-          <p:cNvSpPr txBox="1">
-            <a:spLocks noGrp="1"/>
-          </p:cNvSpPr>
-          <p:nvPr>
-            <p:ph type="title"/>
-          </p:nvPr>
-        </p:nvSpPr>
-        <p:spPr>
-          <a:prstGeom prst="rect">
-            <a:avLst/>
-          </a:prstGeom>
-        </p:spPr>
-        <p:txBody>
-          <a:bodyPr/>
-          <a:lstStyle>
-            <a:lvl1pPr defTabSz="525779">
-              <a:defRPr sz="3780"/>
-            </a:lvl1pPr>
-          </a:lstStyle>
-          <a:p>
-            <a:r>
-              <a:t>data.frame</a:t>
-            </a:r>
-          </a:p>
-        </p:txBody>
-      </p:sp>
-      <p:sp>
-        <p:nvSpPr>
-          <p:cNvPr id="185" name="加载dplyr工具包…"/>
-          <p:cNvSpPr txBox="1">
-            <a:spLocks noGrp="1"/>
-          </p:cNvSpPr>
-          <p:nvPr>
-            <p:ph type="body" sz="half" idx="1"/>
-          </p:nvPr>
-        </p:nvSpPr>
-        <p:spPr>
-          <a:prstGeom prst="rect">
-            <a:avLst/>
-          </a:prstGeom>
-        </p:spPr>
-        <p:txBody>
-          <a:bodyPr/>
-          <a:lstStyle/>
-          <a:p>
-            <a:r>
-              <a:t>加载dplyr工具包</a:t>
-            </a:r>
-          </a:p>
-          <a:p>
-            <a:r>
-              <a:t>filter() 筛选记录</a:t>
-            </a:r>
-          </a:p>
-        </p:txBody>
-      </p:sp>
-      <p:sp>
-        <p:nvSpPr>
-          <p:cNvPr id="186" name="&gt; install.packages(“dplyr&quot;) #首次使用需要安装工具包…"/>
-          <p:cNvSpPr txBox="1">
-            <a:spLocks noGrp="1"/>
-          </p:cNvSpPr>
-          <p:nvPr>
-            <p:ph type="body" idx="13"/>
-          </p:nvPr>
-        </p:nvSpPr>
-        <p:spPr>
-          <a:xfrm>
-            <a:off x="5667462" y="4196206"/>
-            <a:ext cx="6003628" cy="2692500"/>
-          </a:xfrm>
-          <a:prstGeom prst="rect">
-            <a:avLst/>
-          </a:prstGeom>
-          <a:extLst>
-            <a:ext uri="{C572A759-6A51-4108-AA02-DFA0A04FC94B}">
-              <ma14:wrappingTextBoxFlag xmlns="" xmlns:m="http://schemas.openxmlformats.org/officeDocument/2006/math" xmlns:a14="http://schemas.microsoft.com/office/drawing/2010/main" xmlns:ma14="http://schemas.microsoft.com/office/mac/drawingml/2011/main" val="1"/>
-            </a:ext>
-          </a:extLst>
-        </p:spPr>
-        <p:txBody>
-          <a:bodyPr/>
-          <a:lstStyle/>
-          <a:p>
-            <a:pPr marL="0" indent="0">
-              <a:spcBef>
-                <a:spcPts val="0"/>
-              </a:spcBef>
-              <a:buSzTx/>
-              <a:buFontTx/>
-              <a:buNone/>
-              <a:defRPr sz="2400">
-                <a:solidFill>
-                  <a:srgbClr val="0433FF"/>
-                </a:solidFill>
-              </a:defRPr>
-            </a:pPr>
-            <a:r>
-              <a:rPr dirty="0"/>
-              <a:t>&gt; </a:t>
-            </a:r>
-            <a:r>
-              <a:rPr dirty="0" err="1"/>
-              <a:t>install.packages</a:t>
-            </a:r>
-            <a:r>
-              <a:rPr dirty="0"/>
-              <a:t>(“</a:t>
-            </a:r>
-            <a:r>
-              <a:rPr dirty="0" err="1"/>
-              <a:t>dplyr</a:t>
-            </a:r>
-            <a:r>
-              <a:rPr dirty="0"/>
-              <a:t>") #</a:t>
-            </a:r>
-            <a:r>
-              <a:rPr dirty="0" err="1"/>
-              <a:t>首次使用需要安装工具包</a:t>
-            </a:r>
-            <a:endParaRPr dirty="0"/>
-          </a:p>
-          <a:p>
-            <a:pPr marL="0" indent="0">
-              <a:spcBef>
-                <a:spcPts val="0"/>
-              </a:spcBef>
-              <a:buSzTx/>
-              <a:buFontTx/>
-              <a:buNone/>
-              <a:defRPr sz="2400">
-                <a:solidFill>
-                  <a:srgbClr val="0433FF"/>
-                </a:solidFill>
-              </a:defRPr>
-            </a:pPr>
-            <a:r>
-              <a:rPr dirty="0"/>
-              <a:t>&gt; library(</a:t>
-            </a:r>
-            <a:r>
-              <a:rPr dirty="0" err="1"/>
-              <a:t>dplyr</a:t>
-            </a:r>
-            <a:r>
-              <a:rPr dirty="0"/>
-              <a:t>) #</a:t>
-            </a:r>
-            <a:r>
-              <a:rPr dirty="0" err="1"/>
-              <a:t>加载工具包</a:t>
-            </a:r>
-            <a:endParaRPr dirty="0"/>
-          </a:p>
-          <a:p>
-            <a:pPr marL="0" indent="0">
-              <a:spcBef>
-                <a:spcPts val="0"/>
-              </a:spcBef>
-              <a:buSzTx/>
-              <a:buFontTx/>
-              <a:buNone/>
-              <a:defRPr sz="2400">
-                <a:solidFill>
-                  <a:srgbClr val="0433FF"/>
-                </a:solidFill>
-              </a:defRPr>
-            </a:pPr>
-            <a:r>
-              <a:rPr dirty="0"/>
-              <a:t>&gt; filter(</a:t>
-            </a:r>
-            <a:r>
-              <a:rPr dirty="0" err="1"/>
-              <a:t>persons,Age</a:t>
-            </a:r>
-            <a:r>
-              <a:rPr dirty="0"/>
-              <a:t>&gt;20)</a:t>
-            </a:r>
-          </a:p>
-          <a:p>
-            <a:pPr marL="0" indent="0">
-              <a:spcBef>
-                <a:spcPts val="0"/>
-              </a:spcBef>
-              <a:buSzTx/>
-              <a:buFontTx/>
-              <a:buNone/>
-              <a:defRPr sz="2400">
-                <a:solidFill>
-                  <a:srgbClr val="000000"/>
-                </a:solidFill>
-              </a:defRPr>
-            </a:pPr>
-            <a:r>
-              <a:rPr dirty="0"/>
-              <a:t>  Name Gender Age     Major</a:t>
-            </a:r>
-          </a:p>
-          <a:p>
-            <a:pPr marL="0" indent="0">
-              <a:spcBef>
-                <a:spcPts val="0"/>
-              </a:spcBef>
-              <a:buSzTx/>
-              <a:buFontTx/>
-              <a:buNone/>
-              <a:defRPr sz="2400">
-                <a:solidFill>
-                  <a:srgbClr val="000000"/>
-                </a:solidFill>
-              </a:defRPr>
-            </a:pPr>
-            <a:r>
-              <a:rPr dirty="0"/>
-              <a:t>1 </a:t>
-            </a:r>
-            <a:r>
-              <a:rPr dirty="0" err="1"/>
-              <a:t>张萌</a:t>
-            </a:r>
-            <a:r>
-              <a:rPr dirty="0"/>
-              <a:t> Female  21 Economics</a:t>
-            </a:r>
-          </a:p>
-        </p:txBody>
-      </p:sp>
-      <p:sp>
-        <p:nvSpPr>
-          <p:cNvPr id="187" name="幻灯片编号"/>
-          <p:cNvSpPr txBox="1">
-            <a:spLocks noGrp="1"/>
-          </p:cNvSpPr>
-          <p:nvPr>
-            <p:ph type="sldNum" sz="quarter" idx="2"/>
-          </p:nvPr>
-        </p:nvSpPr>
-        <p:spPr>
-          <a:xfrm>
-            <a:off x="11893153" y="590901"/>
-            <a:ext cx="276709" cy="449022"/>
-          </a:xfrm>
-          <a:prstGeom prst="rect">
-            <a:avLst/>
-          </a:prstGeom>
-          <a:extLst>
-            <a:ext uri="{C572A759-6A51-4108-AA02-DFA0A04FC94B}">
-              <ma14:wrappingTextBoxFlag xmlns="" xmlns:m="http://schemas.openxmlformats.org/officeDocument/2006/math" xmlns:a14="http://schemas.microsoft.com/office/drawing/2010/main" xmlns:ma14="http://schemas.microsoft.com/office/mac/drawingml/2011/main" val="1"/>
-            </a:ext>
-          </a:extLst>
-        </p:spPr>
-        <p:txBody>
-          <a:bodyPr/>
-          <a:lstStyle/>
-          <a:p>
-            <a:fld id="{86CB4B4D-7CA3-9044-876B-883B54F8677D}" type="slidenum">
-              <a:t>20</a:t>
-            </a:fld>
-            <a:endParaRPr/>
-          </a:p>
-        </p:txBody>
-      </p:sp>
-      <p:sp>
-        <p:nvSpPr>
-          <p:cNvPr id="188" name="数据框工具"/>
-          <p:cNvSpPr txBox="1">
-            <a:spLocks noGrp="1"/>
-          </p:cNvSpPr>
-          <p:nvPr>
-            <p:ph type="body" idx="14"/>
-          </p:nvPr>
-        </p:nvSpPr>
-        <p:spPr>
-          <a:prstGeom prst="rect">
-            <a:avLst/>
-          </a:prstGeom>
-        </p:spPr>
-        <p:txBody>
-          <a:bodyPr/>
-          <a:lstStyle>
-            <a:lvl1pPr defTabSz="525779">
-              <a:defRPr sz="3780"/>
-            </a:lvl1pPr>
-          </a:lstStyle>
-          <a:p>
-            <a:r>
-              <a:t>数据框工具</a:t>
-            </a:r>
-          </a:p>
-        </p:txBody>
-      </p:sp>
-      <p:sp>
-        <p:nvSpPr>
-          <p:cNvPr id="2" name="矩形 1">
-            <a:extLst>
-              <a:ext uri="{FF2B5EF4-FFF2-40B4-BE49-F238E27FC236}">
-                <a16:creationId xmlns:a16="http://schemas.microsoft.com/office/drawing/2014/main" id="{5ED5EBE5-5F72-E848-BBF8-8911C370210D}"/>
-              </a:ext>
-            </a:extLst>
-          </p:cNvPr>
-          <p:cNvSpPr/>
-          <p:nvPr/>
-        </p:nvSpPr>
-        <p:spPr>
-          <a:xfrm>
-            <a:off x="5667462" y="1984151"/>
-            <a:ext cx="6502400" cy="1708160"/>
-          </a:xfrm>
-          <a:prstGeom prst="rect">
-            <a:avLst/>
-          </a:prstGeom>
-        </p:spPr>
-        <p:txBody>
-          <a:bodyPr>
-            <a:spAutoFit/>
-          </a:bodyPr>
-          <a:lstStyle/>
-          <a:p>
-            <a:pPr>
-              <a:defRPr sz="2100">
-                <a:solidFill>
-                  <a:srgbClr val="0433FF"/>
-                </a:solidFill>
-              </a:defRPr>
-            </a:pPr>
-            <a:r>
-              <a:rPr lang="en-US" altLang="zh-CN" dirty="0"/>
-              <a:t>&gt; persons</a:t>
-            </a:r>
-            <a:r>
-              <a:rPr lang="zh-CN" altLang="en-US" dirty="0"/>
-              <a:t> </a:t>
-            </a:r>
-            <a:r>
-              <a:rPr lang="en-US" altLang="zh-CN" dirty="0"/>
-              <a:t>#</a:t>
-            </a:r>
-            <a:r>
-              <a:rPr lang="zh-CN" altLang="en-US" dirty="0"/>
-              <a:t>自行创建如下数据集</a:t>
-            </a:r>
-            <a:endParaRPr lang="en-US" altLang="zh-CN" dirty="0"/>
-          </a:p>
-          <a:p>
-            <a:pPr>
-              <a:defRPr sz="2100">
-                <a:solidFill>
-                  <a:srgbClr val="000000"/>
-                </a:solidFill>
-              </a:defRPr>
-            </a:pPr>
-            <a:r>
-              <a:rPr lang="en-US" altLang="zh-CN" dirty="0"/>
-              <a:t>      Name  Gender  Age          Major</a:t>
-            </a:r>
-          </a:p>
-          <a:p>
-            <a:pPr>
-              <a:defRPr sz="2100">
-                <a:solidFill>
-                  <a:srgbClr val="000000"/>
-                </a:solidFill>
-              </a:defRPr>
-            </a:pPr>
-            <a:r>
-              <a:rPr lang="en-US" altLang="zh-CN" dirty="0"/>
-              <a:t>1     </a:t>
-            </a:r>
-            <a:r>
-              <a:rPr lang="zh-CN" altLang="en-US" dirty="0"/>
-              <a:t>李雷    </a:t>
-            </a:r>
-            <a:r>
-              <a:rPr lang="en-US" altLang="zh-CN" dirty="0"/>
-              <a:t>Male   20        Finance</a:t>
-            </a:r>
-          </a:p>
-          <a:p>
-            <a:pPr>
-              <a:defRPr sz="2100">
-                <a:solidFill>
-                  <a:srgbClr val="000000"/>
-                </a:solidFill>
-              </a:defRPr>
-            </a:pPr>
-            <a:r>
-              <a:rPr lang="en-US" altLang="zh-CN" dirty="0"/>
-              <a:t>2   </a:t>
-            </a:r>
-            <a:r>
-              <a:rPr lang="zh-CN" altLang="en-US" dirty="0"/>
-              <a:t>韩梅梅  </a:t>
-            </a:r>
-            <a:r>
-              <a:rPr lang="en-US" altLang="zh-CN" dirty="0"/>
-              <a:t>Female   19     Statistics</a:t>
-            </a:r>
-          </a:p>
-          <a:p>
-            <a:pPr>
-              <a:defRPr sz="2100">
-                <a:solidFill>
-                  <a:srgbClr val="000000"/>
-                </a:solidFill>
-              </a:defRPr>
-            </a:pPr>
-            <a:r>
-              <a:rPr lang="en-US" altLang="zh-CN" dirty="0"/>
-              <a:t>3     </a:t>
-            </a:r>
-            <a:r>
-              <a:rPr lang="zh-CN" altLang="en-US" dirty="0"/>
-              <a:t>张萌  </a:t>
-            </a:r>
-            <a:r>
-              <a:rPr lang="en-US" altLang="zh-CN" dirty="0"/>
-              <a:t>Female   21      Economics</a:t>
-            </a:r>
-          </a:p>
-        </p:txBody>
-      </p:sp>
-    </p:spTree>
-    <p:extLst>
-      <p:ext uri="{BB962C8B-B14F-4D97-AF65-F5344CB8AC3E}">
-        <p14:creationId xmlns:p14="http://schemas.microsoft.com/office/powerpoint/2010/main" val="1646578765"/>
-      </p:ext>
-    </p:extLst>
-  </p:cSld>
-  <p:clrMapOvr>
-    <a:masterClrMapping/>
-  </p:clrMapOvr>
-  <mc:AlternateContent xmlns:mc="http://schemas.openxmlformats.org/markup-compatibility/2006" xmlns:p14="http://schemas.microsoft.com/office/powerpoint/2010/main">
-    <mc:Choice Requires="p14">
-      <p:transition spd="slow">
-        <p:circle/>
-      </p:transition>
-    </mc:Choice>
-    <mc:Fallback xmlns="" xmlns:m="http://schemas.openxmlformats.org/officeDocument/2006/math" xmlns:a14="http://schemas.microsoft.com/office/drawing/2010/main">
-      <p:transition spd="med">
-        <p:fade/>
-      </p:transition>
-    </mc:Fallback>
-  </mc:AlternateContent>
-</p:sld>
-</file>
-
-<file path=ppt/slides/slide21.xml><?xml version="1.0" encoding="utf-8"?>
-<p:sld xmlns:a="http://schemas.openxmlformats.org/drawingml/2006/main" xmlns:r="http://schemas.openxmlformats.org/officeDocument/2006/relationships" xmlns:p="http://schemas.openxmlformats.org/presentationml/2006/main">
-  <p:cSld>
-    <p:spTree>
-      <p:nvGrpSpPr>
-        <p:cNvPr id="1" name=""/>
-        <p:cNvGrpSpPr/>
-        <p:nvPr/>
-      </p:nvGrpSpPr>
-      <p:grpSpPr>
-        <a:xfrm>
-          <a:off x="0" y="0"/>
-          <a:ext cx="0" cy="0"/>
-          <a:chOff x="0" y="0"/>
-          <a:chExt cx="0" cy="0"/>
-        </a:xfrm>
-      </p:grpSpPr>
-      <p:sp>
-        <p:nvSpPr>
-          <p:cNvPr id="185" name="加载dplyr工具包…"/>
-          <p:cNvSpPr txBox="1">
-            <a:spLocks noGrp="1"/>
-          </p:cNvSpPr>
-          <p:nvPr>
-            <p:ph type="body" sz="half" idx="1"/>
-          </p:nvPr>
-        </p:nvSpPr>
-        <p:spPr>
-          <a:prstGeom prst="rect">
-            <a:avLst/>
-          </a:prstGeom>
-        </p:spPr>
-        <p:txBody>
-          <a:bodyPr/>
-          <a:lstStyle/>
-          <a:p>
-            <a:r>
-              <a:rPr dirty="0"/>
-              <a:t>filter() </a:t>
-            </a:r>
-            <a:r>
-              <a:rPr dirty="0" err="1"/>
-              <a:t>筛选</a:t>
-            </a:r>
-            <a:endParaRPr lang="en-US" dirty="0"/>
-          </a:p>
-          <a:p>
-            <a:pPr marL="0" indent="0">
-              <a:buNone/>
-            </a:pPr>
-            <a:r>
-              <a:rPr lang="zh-CN" altLang="en-US" dirty="0"/>
-              <a:t>问题：筛选年龄大于</a:t>
-            </a:r>
-            <a:r>
-              <a:rPr lang="en-US" altLang="zh-CN" dirty="0"/>
-              <a:t>20</a:t>
-            </a:r>
-            <a:r>
-              <a:rPr lang="zh-CN" altLang="en-US" dirty="0"/>
-              <a:t>岁的人员信息</a:t>
-            </a:r>
-            <a:endParaRPr lang="en-US" altLang="zh-CN" dirty="0"/>
-          </a:p>
-          <a:p>
-            <a:pPr marL="0" indent="0">
-              <a:buNone/>
-            </a:pPr>
-            <a:r>
-              <a:rPr lang="zh-CN" altLang="en-US" dirty="0"/>
-              <a:t>使用规律：</a:t>
-            </a:r>
-            <a:br>
-              <a:rPr lang="en-US" altLang="zh-CN" dirty="0"/>
-            </a:br>
-            <a:r>
-              <a:rPr lang="zh-CN" altLang="en-US" dirty="0"/>
-              <a:t>功能</a:t>
-            </a:r>
-            <a:r>
-              <a:rPr lang="en-US" altLang="zh-CN" dirty="0"/>
-              <a:t>(</a:t>
-            </a:r>
-            <a:r>
-              <a:rPr lang="zh-CN" altLang="en-US" dirty="0"/>
-              <a:t>数据集</a:t>
-            </a:r>
-            <a:r>
-              <a:rPr lang="en-US" altLang="zh-CN" dirty="0"/>
-              <a:t>,</a:t>
-            </a:r>
-            <a:r>
-              <a:rPr lang="zh-CN" altLang="en-US" dirty="0"/>
-              <a:t>条件</a:t>
-            </a:r>
-            <a:r>
-              <a:rPr lang="en-US" altLang="zh-CN" dirty="0"/>
-              <a:t>)</a:t>
-            </a:r>
-            <a:endParaRPr lang="en-US" dirty="0"/>
-          </a:p>
-        </p:txBody>
-      </p:sp>
-      <p:sp>
-        <p:nvSpPr>
-          <p:cNvPr id="186" name="&gt; install.packages(“dplyr&quot;) #首次使用需要安装工具包…"/>
-          <p:cNvSpPr txBox="1">
-            <a:spLocks noGrp="1"/>
-          </p:cNvSpPr>
-          <p:nvPr>
-            <p:ph type="body" idx="13"/>
-          </p:nvPr>
-        </p:nvSpPr>
-        <p:spPr>
-          <a:xfrm>
-            <a:off x="5666078" y="4505416"/>
-            <a:ext cx="6003628" cy="1261884"/>
-          </a:xfrm>
-          <a:prstGeom prst="rect">
-            <a:avLst/>
-          </a:prstGeom>
-          <a:extLst>
-            <a:ext uri="{C572A759-6A51-4108-AA02-DFA0A04FC94B}">
-              <ma14:wrappingTextBoxFlag xmlns:ma14="http://schemas.microsoft.com/office/mac/drawingml/2011/main" xmlns:a14="http://schemas.microsoft.com/office/drawing/2010/main" xmlns:m="http://schemas.openxmlformats.org/officeDocument/2006/math" xmlns="" val="1"/>
-            </a:ext>
-          </a:extLst>
-        </p:spPr>
-        <p:txBody>
-          <a:bodyPr/>
-          <a:lstStyle/>
-          <a:p>
-            <a:pPr marL="0" indent="0">
-              <a:spcBef>
-                <a:spcPts val="0"/>
-              </a:spcBef>
-              <a:buSzTx/>
-              <a:buFontTx/>
-              <a:buNone/>
-              <a:defRPr sz="2400">
-                <a:solidFill>
-                  <a:srgbClr val="0433FF"/>
-                </a:solidFill>
-              </a:defRPr>
-            </a:pPr>
-            <a:r>
-              <a:rPr dirty="0"/>
-              <a:t>&gt; filter(</a:t>
-            </a:r>
-            <a:r>
-              <a:rPr dirty="0" err="1"/>
-              <a:t>persons,Age</a:t>
-            </a:r>
-            <a:r>
-              <a:rPr dirty="0"/>
-              <a:t>&gt;20)</a:t>
-            </a:r>
-          </a:p>
-          <a:p>
-            <a:pPr marL="0" indent="0">
-              <a:spcBef>
-                <a:spcPts val="0"/>
-              </a:spcBef>
-              <a:buSzTx/>
-              <a:buFontTx/>
-              <a:buNone/>
-              <a:defRPr sz="2400">
-                <a:solidFill>
-                  <a:srgbClr val="000000"/>
-                </a:solidFill>
-              </a:defRPr>
-            </a:pPr>
-            <a:r>
-              <a:rPr dirty="0"/>
-              <a:t>  Name Gender Age     Major</a:t>
-            </a:r>
-          </a:p>
-          <a:p>
-            <a:pPr marL="0" indent="0">
-              <a:spcBef>
-                <a:spcPts val="0"/>
-              </a:spcBef>
-              <a:buSzTx/>
-              <a:buFontTx/>
-              <a:buNone/>
-              <a:defRPr sz="2400">
-                <a:solidFill>
-                  <a:srgbClr val="000000"/>
-                </a:solidFill>
-              </a:defRPr>
-            </a:pPr>
-            <a:r>
-              <a:rPr dirty="0"/>
-              <a:t>1 </a:t>
-            </a:r>
-            <a:r>
-              <a:rPr dirty="0" err="1"/>
-              <a:t>张萌</a:t>
-            </a:r>
-            <a:r>
-              <a:rPr dirty="0"/>
-              <a:t> Female  21 Economics</a:t>
-            </a:r>
-          </a:p>
-        </p:txBody>
-      </p:sp>
-      <p:sp>
-        <p:nvSpPr>
-          <p:cNvPr id="187" name="幻灯片编号"/>
-          <p:cNvSpPr txBox="1">
-            <a:spLocks noGrp="1"/>
-          </p:cNvSpPr>
-          <p:nvPr>
-            <p:ph type="sldNum" sz="quarter" idx="2"/>
-          </p:nvPr>
-        </p:nvSpPr>
-        <p:spPr>
-          <a:xfrm>
-            <a:off x="11893153" y="590901"/>
-            <a:ext cx="276709" cy="449022"/>
-          </a:xfrm>
-          <a:prstGeom prst="rect">
-            <a:avLst/>
-          </a:prstGeom>
-          <a:extLst>
-            <a:ext uri="{C572A759-6A51-4108-AA02-DFA0A04FC94B}">
-              <ma14:wrappingTextBoxFlag xmlns:ma14="http://schemas.microsoft.com/office/mac/drawingml/2011/main" xmlns:a14="http://schemas.microsoft.com/office/drawing/2010/main" xmlns:m="http://schemas.openxmlformats.org/officeDocument/2006/math" xmlns="" val="1"/>
-            </a:ext>
-          </a:extLst>
-        </p:spPr>
-        <p:txBody>
-          <a:bodyPr/>
-          <a:lstStyle/>
-          <a:p>
-            <a:fld id="{86CB4B4D-7CA3-9044-876B-883B54F8677D}" type="slidenum">
-              <a:t>21</a:t>
-            </a:fld>
-            <a:endParaRPr/>
-          </a:p>
-        </p:txBody>
-      </p:sp>
-      <p:sp>
-        <p:nvSpPr>
-          <p:cNvPr id="188" name="数据框工具"/>
-          <p:cNvSpPr txBox="1">
-            <a:spLocks noGrp="1"/>
-          </p:cNvSpPr>
-          <p:nvPr>
-            <p:ph type="body" idx="14"/>
-          </p:nvPr>
-        </p:nvSpPr>
-        <p:spPr>
-          <a:xfrm>
-            <a:off x="2778369" y="565501"/>
-            <a:ext cx="5697416" cy="914755"/>
-          </a:xfrm>
-          <a:prstGeom prst="rect">
-            <a:avLst/>
-          </a:prstGeom>
-        </p:spPr>
-        <p:txBody>
-          <a:bodyPr/>
-          <a:lstStyle>
-            <a:lvl1pPr defTabSz="525779">
-              <a:defRPr sz="3780"/>
-            </a:lvl1pPr>
-          </a:lstStyle>
-          <a:p>
-            <a:pPr algn="ctr"/>
-            <a:r>
-              <a:rPr lang="zh-CN" altLang="en-US" dirty="0"/>
-              <a:t>筛选对象</a:t>
-            </a:r>
-            <a:endParaRPr dirty="0"/>
-          </a:p>
-        </p:txBody>
-      </p:sp>
-      <p:sp>
-        <p:nvSpPr>
-          <p:cNvPr id="7" name="R Console"/>
-          <p:cNvSpPr txBox="1"/>
-          <p:nvPr/>
-        </p:nvSpPr>
-        <p:spPr>
-          <a:xfrm>
-            <a:off x="5677783" y="4558849"/>
-            <a:ext cx="258084" cy="471924"/>
-          </a:xfrm>
-          <a:prstGeom prst="rect">
-            <a:avLst/>
-          </a:prstGeom>
-          <a:ln w="12700">
-            <a:miter lim="400000"/>
-          </a:ln>
-          <a:extLst>
-            <a:ext uri="{C572A759-6A51-4108-AA02-DFA0A04FC94B}">
-              <ma14:wrappingTextBoxFlag xmlns="" xmlns:m="http://schemas.openxmlformats.org/officeDocument/2006/math" xmlns:a14="http://schemas.microsoft.com/office/drawing/2010/main" xmlns:ma14="http://schemas.microsoft.com/office/mac/drawingml/2011/main" val="1"/>
-            </a:ext>
-          </a:extLst>
-        </p:spPr>
-        <p:txBody>
-          <a:bodyPr wrap="none" lIns="50800" tIns="50800" rIns="50800" bIns="50800" anchor="ctr">
-            <a:spAutoFit/>
-          </a:bodyPr>
-          <a:lstStyle/>
-          <a:p>
-            <a:r>
-              <a:rPr lang="en-US" sz="2400" b="1" dirty="0">
-                <a:solidFill>
-                  <a:srgbClr val="0000FF"/>
-                </a:solidFill>
-              </a:rPr>
-              <a:t>|</a:t>
-            </a:r>
-            <a:endParaRPr sz="2400" b="1" dirty="0">
-              <a:solidFill>
-                <a:srgbClr val="0000FF"/>
-              </a:solidFill>
-            </a:endParaRPr>
-          </a:p>
-        </p:txBody>
-      </p:sp>
-      <p:sp>
-        <p:nvSpPr>
-          <p:cNvPr id="9" name="矩形 8">
-            <a:extLst>
-              <a:ext uri="{FF2B5EF4-FFF2-40B4-BE49-F238E27FC236}">
-                <a16:creationId xmlns:a16="http://schemas.microsoft.com/office/drawing/2014/main" id="{AB9FE879-3007-614F-BE37-13183F4E61C7}"/>
-              </a:ext>
-            </a:extLst>
-          </p:cNvPr>
-          <p:cNvSpPr/>
-          <p:nvPr/>
-        </p:nvSpPr>
-        <p:spPr>
-          <a:xfrm>
-            <a:off x="5642539" y="2114162"/>
-            <a:ext cx="6502400" cy="1708160"/>
-          </a:xfrm>
-          <a:prstGeom prst="rect">
-            <a:avLst/>
-          </a:prstGeom>
-        </p:spPr>
-        <p:txBody>
-          <a:bodyPr>
-            <a:spAutoFit/>
-          </a:bodyPr>
-          <a:lstStyle/>
-          <a:p>
-            <a:pPr>
-              <a:defRPr sz="2100">
-                <a:solidFill>
-                  <a:srgbClr val="0433FF"/>
-                </a:solidFill>
-              </a:defRPr>
-            </a:pPr>
-            <a:r>
-              <a:rPr lang="en-US" altLang="zh-CN" dirty="0"/>
-              <a:t>&gt; persons</a:t>
-            </a:r>
-          </a:p>
-          <a:p>
-            <a:pPr>
-              <a:defRPr sz="2100">
-                <a:solidFill>
-                  <a:srgbClr val="000000"/>
-                </a:solidFill>
-              </a:defRPr>
-            </a:pPr>
-            <a:r>
-              <a:rPr lang="en-US" altLang="zh-CN" dirty="0"/>
-              <a:t>       Name Gender Age      Major</a:t>
-            </a:r>
-          </a:p>
-          <a:p>
-            <a:pPr>
-              <a:defRPr sz="2100">
-                <a:solidFill>
-                  <a:srgbClr val="000000"/>
-                </a:solidFill>
-              </a:defRPr>
-            </a:pPr>
-            <a:r>
-              <a:rPr lang="en-US" altLang="zh-CN" dirty="0"/>
-              <a:t>1      </a:t>
-            </a:r>
-            <a:r>
-              <a:rPr lang="zh-CN" altLang="en-US" dirty="0"/>
-              <a:t>李雷   </a:t>
-            </a:r>
-            <a:r>
-              <a:rPr lang="en-US" altLang="zh-CN" dirty="0"/>
-              <a:t>Male  20    Finance</a:t>
-            </a:r>
-          </a:p>
-          <a:p>
-            <a:pPr>
-              <a:defRPr sz="2100">
-                <a:solidFill>
-                  <a:srgbClr val="000000"/>
-                </a:solidFill>
-              </a:defRPr>
-            </a:pPr>
-            <a:r>
-              <a:rPr lang="en-US" altLang="zh-CN" dirty="0"/>
-              <a:t>2    </a:t>
-            </a:r>
-            <a:r>
-              <a:rPr lang="zh-CN" altLang="en-US" dirty="0"/>
-              <a:t>韩梅梅 </a:t>
-            </a:r>
-            <a:r>
-              <a:rPr lang="en-US" altLang="zh-CN" dirty="0"/>
-              <a:t>Female  19  Statistics</a:t>
-            </a:r>
-          </a:p>
-          <a:p>
-            <a:pPr>
-              <a:defRPr sz="2100">
-                <a:solidFill>
-                  <a:srgbClr val="000000"/>
-                </a:solidFill>
-              </a:defRPr>
-            </a:pPr>
-            <a:r>
-              <a:rPr lang="en-US" altLang="zh-CN" dirty="0"/>
-              <a:t>3      </a:t>
-            </a:r>
-            <a:r>
-              <a:rPr lang="zh-CN" altLang="en-US" dirty="0"/>
-              <a:t>张萌 </a:t>
-            </a:r>
-            <a:r>
-              <a:rPr lang="en-US" altLang="zh-CN" dirty="0"/>
-              <a:t>Female  21  Economics</a:t>
-            </a:r>
-          </a:p>
-        </p:txBody>
-      </p:sp>
-    </p:spTree>
-    <p:extLst>
-      <p:ext uri="{BB962C8B-B14F-4D97-AF65-F5344CB8AC3E}">
-        <p14:creationId xmlns:p14="http://schemas.microsoft.com/office/powerpoint/2010/main" val="2428083084"/>
-      </p:ext>
-    </p:extLst>
-  </p:cSld>
-  <p:clrMapOvr>
-    <a:masterClrMapping/>
-  </p:clrMapOvr>
-  <p:transition spd="slow">
-    <p:wipe/>
-  </p:transition>
-  <p:timing>
-    <p:tnLst>
-      <p:par>
-        <p:cTn id="1" dur="indefinite" restart="never" nodeType="tmRoot">
-          <p:childTnLst>
-            <p:seq concurrent="1" nextAc="seek">
-              <p:cTn id="2" dur="indefinite" nodeType="mainSeq">
-                <p:childTnLst>
-                  <p:par>
-                    <p:cTn id="3" fill="hold">
-                      <p:stCondLst>
-                        <p:cond delay="indefinite"/>
-                        <p:cond evt="onBegin" delay="0">
-                          <p:tn val="2"/>
-                        </p:cond>
-                      </p:stCondLst>
-                      <p:childTnLst>
-                        <p:par>
-                          <p:cTn id="4" fill="hold">
-                            <p:stCondLst>
-                              <p:cond delay="0"/>
-                            </p:stCondLst>
-                            <p:childTnLst>
-                              <p:par>
-                                <p:cTn id="5" presetID="10" presetClass="entr" presetSubtype="0" fill="hold" nodeType="afterEffect">
-                                  <p:stCondLst>
-                                    <p:cond delay="0"/>
-                                  </p:stCondLst>
-                                  <p:childTnLst>
-                                    <p:set>
-                                      <p:cBhvr>
-                                        <p:cTn id="6" dur="1" fill="hold">
-                                          <p:stCondLst>
-                                            <p:cond delay="0"/>
-                                          </p:stCondLst>
-                                        </p:cTn>
-                                        <p:tgtEl>
-                                          <p:spTgt spid="185">
-                                            <p:txEl>
-                                              <p:pRg st="0" end="0"/>
-                                            </p:txEl>
-                                          </p:spTgt>
-                                        </p:tgtEl>
-                                        <p:attrNameLst>
-                                          <p:attrName>style.visibility</p:attrName>
-                                        </p:attrNameLst>
-                                      </p:cBhvr>
-                                      <p:to>
-                                        <p:strVal val="visible"/>
-                                      </p:to>
-                                    </p:set>
-                                    <p:animEffect transition="in" filter="fade">
-                                      <p:cBhvr>
-                                        <p:cTn id="7" dur="500"/>
-                                        <p:tgtEl>
-                                          <p:spTgt spid="185">
-                                            <p:txEl>
-                                              <p:pRg st="0" end="0"/>
-                                            </p:txEl>
-                                          </p:spTgt>
-                                        </p:tgtEl>
-                                      </p:cBhvr>
-                                    </p:animEffect>
-                                  </p:childTnLst>
-                                </p:cTn>
-                              </p:par>
-                            </p:childTnLst>
-                          </p:cTn>
-                        </p:par>
-                        <p:par>
-                          <p:cTn id="8" fill="hold">
-                            <p:stCondLst>
-                              <p:cond delay="500"/>
-                            </p:stCondLst>
-                            <p:childTnLst>
-                              <p:par>
-                                <p:cTn id="9" presetID="10" presetClass="entr" presetSubtype="0" fill="hold" nodeType="afterEffect">
-                                  <p:stCondLst>
-                                    <p:cond delay="0"/>
-                                  </p:stCondLst>
-                                  <p:childTnLst>
-                                    <p:set>
-                                      <p:cBhvr>
-                                        <p:cTn id="10" dur="1" fill="hold">
-                                          <p:stCondLst>
-                                            <p:cond delay="0"/>
-                                          </p:stCondLst>
-                                        </p:cTn>
-                                        <p:tgtEl>
-                                          <p:spTgt spid="185">
-                                            <p:txEl>
-                                              <p:pRg st="1" end="1"/>
-                                            </p:txEl>
-                                          </p:spTgt>
-                                        </p:tgtEl>
-                                        <p:attrNameLst>
-                                          <p:attrName>style.visibility</p:attrName>
-                                        </p:attrNameLst>
-                                      </p:cBhvr>
-                                      <p:to>
-                                        <p:strVal val="visible"/>
-                                      </p:to>
-                                    </p:set>
-                                    <p:animEffect transition="in" filter="fade">
-                                      <p:cBhvr>
-                                        <p:cTn id="11" dur="500"/>
-                                        <p:tgtEl>
-                                          <p:spTgt spid="185">
-                                            <p:txEl>
-                                              <p:pRg st="1" end="1"/>
-                                            </p:txEl>
-                                          </p:spTgt>
-                                        </p:tgtEl>
-                                      </p:cBhvr>
-                                    </p:animEffect>
-                                  </p:childTnLst>
-                                </p:cTn>
-                              </p:par>
-                            </p:childTnLst>
-                          </p:cTn>
-                        </p:par>
-                        <p:par>
-                          <p:cTn id="12" fill="hold">
-                            <p:stCondLst>
-                              <p:cond delay="1000"/>
-                            </p:stCondLst>
-                            <p:childTnLst>
-                              <p:par>
-                                <p:cTn id="13" presetID="35" presetClass="emph" presetSubtype="0" repeatCount="indefinite" fill="hold" grpId="0" nodeType="afterEffect">
-                                  <p:stCondLst>
-                                    <p:cond delay="0"/>
-                                  </p:stCondLst>
-                                  <p:endCondLst>
-                                    <p:cond evt="onNext" delay="0">
-                                      <p:tgtEl>
-                                        <p:sldTgt/>
-                                      </p:tgtEl>
-                                    </p:cond>
-                                  </p:endCondLst>
-                                  <p:childTnLst>
-                                    <p:anim calcmode="discrete" valueType="str">
-                                      <p:cBhvr>
-                                        <p:cTn id="14" dur="1000" fill="hold"/>
-                                        <p:tgtEl>
-                                          <p:spTgt spid="7"/>
-                                        </p:tgtEl>
-                                        <p:attrNameLst>
-                                          <p:attrName>style.visibility</p:attrName>
-                                        </p:attrNameLst>
-                                      </p:cBhvr>
-                                      <p:tavLst>
-                                        <p:tav tm="0">
-                                          <p:val>
-                                            <p:strVal val="hidden"/>
-                                          </p:val>
-                                        </p:tav>
-                                        <p:tav tm="50000">
-                                          <p:val>
-                                            <p:strVal val="visible"/>
-                                          </p:val>
-                                        </p:tav>
-                                      </p:tavLst>
-                                    </p:anim>
-                                  </p:childTnLst>
-                                </p:cTn>
-                              </p:par>
-                            </p:childTnLst>
-                          </p:cTn>
-                        </p:par>
-                      </p:childTnLst>
-                    </p:cTn>
-                  </p:par>
-                  <p:par>
-                    <p:cTn id="15" fill="hold">
-                      <p:stCondLst>
-                        <p:cond delay="indefinite"/>
-                      </p:stCondLst>
-                      <p:childTnLst>
-                        <p:par>
-                          <p:cTn id="16" fill="hold">
-                            <p:stCondLst>
-                              <p:cond delay="0"/>
-                            </p:stCondLst>
-                            <p:childTnLst>
-                              <p:par>
-                                <p:cTn id="17" presetID="1" presetClass="exit" presetSubtype="0" fill="hold" grpId="1" nodeType="clickEffect">
-                                  <p:stCondLst>
-                                    <p:cond delay="0"/>
-                                  </p:stCondLst>
-                                  <p:childTnLst>
-                                    <p:set>
-                                      <p:cBhvr>
-                                        <p:cTn id="18" dur="1" fill="hold">
-                                          <p:stCondLst>
-                                            <p:cond delay="0"/>
-                                          </p:stCondLst>
-                                        </p:cTn>
-                                        <p:tgtEl>
-                                          <p:spTgt spid="7"/>
-                                        </p:tgtEl>
-                                        <p:attrNameLst>
-                                          <p:attrName>style.visibility</p:attrName>
-                                        </p:attrNameLst>
-                                      </p:cBhvr>
-                                      <p:to>
-                                        <p:strVal val="hidden"/>
-                                      </p:to>
-                                    </p:set>
-                                  </p:childTnLst>
-                                </p:cTn>
-                              </p:par>
-                            </p:childTnLst>
-                          </p:cTn>
-                        </p:par>
-                        <p:par>
-                          <p:cTn id="19" fill="hold">
-                            <p:stCondLst>
-                              <p:cond delay="0"/>
-                            </p:stCondLst>
-                            <p:childTnLst>
-                              <p:par>
-                                <p:cTn id="20" presetID="22" presetClass="entr" presetSubtype="8" fill="hold" nodeType="afterEffect">
-                                  <p:stCondLst>
-                                    <p:cond delay="0"/>
-                                  </p:stCondLst>
-                                  <p:childTnLst>
-                                    <p:set>
-                                      <p:cBhvr>
-                                        <p:cTn id="21" dur="1" fill="hold">
-                                          <p:stCondLst>
-                                            <p:cond delay="0"/>
-                                          </p:stCondLst>
-                                        </p:cTn>
-                                        <p:tgtEl>
-                                          <p:spTgt spid="186">
-                                            <p:txEl>
-                                              <p:pRg st="0" end="0"/>
-                                            </p:txEl>
-                                          </p:spTgt>
-                                        </p:tgtEl>
-                                        <p:attrNameLst>
-                                          <p:attrName>style.visibility</p:attrName>
-                                        </p:attrNameLst>
-                                      </p:cBhvr>
-                                      <p:to>
-                                        <p:strVal val="visible"/>
-                                      </p:to>
-                                    </p:set>
-                                    <p:animEffect transition="in" filter="wipe(left)">
-                                      <p:cBhvr>
-                                        <p:cTn id="22" dur="500"/>
-                                        <p:tgtEl>
-                                          <p:spTgt spid="186">
-                                            <p:txEl>
-                                              <p:pRg st="0" end="0"/>
-                                            </p:txEl>
-                                          </p:spTgt>
-                                        </p:tgtEl>
-                                      </p:cBhvr>
-                                    </p:animEffect>
-                                  </p:childTnLst>
-                                </p:cTn>
-                              </p:par>
-                            </p:childTnLst>
-                          </p:cTn>
-                        </p:par>
-                        <p:par>
-                          <p:cTn id="23" fill="hold">
-                            <p:stCondLst>
-                              <p:cond delay="500"/>
-                            </p:stCondLst>
-                            <p:childTnLst>
-                              <p:par>
-                                <p:cTn id="24" presetID="1" presetClass="entr" presetSubtype="0" fill="hold" nodeType="afterEffect">
-                                  <p:stCondLst>
-                                    <p:cond delay="0"/>
-                                  </p:stCondLst>
-                                  <p:childTnLst>
-                                    <p:set>
-                                      <p:cBhvr>
-                                        <p:cTn id="25" dur="1" fill="hold">
-                                          <p:stCondLst>
-                                            <p:cond delay="0"/>
-                                          </p:stCondLst>
-                                        </p:cTn>
-                                        <p:tgtEl>
-                                          <p:spTgt spid="186">
-                                            <p:txEl>
-                                              <p:pRg st="1" end="1"/>
-                                            </p:txEl>
-                                          </p:spTgt>
-                                        </p:tgtEl>
-                                        <p:attrNameLst>
-                                          <p:attrName>style.visibility</p:attrName>
-                                        </p:attrNameLst>
-                                      </p:cBhvr>
-                                      <p:to>
-                                        <p:strVal val="visible"/>
-                                      </p:to>
-                                    </p:set>
-                                  </p:childTnLst>
-                                </p:cTn>
-                              </p:par>
-                            </p:childTnLst>
-                          </p:cTn>
-                        </p:par>
-                        <p:par>
-                          <p:cTn id="26" fill="hold">
-                            <p:stCondLst>
-                              <p:cond delay="500"/>
-                            </p:stCondLst>
-                            <p:childTnLst>
-                              <p:par>
-                                <p:cTn id="27" presetID="1" presetClass="entr" presetSubtype="0" fill="hold" nodeType="afterEffect">
-                                  <p:stCondLst>
-                                    <p:cond delay="0"/>
-                                  </p:stCondLst>
-                                  <p:childTnLst>
-                                    <p:set>
-                                      <p:cBhvr>
-                                        <p:cTn id="28" dur="1" fill="hold">
-                                          <p:stCondLst>
-                                            <p:cond delay="0"/>
-                                          </p:stCondLst>
-                                        </p:cTn>
-                                        <p:tgtEl>
-                                          <p:spTgt spid="186">
-                                            <p:txEl>
-                                              <p:pRg st="2" end="2"/>
-                                            </p:txEl>
-                                          </p:spTgt>
-                                        </p:tgtEl>
-                                        <p:attrNameLst>
-                                          <p:attrName>style.visibility</p:attrName>
-                                        </p:attrNameLst>
-                                      </p:cBhvr>
-                                      <p:to>
-                                        <p:strVal val="visible"/>
-                                      </p:to>
-                                    </p:set>
-                                  </p:childTnLst>
-                                </p:cTn>
-                              </p:par>
-                            </p:childTnLst>
-                          </p:cTn>
-                        </p:par>
-                      </p:childTnLst>
-                    </p:cTn>
-                  </p:par>
-                  <p:par>
-                    <p:cTn id="29" fill="hold">
-                      <p:stCondLst>
-                        <p:cond delay="indefinite"/>
-                      </p:stCondLst>
-                      <p:childTnLst>
-                        <p:par>
-                          <p:cTn id="30" fill="hold">
-                            <p:stCondLst>
-                              <p:cond delay="0"/>
-                            </p:stCondLst>
-                            <p:childTnLst>
-                              <p:par>
-                                <p:cTn id="31" presetID="10" presetClass="entr" presetSubtype="0" fill="hold" nodeType="clickEffect">
-                                  <p:stCondLst>
-                                    <p:cond delay="0"/>
-                                  </p:stCondLst>
-                                  <p:childTnLst>
-                                    <p:set>
-                                      <p:cBhvr>
-                                        <p:cTn id="32" dur="1" fill="hold">
-                                          <p:stCondLst>
-                                            <p:cond delay="0"/>
-                                          </p:stCondLst>
-                                        </p:cTn>
-                                        <p:tgtEl>
-                                          <p:spTgt spid="185">
-                                            <p:txEl>
-                                              <p:pRg st="2" end="2"/>
-                                            </p:txEl>
-                                          </p:spTgt>
-                                        </p:tgtEl>
-                                        <p:attrNameLst>
-                                          <p:attrName>style.visibility</p:attrName>
-                                        </p:attrNameLst>
-                                      </p:cBhvr>
-                                      <p:to>
-                                        <p:strVal val="visible"/>
-                                      </p:to>
-                                    </p:set>
-                                    <p:animEffect transition="in" filter="fade">
-                                      <p:cBhvr>
-                                        <p:cTn id="33" dur="500"/>
-                                        <p:tgtEl>
-                                          <p:spTgt spid="185">
-                                            <p:txEl>
-                                              <p:pRg st="2" end="2"/>
-                                            </p:txEl>
-                                          </p:spTgt>
-                                        </p:tgtEl>
-                                      </p:cBhvr>
-                                    </p:animEffect>
-                                  </p:childTnLst>
-                                </p:cTn>
-                              </p:par>
-                            </p:childTnLst>
-                          </p:cTn>
-                        </p:par>
-                      </p:childTnLst>
-                    </p:cTn>
-                  </p:par>
-                </p:childTnLst>
-              </p:cTn>
-              <p:prevCondLst>
-                <p:cond evt="onPrev" delay="0">
-                  <p:tgtEl>
-                    <p:sldTgt/>
-                  </p:tgtEl>
-                </p:cond>
-              </p:prevCondLst>
-              <p:nextCondLst>
-                <p:cond evt="onNext" delay="0">
-                  <p:tgtEl>
-                    <p:sldTgt/>
-                  </p:tgtEl>
-                </p:cond>
-              </p:nextCondLst>
-            </p:seq>
-          </p:childTnLst>
-        </p:cTn>
-      </p:par>
-    </p:tnLst>
-    <p:bldLst>
-      <p:bldP spid="7" grpId="0" animBg="1"/>
-      <p:bldP spid="7" grpId="1" animBg="1"/>
-    </p:bldLst>
-  </p:timing>
-</p:sld>
-</file>
-
-<file path=ppt/slides/slide22.xml><?xml version="1.0" encoding="utf-8"?>
-<p:sld xmlns:a="http://schemas.openxmlformats.org/drawingml/2006/main" xmlns:r="http://schemas.openxmlformats.org/officeDocument/2006/relationships" xmlns:p="http://schemas.openxmlformats.org/presentationml/2006/main">
-  <p:cSld>
-    <p:spTree>
-      <p:nvGrpSpPr>
-        <p:cNvPr id="1" name=""/>
-        <p:cNvGrpSpPr/>
-        <p:nvPr/>
-      </p:nvGrpSpPr>
-      <p:grpSpPr>
-        <a:xfrm>
-          <a:off x="0" y="0"/>
-          <a:ext cx="0" cy="0"/>
-          <a:chOff x="0" y="0"/>
-          <a:chExt cx="0" cy="0"/>
-        </a:xfrm>
-      </p:grpSpPr>
-      <p:sp>
-        <p:nvSpPr>
-          <p:cNvPr id="191" name="加载dplyr工具包…"/>
-          <p:cNvSpPr txBox="1">
-            <a:spLocks noGrp="1"/>
-          </p:cNvSpPr>
-          <p:nvPr>
-            <p:ph type="body" sz="half" idx="1"/>
-          </p:nvPr>
-        </p:nvSpPr>
-        <p:spPr>
-          <a:prstGeom prst="rect">
-            <a:avLst/>
-          </a:prstGeom>
-        </p:spPr>
-        <p:txBody>
-          <a:bodyPr/>
-          <a:lstStyle/>
-          <a:p>
-            <a:r>
-              <a:rPr dirty="0"/>
-              <a:t>select() </a:t>
-            </a:r>
-            <a:r>
-              <a:rPr dirty="0" err="1"/>
-              <a:t>选择变量</a:t>
-            </a:r>
-            <a:endParaRPr lang="en-US" dirty="0"/>
-          </a:p>
-          <a:p>
-            <a:pPr marL="0" indent="0">
-              <a:buNone/>
-            </a:pPr>
-            <a:r>
-              <a:rPr lang="zh-CN" altLang="en-US" dirty="0"/>
-              <a:t>如右侧示例数据</a:t>
-            </a:r>
-            <a:endParaRPr lang="en-US" altLang="zh-CN" dirty="0"/>
-          </a:p>
-          <a:p>
-            <a:pPr marL="0" indent="0">
-              <a:buNone/>
-            </a:pPr>
-            <a:r>
-              <a:rPr lang="zh-CN" altLang="en-US" dirty="0"/>
-              <a:t>问题</a:t>
-            </a:r>
-            <a:r>
-              <a:rPr lang="en-US" altLang="zh-CN" dirty="0"/>
-              <a:t>1:</a:t>
-            </a:r>
-            <a:r>
-              <a:rPr lang="zh-CN" altLang="en-US" dirty="0"/>
-              <a:t>取</a:t>
-            </a:r>
-            <a:r>
-              <a:rPr lang="en-US" altLang="zh-CN" dirty="0"/>
-              <a:t>Gender</a:t>
-            </a:r>
-            <a:r>
-              <a:rPr lang="zh-CN" altLang="en-US" dirty="0"/>
-              <a:t>到</a:t>
-            </a:r>
-            <a:r>
-              <a:rPr lang="en-US" altLang="zh-CN" dirty="0"/>
-              <a:t>Major</a:t>
-            </a:r>
-            <a:r>
-              <a:rPr lang="zh-CN" altLang="en-US" dirty="0"/>
-              <a:t>之间的所有属性数据</a:t>
-            </a:r>
-            <a:endParaRPr lang="en-US" altLang="zh-CN" dirty="0"/>
-          </a:p>
-          <a:p>
-            <a:pPr marL="0" indent="0">
-              <a:buNone/>
-            </a:pPr>
-            <a:r>
-              <a:rPr lang="zh-CN" altLang="en-US" dirty="0"/>
-              <a:t>问题</a:t>
-            </a:r>
-            <a:r>
-              <a:rPr lang="en-US" altLang="zh-CN" dirty="0"/>
-              <a:t>2:</a:t>
-            </a:r>
-            <a:r>
-              <a:rPr lang="zh-CN" altLang="en-US" dirty="0"/>
-              <a:t>除了姓名属性</a:t>
-            </a:r>
-            <a:r>
-              <a:rPr lang="en-US" altLang="zh-CN" dirty="0"/>
-              <a:t>Name</a:t>
-            </a:r>
-            <a:r>
-              <a:rPr lang="zh-CN" altLang="en-US" dirty="0"/>
-              <a:t>以外，其他属性提取出来</a:t>
-            </a:r>
-            <a:endParaRPr dirty="0"/>
-          </a:p>
-        </p:txBody>
-      </p:sp>
-      <p:sp>
-        <p:nvSpPr>
-          <p:cNvPr id="192" name="幻灯片编号"/>
-          <p:cNvSpPr txBox="1">
-            <a:spLocks noGrp="1"/>
-          </p:cNvSpPr>
-          <p:nvPr>
-            <p:ph type="sldNum" sz="quarter" idx="2"/>
-          </p:nvPr>
-        </p:nvSpPr>
-        <p:spPr>
-          <a:xfrm>
-            <a:off x="11893153" y="590901"/>
-            <a:ext cx="276709" cy="449022"/>
-          </a:xfrm>
-          <a:prstGeom prst="rect">
-            <a:avLst/>
-          </a:prstGeom>
-          <a:extLst>
-            <a:ext uri="{C572A759-6A51-4108-AA02-DFA0A04FC94B}">
-              <ma14:wrappingTextBoxFlag xmlns:ma14="http://schemas.microsoft.com/office/mac/drawingml/2011/main" xmlns:a14="http://schemas.microsoft.com/office/drawing/2010/main" xmlns:m="http://schemas.openxmlformats.org/officeDocument/2006/math" xmlns="" val="1"/>
-            </a:ext>
-          </a:extLst>
-        </p:spPr>
-        <p:txBody>
-          <a:bodyPr/>
-          <a:lstStyle/>
-          <a:p>
-            <a:fld id="{86CB4B4D-7CA3-9044-876B-883B54F8677D}" type="slidenum">
-              <a:t>22</a:t>
-            </a:fld>
-            <a:endParaRPr/>
-          </a:p>
-        </p:txBody>
-      </p:sp>
-      <p:sp>
-        <p:nvSpPr>
-          <p:cNvPr id="193" name="数据框工具"/>
-          <p:cNvSpPr txBox="1">
-            <a:spLocks noGrp="1"/>
-          </p:cNvSpPr>
-          <p:nvPr>
-            <p:ph type="body" idx="14"/>
-          </p:nvPr>
-        </p:nvSpPr>
-        <p:spPr>
-          <a:xfrm>
-            <a:off x="2672862" y="565501"/>
-            <a:ext cx="5697415" cy="914755"/>
-          </a:xfrm>
-          <a:prstGeom prst="rect">
-            <a:avLst/>
-          </a:prstGeom>
-        </p:spPr>
-        <p:txBody>
-          <a:bodyPr/>
-          <a:lstStyle>
-            <a:lvl1pPr defTabSz="525779">
-              <a:defRPr sz="3780"/>
-            </a:lvl1pPr>
-          </a:lstStyle>
-          <a:p>
-            <a:pPr algn="ctr"/>
-            <a:r>
-              <a:rPr lang="zh-CN" altLang="en-US" dirty="0"/>
-              <a:t>取属性子集</a:t>
-            </a:r>
-            <a:endParaRPr dirty="0"/>
-          </a:p>
-        </p:txBody>
-      </p:sp>
-      <p:sp>
-        <p:nvSpPr>
-          <p:cNvPr id="194" name="&gt; select(persons,Gender:Major)…"/>
-          <p:cNvSpPr txBox="1"/>
-          <p:nvPr/>
-        </p:nvSpPr>
-        <p:spPr>
-          <a:xfrm>
-            <a:off x="5701431" y="3902174"/>
-            <a:ext cx="4719241" cy="1949252"/>
-          </a:xfrm>
-          <a:prstGeom prst="rect">
-            <a:avLst/>
-          </a:prstGeom>
-          <a:ln w="12700">
-            <a:miter lim="400000"/>
-          </a:ln>
-          <a:extLst>
-            <a:ext uri="{C572A759-6A51-4108-AA02-DFA0A04FC94B}">
-              <ma14:wrappingTextBoxFlag xmlns:ma14="http://schemas.microsoft.com/office/mac/drawingml/2011/main" xmlns:a14="http://schemas.microsoft.com/office/drawing/2010/main" xmlns:m="http://schemas.openxmlformats.org/officeDocument/2006/math" xmlns="" val="1"/>
-            </a:ext>
-          </a:extLst>
-        </p:spPr>
-        <p:txBody>
-          <a:bodyPr wrap="none" lIns="50800" tIns="50800" rIns="50800" bIns="50800" anchor="ctr">
-            <a:spAutoFit/>
-          </a:bodyPr>
-          <a:lstStyle/>
-          <a:p>
-            <a:pPr>
-              <a:defRPr sz="2200">
-                <a:solidFill>
-                  <a:srgbClr val="0433FF"/>
-                </a:solidFill>
-              </a:defRPr>
-            </a:pPr>
-            <a:r>
-              <a:rPr sz="2400" dirty="0"/>
-              <a:t>&gt; select(</a:t>
-            </a:r>
-            <a:r>
-              <a:rPr sz="2400" dirty="0" err="1"/>
-              <a:t>persons,Gender:Major</a:t>
-            </a:r>
-            <a:r>
-              <a:rPr sz="2400" dirty="0"/>
-              <a:t>)</a:t>
-            </a:r>
-          </a:p>
-          <a:p>
-            <a:pPr>
-              <a:defRPr sz="2200"/>
-            </a:pPr>
-            <a:r>
-              <a:rPr sz="2400" dirty="0"/>
-              <a:t>  Gender Age      Major</a:t>
-            </a:r>
-          </a:p>
-          <a:p>
-            <a:pPr>
-              <a:defRPr sz="2200"/>
-            </a:pPr>
-            <a:r>
-              <a:rPr sz="2400" dirty="0"/>
-              <a:t>1   Male  20    Finance</a:t>
-            </a:r>
-          </a:p>
-          <a:p>
-            <a:pPr>
-              <a:defRPr sz="2200"/>
-            </a:pPr>
-            <a:r>
-              <a:rPr sz="2400" dirty="0"/>
-              <a:t>2 Female  19 Statistics</a:t>
-            </a:r>
-          </a:p>
-          <a:p>
-            <a:pPr>
-              <a:defRPr sz="2200"/>
-            </a:pPr>
-            <a:r>
-              <a:rPr sz="2400" dirty="0"/>
-              <a:t>3 Female  21  Economics</a:t>
-            </a:r>
-          </a:p>
-        </p:txBody>
-      </p:sp>
-      <p:sp>
-        <p:nvSpPr>
-          <p:cNvPr id="195" name="&gt; select(persons,-Name)…"/>
-          <p:cNvSpPr txBox="1"/>
-          <p:nvPr/>
-        </p:nvSpPr>
-        <p:spPr>
-          <a:xfrm>
-            <a:off x="5701431" y="5952680"/>
-            <a:ext cx="3642023" cy="1949252"/>
-          </a:xfrm>
-          <a:prstGeom prst="rect">
-            <a:avLst/>
-          </a:prstGeom>
-          <a:ln w="12700">
-            <a:miter lim="400000"/>
-          </a:ln>
-          <a:extLst>
-            <a:ext uri="{C572A759-6A51-4108-AA02-DFA0A04FC94B}">
-              <ma14:wrappingTextBoxFlag xmlns:ma14="http://schemas.microsoft.com/office/mac/drawingml/2011/main" xmlns:a14="http://schemas.microsoft.com/office/drawing/2010/main" xmlns:m="http://schemas.openxmlformats.org/officeDocument/2006/math" xmlns="" val="1"/>
-            </a:ext>
-          </a:extLst>
-        </p:spPr>
-        <p:txBody>
-          <a:bodyPr wrap="none" lIns="50800" tIns="50800" rIns="50800" bIns="50800" anchor="ctr">
-            <a:spAutoFit/>
-          </a:bodyPr>
-          <a:lstStyle/>
-          <a:p>
-            <a:pPr>
-              <a:defRPr sz="2200">
-                <a:solidFill>
-                  <a:srgbClr val="0433FF"/>
-                </a:solidFill>
-              </a:defRPr>
-            </a:pPr>
-            <a:r>
-              <a:rPr sz="2400" dirty="0"/>
-              <a:t>&gt; select(persons,-Name)</a:t>
-            </a:r>
-          </a:p>
-          <a:p>
-            <a:pPr>
-              <a:defRPr sz="2200"/>
-            </a:pPr>
-            <a:r>
-              <a:rPr sz="2400" dirty="0"/>
-              <a:t>  Gender Age      Major</a:t>
-            </a:r>
-          </a:p>
-          <a:p>
-            <a:pPr>
-              <a:defRPr sz="2200"/>
-            </a:pPr>
-            <a:r>
-              <a:rPr sz="2400" dirty="0"/>
-              <a:t>1   Male  20    Finance</a:t>
-            </a:r>
-          </a:p>
-          <a:p>
-            <a:pPr>
-              <a:defRPr sz="2200"/>
-            </a:pPr>
-            <a:r>
-              <a:rPr sz="2400" dirty="0"/>
-              <a:t>2 Female  19 Statistics</a:t>
-            </a:r>
-          </a:p>
-          <a:p>
-            <a:pPr>
-              <a:defRPr sz="2200"/>
-            </a:pPr>
-            <a:r>
-              <a:rPr sz="2400" dirty="0"/>
-              <a:t>3 Female  21  Economics</a:t>
-            </a:r>
-          </a:p>
-        </p:txBody>
-      </p:sp>
-      <p:sp>
-        <p:nvSpPr>
-          <p:cNvPr id="8" name="R Console"/>
-          <p:cNvSpPr txBox="1"/>
-          <p:nvPr/>
-        </p:nvSpPr>
-        <p:spPr>
-          <a:xfrm>
-            <a:off x="5642539" y="3904593"/>
-            <a:ext cx="258084" cy="471924"/>
-          </a:xfrm>
-          <a:prstGeom prst="rect">
-            <a:avLst/>
-          </a:prstGeom>
-          <a:ln w="12700">
-            <a:miter lim="400000"/>
-          </a:ln>
-          <a:extLst>
-            <a:ext uri="{C572A759-6A51-4108-AA02-DFA0A04FC94B}">
-              <ma14:wrappingTextBoxFlag xmlns="" xmlns:m="http://schemas.openxmlformats.org/officeDocument/2006/math" xmlns:a14="http://schemas.microsoft.com/office/drawing/2010/main" xmlns:ma14="http://schemas.microsoft.com/office/mac/drawingml/2011/main" val="1"/>
-            </a:ext>
-          </a:extLst>
-        </p:spPr>
-        <p:txBody>
-          <a:bodyPr wrap="none" lIns="50800" tIns="50800" rIns="50800" bIns="50800" anchor="ctr">
-            <a:spAutoFit/>
-          </a:bodyPr>
-          <a:lstStyle/>
-          <a:p>
-            <a:r>
-              <a:rPr lang="en-US" sz="2400" b="1" dirty="0">
-                <a:solidFill>
-                  <a:srgbClr val="0000FF"/>
-                </a:solidFill>
-              </a:rPr>
-              <a:t>|</a:t>
-            </a:r>
-            <a:endParaRPr sz="2400" b="1" dirty="0">
-              <a:solidFill>
-                <a:srgbClr val="0000FF"/>
-              </a:solidFill>
-            </a:endParaRPr>
-          </a:p>
-        </p:txBody>
-      </p:sp>
-      <p:sp>
-        <p:nvSpPr>
-          <p:cNvPr id="9" name="R Console"/>
-          <p:cNvSpPr txBox="1"/>
-          <p:nvPr/>
-        </p:nvSpPr>
-        <p:spPr>
-          <a:xfrm>
-            <a:off x="5651189" y="5952680"/>
-            <a:ext cx="258084" cy="471924"/>
-          </a:xfrm>
-          <a:prstGeom prst="rect">
-            <a:avLst/>
-          </a:prstGeom>
-          <a:ln w="12700">
-            <a:miter lim="400000"/>
-          </a:ln>
-          <a:extLst>
-            <a:ext uri="{C572A759-6A51-4108-AA02-DFA0A04FC94B}">
-              <ma14:wrappingTextBoxFlag xmlns="" xmlns:m="http://schemas.openxmlformats.org/officeDocument/2006/math" xmlns:a14="http://schemas.microsoft.com/office/drawing/2010/main" xmlns:ma14="http://schemas.microsoft.com/office/mac/drawingml/2011/main" val="1"/>
-            </a:ext>
-          </a:extLst>
-        </p:spPr>
-        <p:txBody>
-          <a:bodyPr wrap="none" lIns="50800" tIns="50800" rIns="50800" bIns="50800" anchor="ctr">
-            <a:spAutoFit/>
-          </a:bodyPr>
-          <a:lstStyle/>
-          <a:p>
-            <a:r>
-              <a:rPr lang="en-US" sz="2400" b="1" dirty="0">
-                <a:solidFill>
-                  <a:srgbClr val="0000FF"/>
-                </a:solidFill>
-              </a:rPr>
-              <a:t>|</a:t>
-            </a:r>
-            <a:endParaRPr sz="2400" b="1" dirty="0">
-              <a:solidFill>
-                <a:srgbClr val="0000FF"/>
-              </a:solidFill>
-            </a:endParaRPr>
-          </a:p>
-        </p:txBody>
-      </p:sp>
-      <p:sp>
-        <p:nvSpPr>
-          <p:cNvPr id="10" name="矩形 9">
-            <a:extLst>
-              <a:ext uri="{FF2B5EF4-FFF2-40B4-BE49-F238E27FC236}">
-                <a16:creationId xmlns:a16="http://schemas.microsoft.com/office/drawing/2014/main" id="{9E51BA06-E735-3940-9411-310F3B6FB12D}"/>
-              </a:ext>
-            </a:extLst>
-          </p:cNvPr>
-          <p:cNvSpPr/>
-          <p:nvPr/>
-        </p:nvSpPr>
-        <p:spPr>
-          <a:xfrm>
-            <a:off x="5642539" y="2114162"/>
-            <a:ext cx="6502400" cy="1708160"/>
-          </a:xfrm>
-          <a:prstGeom prst="rect">
-            <a:avLst/>
-          </a:prstGeom>
-        </p:spPr>
-        <p:txBody>
-          <a:bodyPr>
-            <a:spAutoFit/>
-          </a:bodyPr>
-          <a:lstStyle/>
-          <a:p>
-            <a:pPr>
-              <a:defRPr sz="2100">
-                <a:solidFill>
-                  <a:srgbClr val="0433FF"/>
-                </a:solidFill>
-              </a:defRPr>
-            </a:pPr>
-            <a:r>
-              <a:rPr lang="en-US" altLang="zh-CN" dirty="0"/>
-              <a:t>&gt; persons</a:t>
-            </a:r>
-          </a:p>
-          <a:p>
-            <a:pPr>
-              <a:defRPr sz="2100">
-                <a:solidFill>
-                  <a:srgbClr val="000000"/>
-                </a:solidFill>
-              </a:defRPr>
-            </a:pPr>
-            <a:r>
-              <a:rPr lang="en-US" altLang="zh-CN" dirty="0"/>
-              <a:t>      Name  Gender  Age          Major</a:t>
-            </a:r>
-          </a:p>
-          <a:p>
-            <a:pPr>
-              <a:defRPr sz="2100">
-                <a:solidFill>
-                  <a:srgbClr val="000000"/>
-                </a:solidFill>
-              </a:defRPr>
-            </a:pPr>
-            <a:r>
-              <a:rPr lang="en-US" altLang="zh-CN" dirty="0"/>
-              <a:t>1     </a:t>
-            </a:r>
-            <a:r>
-              <a:rPr lang="zh-CN" altLang="en-US" dirty="0"/>
-              <a:t>李雷    </a:t>
-            </a:r>
-            <a:r>
-              <a:rPr lang="en-US" altLang="zh-CN" dirty="0"/>
-              <a:t>Male   20        Finance</a:t>
-            </a:r>
-          </a:p>
-          <a:p>
-            <a:pPr>
-              <a:defRPr sz="2100">
-                <a:solidFill>
-                  <a:srgbClr val="000000"/>
-                </a:solidFill>
-              </a:defRPr>
-            </a:pPr>
-            <a:r>
-              <a:rPr lang="en-US" altLang="zh-CN" dirty="0"/>
-              <a:t>2   </a:t>
-            </a:r>
-            <a:r>
-              <a:rPr lang="zh-CN" altLang="en-US" dirty="0"/>
-              <a:t>韩梅梅  </a:t>
-            </a:r>
-            <a:r>
-              <a:rPr lang="en-US" altLang="zh-CN" dirty="0"/>
-              <a:t>Female   19     Statistics</a:t>
-            </a:r>
-          </a:p>
-          <a:p>
-            <a:pPr>
-              <a:defRPr sz="2100">
-                <a:solidFill>
-                  <a:srgbClr val="000000"/>
-                </a:solidFill>
-              </a:defRPr>
-            </a:pPr>
-            <a:r>
-              <a:rPr lang="en-US" altLang="zh-CN" dirty="0"/>
-              <a:t>3     </a:t>
-            </a:r>
-            <a:r>
-              <a:rPr lang="zh-CN" altLang="en-US" dirty="0"/>
-              <a:t>张萌  </a:t>
-            </a:r>
-            <a:r>
-              <a:rPr lang="en-US" altLang="zh-CN" dirty="0"/>
-              <a:t>Female   21      Economics</a:t>
-            </a:r>
-          </a:p>
-        </p:txBody>
-      </p:sp>
-    </p:spTree>
-    <p:extLst>
-      <p:ext uri="{BB962C8B-B14F-4D97-AF65-F5344CB8AC3E}">
-        <p14:creationId xmlns:p14="http://schemas.microsoft.com/office/powerpoint/2010/main" val="4070727020"/>
-      </p:ext>
-    </p:extLst>
-  </p:cSld>
-  <p:clrMapOvr>
-    <a:masterClrMapping/>
-  </p:clrMapOvr>
-  <p:transition spd="slow">
-    <p:wipe/>
-  </p:transition>
-  <p:timing>
-    <p:tnLst>
-      <p:par>
-        <p:cTn id="1" dur="indefinite" restart="never" nodeType="tmRoot">
-          <p:childTnLst>
-            <p:seq concurrent="1" nextAc="seek">
-              <p:cTn id="2" dur="indefinite" nodeType="mainSeq">
-                <p:childTnLst>
-                  <p:par>
-                    <p:cTn id="3" fill="hold">
-                      <p:stCondLst>
-                        <p:cond delay="indefinite"/>
-                        <p:cond evt="onBegin" delay="0">
-                          <p:tn val="2"/>
-                        </p:cond>
-                      </p:stCondLst>
-                      <p:childTnLst>
-                        <p:par>
-                          <p:cTn id="4" fill="hold">
-                            <p:stCondLst>
-                              <p:cond delay="0"/>
-                            </p:stCondLst>
-                            <p:childTnLst>
-                              <p:par>
-                                <p:cTn id="5" presetID="22" presetClass="entr" presetSubtype="8" fill="hold" nodeType="afterEffect">
-                                  <p:stCondLst>
-                                    <p:cond delay="0"/>
-                                  </p:stCondLst>
-                                  <p:childTnLst>
-                                    <p:set>
-                                      <p:cBhvr>
-                                        <p:cTn id="6" dur="1" fill="hold">
-                                          <p:stCondLst>
-                                            <p:cond delay="0"/>
-                                          </p:stCondLst>
-                                        </p:cTn>
-                                        <p:tgtEl>
-                                          <p:spTgt spid="191">
-                                            <p:txEl>
-                                              <p:pRg st="0" end="0"/>
-                                            </p:txEl>
-                                          </p:spTgt>
-                                        </p:tgtEl>
-                                        <p:attrNameLst>
-                                          <p:attrName>style.visibility</p:attrName>
-                                        </p:attrNameLst>
-                                      </p:cBhvr>
-                                      <p:to>
-                                        <p:strVal val="visible"/>
-                                      </p:to>
-                                    </p:set>
-                                    <p:animEffect transition="in" filter="wipe(left)">
-                                      <p:cBhvr>
-                                        <p:cTn id="7" dur="500"/>
-                                        <p:tgtEl>
-                                          <p:spTgt spid="191">
-                                            <p:txEl>
-                                              <p:pRg st="0" end="0"/>
-                                            </p:txEl>
-                                          </p:spTgt>
-                                        </p:tgtEl>
-                                      </p:cBhvr>
-                                    </p:animEffect>
-                                  </p:childTnLst>
-                                </p:cTn>
-                              </p:par>
-                            </p:childTnLst>
-                          </p:cTn>
-                        </p:par>
-                        <p:par>
-                          <p:cTn id="8" fill="hold">
-                            <p:stCondLst>
-                              <p:cond delay="500"/>
-                            </p:stCondLst>
-                            <p:childTnLst>
-                              <p:par>
-                                <p:cTn id="9" presetID="22" presetClass="entr" presetSubtype="8" fill="hold" nodeType="afterEffect">
-                                  <p:stCondLst>
-                                    <p:cond delay="0"/>
-                                  </p:stCondLst>
-                                  <p:childTnLst>
-                                    <p:set>
-                                      <p:cBhvr>
-                                        <p:cTn id="10" dur="1" fill="hold">
-                                          <p:stCondLst>
-                                            <p:cond delay="0"/>
-                                          </p:stCondLst>
-                                        </p:cTn>
-                                        <p:tgtEl>
-                                          <p:spTgt spid="191">
-                                            <p:txEl>
-                                              <p:pRg st="1" end="1"/>
-                                            </p:txEl>
-                                          </p:spTgt>
-                                        </p:tgtEl>
-                                        <p:attrNameLst>
-                                          <p:attrName>style.visibility</p:attrName>
-                                        </p:attrNameLst>
-                                      </p:cBhvr>
-                                      <p:to>
-                                        <p:strVal val="visible"/>
-                                      </p:to>
-                                    </p:set>
-                                    <p:animEffect transition="in" filter="wipe(left)">
-                                      <p:cBhvr>
-                                        <p:cTn id="11" dur="500"/>
-                                        <p:tgtEl>
-                                          <p:spTgt spid="191">
-                                            <p:txEl>
-                                              <p:pRg st="1" end="1"/>
-                                            </p:txEl>
-                                          </p:spTgt>
-                                        </p:tgtEl>
-                                      </p:cBhvr>
-                                    </p:animEffect>
-                                  </p:childTnLst>
-                                </p:cTn>
-                              </p:par>
-                            </p:childTnLst>
-                          </p:cTn>
-                        </p:par>
-                        <p:par>
-                          <p:cTn id="12" fill="hold">
-                            <p:stCondLst>
-                              <p:cond delay="1000"/>
-                            </p:stCondLst>
-                            <p:childTnLst>
-                              <p:par>
-                                <p:cTn id="13" presetID="22" presetClass="entr" presetSubtype="8" fill="hold" nodeType="afterEffect">
-                                  <p:stCondLst>
-                                    <p:cond delay="0"/>
-                                  </p:stCondLst>
-                                  <p:childTnLst>
-                                    <p:set>
-                                      <p:cBhvr>
-                                        <p:cTn id="14" dur="1" fill="hold">
-                                          <p:stCondLst>
-                                            <p:cond delay="0"/>
-                                          </p:stCondLst>
-                                        </p:cTn>
-                                        <p:tgtEl>
-                                          <p:spTgt spid="191">
-                                            <p:txEl>
-                                              <p:pRg st="2" end="2"/>
-                                            </p:txEl>
-                                          </p:spTgt>
-                                        </p:tgtEl>
-                                        <p:attrNameLst>
-                                          <p:attrName>style.visibility</p:attrName>
-                                        </p:attrNameLst>
-                                      </p:cBhvr>
-                                      <p:to>
-                                        <p:strVal val="visible"/>
-                                      </p:to>
-                                    </p:set>
-                                    <p:animEffect transition="in" filter="wipe(left)">
-                                      <p:cBhvr>
-                                        <p:cTn id="15" dur="500"/>
-                                        <p:tgtEl>
-                                          <p:spTgt spid="191">
-                                            <p:txEl>
-                                              <p:pRg st="2" end="2"/>
-                                            </p:txEl>
-                                          </p:spTgt>
-                                        </p:tgtEl>
-                                      </p:cBhvr>
-                                    </p:animEffect>
-                                  </p:childTnLst>
-                                </p:cTn>
-                              </p:par>
-                            </p:childTnLst>
-                          </p:cTn>
-                        </p:par>
-                        <p:par>
-                          <p:cTn id="16" fill="hold">
-                            <p:stCondLst>
-                              <p:cond delay="1500"/>
-                            </p:stCondLst>
-                            <p:childTnLst>
-                              <p:par>
-                                <p:cTn id="17" presetID="1" presetClass="entr" presetSubtype="0" fill="hold" grpId="2" nodeType="afterEffect">
-                                  <p:stCondLst>
-                                    <p:cond delay="0"/>
-                                  </p:stCondLst>
-                                  <p:childTnLst>
-                                    <p:set>
-                                      <p:cBhvr>
-                                        <p:cTn id="18" dur="1" fill="hold">
-                                          <p:stCondLst>
-                                            <p:cond delay="0"/>
-                                          </p:stCondLst>
-                                        </p:cTn>
-                                        <p:tgtEl>
-                                          <p:spTgt spid="8"/>
-                                        </p:tgtEl>
-                                        <p:attrNameLst>
-                                          <p:attrName>style.visibility</p:attrName>
-                                        </p:attrNameLst>
-                                      </p:cBhvr>
-                                      <p:to>
-                                        <p:strVal val="visible"/>
-                                      </p:to>
-                                    </p:set>
-                                  </p:childTnLst>
-                                </p:cTn>
-                              </p:par>
-                            </p:childTnLst>
-                          </p:cTn>
-                        </p:par>
-                        <p:par>
-                          <p:cTn id="19" fill="hold">
-                            <p:stCondLst>
-                              <p:cond delay="1500"/>
-                            </p:stCondLst>
-                            <p:childTnLst>
-                              <p:par>
-                                <p:cTn id="20" presetID="35" presetClass="emph" presetSubtype="0" repeatCount="indefinite" fill="hold" grpId="0" nodeType="afterEffect">
-                                  <p:stCondLst>
-                                    <p:cond delay="0"/>
-                                  </p:stCondLst>
-                                  <p:endCondLst>
-                                    <p:cond evt="onNext" delay="0">
-                                      <p:tgtEl>
-                                        <p:sldTgt/>
-                                      </p:tgtEl>
-                                    </p:cond>
-                                  </p:endCondLst>
-                                  <p:childTnLst>
-                                    <p:anim calcmode="discrete" valueType="str">
-                                      <p:cBhvr>
-                                        <p:cTn id="21" dur="1000" fill="hold"/>
-                                        <p:tgtEl>
-                                          <p:spTgt spid="8"/>
-                                        </p:tgtEl>
-                                        <p:attrNameLst>
-                                          <p:attrName>style.visibility</p:attrName>
-                                        </p:attrNameLst>
-                                      </p:cBhvr>
-                                      <p:tavLst>
-                                        <p:tav tm="0">
-                                          <p:val>
-                                            <p:strVal val="hidden"/>
-                                          </p:val>
-                                        </p:tav>
-                                        <p:tav tm="50000">
-                                          <p:val>
-                                            <p:strVal val="visible"/>
-                                          </p:val>
-                                        </p:tav>
-                                      </p:tavLst>
-                                    </p:anim>
-                                  </p:childTnLst>
-                                </p:cTn>
-                              </p:par>
-                            </p:childTnLst>
-                          </p:cTn>
-                        </p:par>
-                      </p:childTnLst>
-                    </p:cTn>
-                  </p:par>
-                  <p:par>
-                    <p:cTn id="22" fill="hold">
-                      <p:stCondLst>
-                        <p:cond delay="indefinite"/>
-                      </p:stCondLst>
-                      <p:childTnLst>
-                        <p:par>
-                          <p:cTn id="23" fill="hold">
-                            <p:stCondLst>
-                              <p:cond delay="0"/>
-                            </p:stCondLst>
-                            <p:childTnLst>
-                              <p:par>
-                                <p:cTn id="24" presetID="1" presetClass="exit" presetSubtype="0" fill="hold" grpId="1" nodeType="clickEffect">
-                                  <p:stCondLst>
-                                    <p:cond delay="0"/>
-                                  </p:stCondLst>
-                                  <p:childTnLst>
-                                    <p:set>
-                                      <p:cBhvr>
-                                        <p:cTn id="25" dur="1" fill="hold">
-                                          <p:stCondLst>
-                                            <p:cond delay="0"/>
-                                          </p:stCondLst>
-                                        </p:cTn>
-                                        <p:tgtEl>
-                                          <p:spTgt spid="8"/>
-                                        </p:tgtEl>
-                                        <p:attrNameLst>
-                                          <p:attrName>style.visibility</p:attrName>
-                                        </p:attrNameLst>
-                                      </p:cBhvr>
-                                      <p:to>
-                                        <p:strVal val="hidden"/>
-                                      </p:to>
-                                    </p:set>
-                                  </p:childTnLst>
-                                </p:cTn>
-                              </p:par>
-                            </p:childTnLst>
-                          </p:cTn>
-                        </p:par>
-                        <p:par>
-                          <p:cTn id="26" fill="hold">
-                            <p:stCondLst>
-                              <p:cond delay="0"/>
-                            </p:stCondLst>
-                            <p:childTnLst>
-                              <p:par>
-                                <p:cTn id="27" presetID="22" presetClass="entr" presetSubtype="8" fill="hold" nodeType="afterEffect">
-                                  <p:stCondLst>
-                                    <p:cond delay="0"/>
-                                  </p:stCondLst>
-                                  <p:childTnLst>
-                                    <p:set>
-                                      <p:cBhvr>
-                                        <p:cTn id="28" dur="1" fill="hold">
-                                          <p:stCondLst>
-                                            <p:cond delay="0"/>
-                                          </p:stCondLst>
-                                        </p:cTn>
-                                        <p:tgtEl>
-                                          <p:spTgt spid="194">
-                                            <p:txEl>
-                                              <p:pRg st="0" end="0"/>
-                                            </p:txEl>
-                                          </p:spTgt>
-                                        </p:tgtEl>
-                                        <p:attrNameLst>
-                                          <p:attrName>style.visibility</p:attrName>
-                                        </p:attrNameLst>
-                                      </p:cBhvr>
-                                      <p:to>
-                                        <p:strVal val="visible"/>
-                                      </p:to>
-                                    </p:set>
-                                    <p:animEffect transition="in" filter="wipe(left)">
-                                      <p:cBhvr>
-                                        <p:cTn id="29" dur="500"/>
-                                        <p:tgtEl>
-                                          <p:spTgt spid="194">
-                                            <p:txEl>
-                                              <p:pRg st="0" end="0"/>
-                                            </p:txEl>
-                                          </p:spTgt>
-                                        </p:tgtEl>
-                                      </p:cBhvr>
-                                    </p:animEffect>
-                                  </p:childTnLst>
-                                </p:cTn>
-                              </p:par>
-                            </p:childTnLst>
-                          </p:cTn>
-                        </p:par>
-                        <p:par>
-                          <p:cTn id="30" fill="hold">
-                            <p:stCondLst>
-                              <p:cond delay="500"/>
-                            </p:stCondLst>
-                            <p:childTnLst>
-                              <p:par>
-                                <p:cTn id="31" presetID="1" presetClass="entr" presetSubtype="0" fill="hold" nodeType="afterEffect">
-                                  <p:stCondLst>
-                                    <p:cond delay="0"/>
-                                  </p:stCondLst>
-                                  <p:childTnLst>
-                                    <p:set>
-                                      <p:cBhvr>
-                                        <p:cTn id="32" dur="1" fill="hold">
-                                          <p:stCondLst>
-                                            <p:cond delay="0"/>
-                                          </p:stCondLst>
-                                        </p:cTn>
-                                        <p:tgtEl>
-                                          <p:spTgt spid="194">
-                                            <p:txEl>
-                                              <p:pRg st="1" end="1"/>
-                                            </p:txEl>
-                                          </p:spTgt>
-                                        </p:tgtEl>
-                                        <p:attrNameLst>
-                                          <p:attrName>style.visibility</p:attrName>
-                                        </p:attrNameLst>
-                                      </p:cBhvr>
-                                      <p:to>
-                                        <p:strVal val="visible"/>
-                                      </p:to>
-                                    </p:set>
-                                  </p:childTnLst>
-                                </p:cTn>
-                              </p:par>
-                              <p:par>
-                                <p:cTn id="33" presetID="1" presetClass="entr" presetSubtype="0" fill="hold" nodeType="withEffect">
-                                  <p:stCondLst>
-                                    <p:cond delay="0"/>
-                                  </p:stCondLst>
-                                  <p:childTnLst>
-                                    <p:set>
-                                      <p:cBhvr>
-                                        <p:cTn id="34" dur="1" fill="hold">
-                                          <p:stCondLst>
-                                            <p:cond delay="0"/>
-                                          </p:stCondLst>
-                                        </p:cTn>
-                                        <p:tgtEl>
-                                          <p:spTgt spid="194">
-                                            <p:txEl>
-                                              <p:pRg st="2" end="2"/>
-                                            </p:txEl>
-                                          </p:spTgt>
-                                        </p:tgtEl>
-                                        <p:attrNameLst>
-                                          <p:attrName>style.visibility</p:attrName>
-                                        </p:attrNameLst>
-                                      </p:cBhvr>
-                                      <p:to>
-                                        <p:strVal val="visible"/>
-                                      </p:to>
-                                    </p:set>
-                                  </p:childTnLst>
-                                </p:cTn>
-                              </p:par>
-                              <p:par>
-                                <p:cTn id="35" presetID="1" presetClass="entr" presetSubtype="0" fill="hold" nodeType="withEffect">
-                                  <p:stCondLst>
-                                    <p:cond delay="0"/>
-                                  </p:stCondLst>
-                                  <p:childTnLst>
-                                    <p:set>
-                                      <p:cBhvr>
-                                        <p:cTn id="36" dur="1" fill="hold">
-                                          <p:stCondLst>
-                                            <p:cond delay="0"/>
-                                          </p:stCondLst>
-                                        </p:cTn>
-                                        <p:tgtEl>
-                                          <p:spTgt spid="194">
-                                            <p:txEl>
-                                              <p:pRg st="3" end="3"/>
-                                            </p:txEl>
-                                          </p:spTgt>
-                                        </p:tgtEl>
-                                        <p:attrNameLst>
-                                          <p:attrName>style.visibility</p:attrName>
-                                        </p:attrNameLst>
-                                      </p:cBhvr>
-                                      <p:to>
-                                        <p:strVal val="visible"/>
-                                      </p:to>
-                                    </p:set>
-                                  </p:childTnLst>
-                                </p:cTn>
-                              </p:par>
-                              <p:par>
-                                <p:cTn id="37" presetID="1" presetClass="entr" presetSubtype="0" fill="hold" nodeType="withEffect">
-                                  <p:stCondLst>
-                                    <p:cond delay="0"/>
-                                  </p:stCondLst>
-                                  <p:childTnLst>
-                                    <p:set>
-                                      <p:cBhvr>
-                                        <p:cTn id="38" dur="1" fill="hold">
-                                          <p:stCondLst>
-                                            <p:cond delay="0"/>
-                                          </p:stCondLst>
-                                        </p:cTn>
-                                        <p:tgtEl>
-                                          <p:spTgt spid="194">
-                                            <p:txEl>
-                                              <p:pRg st="4" end="4"/>
-                                            </p:txEl>
-                                          </p:spTgt>
-                                        </p:tgtEl>
-                                        <p:attrNameLst>
-                                          <p:attrName>style.visibility</p:attrName>
-                                        </p:attrNameLst>
-                                      </p:cBhvr>
-                                      <p:to>
-                                        <p:strVal val="visible"/>
-                                      </p:to>
-                                    </p:set>
-                                  </p:childTnLst>
-                                </p:cTn>
-                              </p:par>
-                            </p:childTnLst>
-                          </p:cTn>
-                        </p:par>
-                      </p:childTnLst>
-                    </p:cTn>
-                  </p:par>
-                  <p:par>
-                    <p:cTn id="39" fill="hold">
-                      <p:stCondLst>
-                        <p:cond delay="indefinite"/>
-                      </p:stCondLst>
-                      <p:childTnLst>
-                        <p:par>
-                          <p:cTn id="40" fill="hold">
-                            <p:stCondLst>
-                              <p:cond delay="0"/>
-                            </p:stCondLst>
-                            <p:childTnLst>
-                              <p:par>
-                                <p:cTn id="41" presetID="22" presetClass="entr" presetSubtype="8" fill="hold" nodeType="clickEffect">
-                                  <p:stCondLst>
-                                    <p:cond delay="0"/>
-                                  </p:stCondLst>
-                                  <p:childTnLst>
-                                    <p:set>
-                                      <p:cBhvr>
-                                        <p:cTn id="42" dur="1" fill="hold">
-                                          <p:stCondLst>
-                                            <p:cond delay="0"/>
-                                          </p:stCondLst>
-                                        </p:cTn>
-                                        <p:tgtEl>
-                                          <p:spTgt spid="191">
-                                            <p:txEl>
-                                              <p:pRg st="3" end="3"/>
-                                            </p:txEl>
-                                          </p:spTgt>
-                                        </p:tgtEl>
-                                        <p:attrNameLst>
-                                          <p:attrName>style.visibility</p:attrName>
-                                        </p:attrNameLst>
-                                      </p:cBhvr>
-                                      <p:to>
-                                        <p:strVal val="visible"/>
-                                      </p:to>
-                                    </p:set>
-                                    <p:animEffect transition="in" filter="wipe(left)">
-                                      <p:cBhvr>
-                                        <p:cTn id="43" dur="500"/>
-                                        <p:tgtEl>
-                                          <p:spTgt spid="191">
-                                            <p:txEl>
-                                              <p:pRg st="3" end="3"/>
-                                            </p:txEl>
-                                          </p:spTgt>
-                                        </p:tgtEl>
-                                      </p:cBhvr>
-                                    </p:animEffect>
-                                  </p:childTnLst>
-                                </p:cTn>
-                              </p:par>
-                            </p:childTnLst>
-                          </p:cTn>
-                        </p:par>
-                        <p:par>
-                          <p:cTn id="44" fill="hold">
-                            <p:stCondLst>
-                              <p:cond delay="500"/>
-                            </p:stCondLst>
-                            <p:childTnLst>
-                              <p:par>
-                                <p:cTn id="45" presetID="1" presetClass="entr" presetSubtype="0" fill="hold" grpId="2" nodeType="afterEffect">
-                                  <p:stCondLst>
-                                    <p:cond delay="0"/>
-                                  </p:stCondLst>
-                                  <p:childTnLst>
-                                    <p:set>
-                                      <p:cBhvr>
-                                        <p:cTn id="46" dur="1" fill="hold">
-                                          <p:stCondLst>
-                                            <p:cond delay="0"/>
-                                          </p:stCondLst>
-                                        </p:cTn>
-                                        <p:tgtEl>
-                                          <p:spTgt spid="9"/>
-                                        </p:tgtEl>
-                                        <p:attrNameLst>
-                                          <p:attrName>style.visibility</p:attrName>
-                                        </p:attrNameLst>
-                                      </p:cBhvr>
-                                      <p:to>
-                                        <p:strVal val="visible"/>
-                                      </p:to>
-                                    </p:set>
-                                  </p:childTnLst>
-                                </p:cTn>
-                              </p:par>
-                            </p:childTnLst>
-                          </p:cTn>
-                        </p:par>
-                        <p:par>
-                          <p:cTn id="47" fill="hold">
-                            <p:stCondLst>
-                              <p:cond delay="500"/>
-                            </p:stCondLst>
-                            <p:childTnLst>
-                              <p:par>
-                                <p:cTn id="48" presetID="35" presetClass="emph" presetSubtype="0" repeatCount="indefinite" fill="hold" grpId="0" nodeType="afterEffect">
-                                  <p:stCondLst>
-                                    <p:cond delay="0"/>
-                                  </p:stCondLst>
-                                  <p:endCondLst>
-                                    <p:cond evt="onNext" delay="0">
-                                      <p:tgtEl>
-                                        <p:sldTgt/>
-                                      </p:tgtEl>
-                                    </p:cond>
-                                  </p:endCondLst>
-                                  <p:childTnLst>
-                                    <p:anim calcmode="discrete" valueType="str">
-                                      <p:cBhvr>
-                                        <p:cTn id="49" dur="1000" fill="hold"/>
-                                        <p:tgtEl>
-                                          <p:spTgt spid="9"/>
-                                        </p:tgtEl>
-                                        <p:attrNameLst>
-                                          <p:attrName>style.visibility</p:attrName>
-                                        </p:attrNameLst>
-                                      </p:cBhvr>
-                                      <p:tavLst>
-                                        <p:tav tm="0">
-                                          <p:val>
-                                            <p:strVal val="hidden"/>
-                                          </p:val>
-                                        </p:tav>
-                                        <p:tav tm="50000">
-                                          <p:val>
-                                            <p:strVal val="visible"/>
-                                          </p:val>
-                                        </p:tav>
-                                      </p:tavLst>
-                                    </p:anim>
-                                  </p:childTnLst>
-                                </p:cTn>
-                              </p:par>
-                            </p:childTnLst>
-                          </p:cTn>
-                        </p:par>
-                      </p:childTnLst>
-                    </p:cTn>
-                  </p:par>
-                  <p:par>
-                    <p:cTn id="50" fill="hold">
-                      <p:stCondLst>
-                        <p:cond delay="indefinite"/>
-                      </p:stCondLst>
-                      <p:childTnLst>
-                        <p:par>
-                          <p:cTn id="51" fill="hold">
-                            <p:stCondLst>
-                              <p:cond delay="0"/>
-                            </p:stCondLst>
-                            <p:childTnLst>
-                              <p:par>
-                                <p:cTn id="52" presetID="1" presetClass="exit" presetSubtype="0" fill="hold" grpId="1" nodeType="clickEffect">
-                                  <p:stCondLst>
-                                    <p:cond delay="0"/>
-                                  </p:stCondLst>
-                                  <p:childTnLst>
-                                    <p:set>
-                                      <p:cBhvr>
-                                        <p:cTn id="53" dur="1" fill="hold">
-                                          <p:stCondLst>
-                                            <p:cond delay="0"/>
-                                          </p:stCondLst>
-                                        </p:cTn>
-                                        <p:tgtEl>
-                                          <p:spTgt spid="9"/>
-                                        </p:tgtEl>
-                                        <p:attrNameLst>
-                                          <p:attrName>style.visibility</p:attrName>
-                                        </p:attrNameLst>
-                                      </p:cBhvr>
-                                      <p:to>
-                                        <p:strVal val="hidden"/>
-                                      </p:to>
-                                    </p:set>
-                                  </p:childTnLst>
-                                </p:cTn>
-                              </p:par>
-                            </p:childTnLst>
-                          </p:cTn>
-                        </p:par>
-                        <p:par>
-                          <p:cTn id="54" fill="hold">
-                            <p:stCondLst>
-                              <p:cond delay="0"/>
-                            </p:stCondLst>
-                            <p:childTnLst>
-                              <p:par>
-                                <p:cTn id="55" presetID="22" presetClass="entr" presetSubtype="8" fill="hold" nodeType="afterEffect">
-                                  <p:stCondLst>
-                                    <p:cond delay="0"/>
-                                  </p:stCondLst>
-                                  <p:childTnLst>
-                                    <p:set>
-                                      <p:cBhvr>
-                                        <p:cTn id="56" dur="1" fill="hold">
-                                          <p:stCondLst>
-                                            <p:cond delay="0"/>
-                                          </p:stCondLst>
-                                        </p:cTn>
-                                        <p:tgtEl>
-                                          <p:spTgt spid="195">
-                                            <p:txEl>
-                                              <p:pRg st="0" end="0"/>
-                                            </p:txEl>
-                                          </p:spTgt>
-                                        </p:tgtEl>
-                                        <p:attrNameLst>
-                                          <p:attrName>style.visibility</p:attrName>
-                                        </p:attrNameLst>
-                                      </p:cBhvr>
-                                      <p:to>
-                                        <p:strVal val="visible"/>
-                                      </p:to>
-                                    </p:set>
-                                    <p:animEffect transition="in" filter="wipe(left)">
-                                      <p:cBhvr>
-                                        <p:cTn id="57" dur="500"/>
-                                        <p:tgtEl>
-                                          <p:spTgt spid="195">
-                                            <p:txEl>
-                                              <p:pRg st="0" end="0"/>
-                                            </p:txEl>
-                                          </p:spTgt>
-                                        </p:tgtEl>
-                                      </p:cBhvr>
-                                    </p:animEffect>
-                                  </p:childTnLst>
-                                </p:cTn>
-                              </p:par>
-                            </p:childTnLst>
-                          </p:cTn>
-                        </p:par>
-                        <p:par>
-                          <p:cTn id="58" fill="hold">
-                            <p:stCondLst>
-                              <p:cond delay="500"/>
-                            </p:stCondLst>
-                            <p:childTnLst>
-                              <p:par>
-                                <p:cTn id="59" presetID="1" presetClass="entr" presetSubtype="0" fill="hold" nodeType="afterEffect">
-                                  <p:stCondLst>
-                                    <p:cond delay="0"/>
-                                  </p:stCondLst>
-                                  <p:childTnLst>
-                                    <p:set>
-                                      <p:cBhvr>
-                                        <p:cTn id="60" dur="1" fill="hold">
-                                          <p:stCondLst>
-                                            <p:cond delay="0"/>
-                                          </p:stCondLst>
-                                        </p:cTn>
-                                        <p:tgtEl>
-                                          <p:spTgt spid="195">
-                                            <p:txEl>
-                                              <p:pRg st="1" end="1"/>
-                                            </p:txEl>
-                                          </p:spTgt>
-                                        </p:tgtEl>
-                                        <p:attrNameLst>
-                                          <p:attrName>style.visibility</p:attrName>
-                                        </p:attrNameLst>
-                                      </p:cBhvr>
-                                      <p:to>
-                                        <p:strVal val="visible"/>
-                                      </p:to>
-                                    </p:set>
-                                  </p:childTnLst>
-                                </p:cTn>
-                              </p:par>
-                              <p:par>
-                                <p:cTn id="61" presetID="1" presetClass="entr" presetSubtype="0" fill="hold" nodeType="withEffect">
-                                  <p:stCondLst>
-                                    <p:cond delay="0"/>
-                                  </p:stCondLst>
-                                  <p:childTnLst>
-                                    <p:set>
-                                      <p:cBhvr>
-                                        <p:cTn id="62" dur="1" fill="hold">
-                                          <p:stCondLst>
-                                            <p:cond delay="0"/>
-                                          </p:stCondLst>
-                                        </p:cTn>
-                                        <p:tgtEl>
-                                          <p:spTgt spid="195">
-                                            <p:txEl>
-                                              <p:pRg st="2" end="2"/>
-                                            </p:txEl>
-                                          </p:spTgt>
-                                        </p:tgtEl>
-                                        <p:attrNameLst>
-                                          <p:attrName>style.visibility</p:attrName>
-                                        </p:attrNameLst>
-                                      </p:cBhvr>
-                                      <p:to>
-                                        <p:strVal val="visible"/>
-                                      </p:to>
-                                    </p:set>
-                                  </p:childTnLst>
-                                </p:cTn>
-                              </p:par>
-                              <p:par>
-                                <p:cTn id="63" presetID="1" presetClass="entr" presetSubtype="0" fill="hold" nodeType="withEffect">
-                                  <p:stCondLst>
-                                    <p:cond delay="0"/>
-                                  </p:stCondLst>
-                                  <p:childTnLst>
-                                    <p:set>
-                                      <p:cBhvr>
-                                        <p:cTn id="64" dur="1" fill="hold">
-                                          <p:stCondLst>
-                                            <p:cond delay="0"/>
-                                          </p:stCondLst>
-                                        </p:cTn>
-                                        <p:tgtEl>
-                                          <p:spTgt spid="195">
-                                            <p:txEl>
-                                              <p:pRg st="3" end="3"/>
-                                            </p:txEl>
-                                          </p:spTgt>
-                                        </p:tgtEl>
-                                        <p:attrNameLst>
-                                          <p:attrName>style.visibility</p:attrName>
-                                        </p:attrNameLst>
-                                      </p:cBhvr>
-                                      <p:to>
-                                        <p:strVal val="visible"/>
-                                      </p:to>
-                                    </p:set>
-                                  </p:childTnLst>
-                                </p:cTn>
-                              </p:par>
-                              <p:par>
-                                <p:cTn id="65" presetID="1" presetClass="entr" presetSubtype="0" fill="hold" nodeType="withEffect">
-                                  <p:stCondLst>
-                                    <p:cond delay="0"/>
-                                  </p:stCondLst>
-                                  <p:childTnLst>
-                                    <p:set>
-                                      <p:cBhvr>
-                                        <p:cTn id="66" dur="1" fill="hold">
-                                          <p:stCondLst>
-                                            <p:cond delay="0"/>
-                                          </p:stCondLst>
-                                        </p:cTn>
-                                        <p:tgtEl>
-                                          <p:spTgt spid="195">
-                                            <p:txEl>
-                                              <p:pRg st="4" end="4"/>
-                                            </p:txEl>
-                                          </p:spTgt>
-                                        </p:tgtEl>
-                                        <p:attrNameLst>
-                                          <p:attrName>style.visibility</p:attrName>
-                                        </p:attrNameLst>
-                                      </p:cBhvr>
-                                      <p:to>
-                                        <p:strVal val="visible"/>
-                                      </p:to>
-                                    </p:set>
-                                  </p:childTnLst>
-                                </p:cTn>
-                              </p:par>
-                            </p:childTnLst>
-                          </p:cTn>
-                        </p:par>
-                      </p:childTnLst>
-                    </p:cTn>
-                  </p:par>
-                </p:childTnLst>
-              </p:cTn>
-              <p:prevCondLst>
-                <p:cond evt="onPrev" delay="0">
-                  <p:tgtEl>
-                    <p:sldTgt/>
-                  </p:tgtEl>
-                </p:cond>
-              </p:prevCondLst>
-              <p:nextCondLst>
-                <p:cond evt="onNext" delay="0">
-                  <p:tgtEl>
-                    <p:sldTgt/>
-                  </p:tgtEl>
-                </p:cond>
-              </p:nextCondLst>
-            </p:seq>
-          </p:childTnLst>
-        </p:cTn>
-      </p:par>
-    </p:tnLst>
-    <p:bldLst>
-      <p:bldP spid="8" grpId="0" animBg="1"/>
-      <p:bldP spid="8" grpId="1" animBg="1"/>
-      <p:bldP spid="8" grpId="2" animBg="1"/>
-      <p:bldP spid="9" grpId="0" animBg="1"/>
-      <p:bldP spid="9" grpId="1" animBg="1"/>
-      <p:bldP spid="9" grpId="2" animBg="1"/>
-    </p:bldLst>
-  </p:timing>
-</p:sld>
-</file>
-
-<file path=ppt/slides/slide23.xml><?xml version="1.0" encoding="utf-8"?>
-<p:sld xmlns:a="http://schemas.openxmlformats.org/drawingml/2006/main" xmlns:r="http://schemas.openxmlformats.org/officeDocument/2006/relationships" xmlns:p="http://schemas.openxmlformats.org/presentationml/2006/main">
-  <p:cSld>
-    <p:spTree>
-      <p:nvGrpSpPr>
-        <p:cNvPr id="1" name=""/>
-        <p:cNvGrpSpPr/>
-        <p:nvPr/>
-      </p:nvGrpSpPr>
-      <p:grpSpPr>
-        <a:xfrm>
-          <a:off x="0" y="0"/>
-          <a:ext cx="0" cy="0"/>
-          <a:chOff x="0" y="0"/>
-          <a:chExt cx="0" cy="0"/>
-        </a:xfrm>
-      </p:grpSpPr>
-      <p:sp>
-        <p:nvSpPr>
-          <p:cNvPr id="198" name="加载dplyr工具包…"/>
-          <p:cNvSpPr txBox="1">
-            <a:spLocks noGrp="1"/>
-          </p:cNvSpPr>
-          <p:nvPr>
-            <p:ph type="body" sz="half" idx="1"/>
-          </p:nvPr>
-        </p:nvSpPr>
-        <p:spPr>
-          <a:prstGeom prst="rect">
-            <a:avLst/>
-          </a:prstGeom>
-        </p:spPr>
-        <p:txBody>
-          <a:bodyPr/>
-          <a:lstStyle/>
-          <a:p>
-            <a:r>
-              <a:rPr dirty="0"/>
-              <a:t>arrange() </a:t>
-            </a:r>
-            <a:r>
-              <a:rPr dirty="0" err="1"/>
-              <a:t>对象排序</a:t>
-            </a:r>
-            <a:endParaRPr lang="en-US" dirty="0"/>
-          </a:p>
-          <a:p>
-            <a:pPr marL="0" indent="0">
-              <a:buNone/>
-            </a:pPr>
-            <a:r>
-              <a:rPr lang="en-US" dirty="0" err="1"/>
-              <a:t>问题</a:t>
-            </a:r>
-            <a:r>
-              <a:rPr lang="zh-CN" altLang="en-US" dirty="0"/>
-              <a:t>：对学生数据集按照年龄</a:t>
-            </a:r>
-            <a:r>
-              <a:rPr lang="en-US" altLang="zh-CN" dirty="0"/>
-              <a:t>Age</a:t>
-            </a:r>
-            <a:r>
-              <a:rPr lang="zh-CN" altLang="en-US" dirty="0"/>
-              <a:t>属性排序</a:t>
-            </a:r>
-            <a:endParaRPr lang="en-US" altLang="zh-CN" dirty="0"/>
-          </a:p>
-          <a:p>
-            <a:pPr marL="0" indent="0">
-              <a:buNone/>
-            </a:pPr>
-            <a:endParaRPr dirty="0"/>
-          </a:p>
-        </p:txBody>
-      </p:sp>
-      <p:sp>
-        <p:nvSpPr>
-          <p:cNvPr id="199" name="幻灯片编号"/>
-          <p:cNvSpPr txBox="1">
-            <a:spLocks noGrp="1"/>
-          </p:cNvSpPr>
-          <p:nvPr>
-            <p:ph type="sldNum" sz="quarter" idx="2"/>
-          </p:nvPr>
-        </p:nvSpPr>
-        <p:spPr>
-          <a:xfrm>
-            <a:off x="11893153" y="590901"/>
-            <a:ext cx="276709" cy="449022"/>
-          </a:xfrm>
-          <a:prstGeom prst="rect">
-            <a:avLst/>
-          </a:prstGeom>
-          <a:extLst>
-            <a:ext uri="{C572A759-6A51-4108-AA02-DFA0A04FC94B}">
-              <ma14:wrappingTextBoxFlag xmlns:ma14="http://schemas.microsoft.com/office/mac/drawingml/2011/main" xmlns:a14="http://schemas.microsoft.com/office/drawing/2010/main" xmlns:m="http://schemas.openxmlformats.org/officeDocument/2006/math" xmlns="" val="1"/>
-            </a:ext>
-          </a:extLst>
-        </p:spPr>
-        <p:txBody>
-          <a:bodyPr/>
-          <a:lstStyle/>
-          <a:p>
-            <a:fld id="{86CB4B4D-7CA3-9044-876B-883B54F8677D}" type="slidenum">
-              <a:t>23</a:t>
-            </a:fld>
-            <a:endParaRPr/>
-          </a:p>
-        </p:txBody>
-      </p:sp>
-      <p:sp>
-        <p:nvSpPr>
-          <p:cNvPr id="200" name="数据框工具"/>
-          <p:cNvSpPr txBox="1">
-            <a:spLocks noGrp="1"/>
-          </p:cNvSpPr>
-          <p:nvPr>
-            <p:ph type="body" idx="14"/>
-          </p:nvPr>
-        </p:nvSpPr>
-        <p:spPr>
-          <a:xfrm>
-            <a:off x="2672862" y="565501"/>
-            <a:ext cx="5750169" cy="914755"/>
-          </a:xfrm>
-          <a:prstGeom prst="rect">
-            <a:avLst/>
-          </a:prstGeom>
-        </p:spPr>
-        <p:txBody>
-          <a:bodyPr/>
-          <a:lstStyle>
-            <a:lvl1pPr defTabSz="525779">
-              <a:defRPr sz="3780"/>
-            </a:lvl1pPr>
-          </a:lstStyle>
-          <a:p>
-            <a:pPr algn="ctr"/>
-            <a:r>
-              <a:rPr lang="zh-CN" altLang="en-US" dirty="0"/>
-              <a:t>数据集排序</a:t>
-            </a:r>
-            <a:endParaRPr dirty="0"/>
-          </a:p>
-        </p:txBody>
-      </p:sp>
-      <p:sp>
-        <p:nvSpPr>
-          <p:cNvPr id="201" name="&gt; arrange(persons,Age)…"/>
-          <p:cNvSpPr txBox="1"/>
-          <p:nvPr/>
-        </p:nvSpPr>
-        <p:spPr>
-          <a:xfrm>
-            <a:off x="5665563" y="1929917"/>
-            <a:ext cx="5966143" cy="1949252"/>
-          </a:xfrm>
-          <a:prstGeom prst="rect">
-            <a:avLst/>
-          </a:prstGeom>
-          <a:ln w="12700">
-            <a:miter lim="400000"/>
-          </a:ln>
-          <a:extLst>
-            <a:ext uri="{C572A759-6A51-4108-AA02-DFA0A04FC94B}">
-              <ma14:wrappingTextBoxFlag xmlns:ma14="http://schemas.microsoft.com/office/mac/drawingml/2011/main" xmlns:a14="http://schemas.microsoft.com/office/drawing/2010/main" xmlns:m="http://schemas.openxmlformats.org/officeDocument/2006/math" xmlns="" val="1"/>
-            </a:ext>
-          </a:extLst>
-        </p:spPr>
-        <p:txBody>
-          <a:bodyPr wrap="square" lIns="50800" tIns="50800" rIns="50800" bIns="50800" anchor="ctr">
-            <a:spAutoFit/>
-          </a:bodyPr>
-          <a:lstStyle/>
-          <a:p>
-            <a:pPr>
-              <a:defRPr sz="2200">
-                <a:solidFill>
-                  <a:srgbClr val="0433FF"/>
-                </a:solidFill>
-              </a:defRPr>
-            </a:pPr>
-            <a:r>
-              <a:rPr sz="2400" dirty="0"/>
-              <a:t>&gt; arrange(</a:t>
-            </a:r>
-            <a:r>
-              <a:rPr sz="2400" dirty="0" err="1"/>
-              <a:t>persons,Age</a:t>
-            </a:r>
-            <a:r>
-              <a:rPr sz="2400" dirty="0"/>
-              <a:t>)</a:t>
-            </a:r>
-          </a:p>
-          <a:p>
-            <a:pPr>
-              <a:defRPr sz="2200">
-                <a:solidFill>
-                  <a:srgbClr val="0433FF"/>
-                </a:solidFill>
-              </a:defRPr>
-            </a:pPr>
-            <a:r>
-              <a:rPr sz="2400" dirty="0">
-                <a:solidFill>
-                  <a:schemeClr val="tx1">
-                    <a:lumMod val="95000"/>
-                    <a:lumOff val="5000"/>
-                  </a:schemeClr>
-                </a:solidFill>
-              </a:rPr>
-              <a:t>    Name Gender Age     </a:t>
-            </a:r>
-            <a:r>
-              <a:rPr lang="en-US" sz="2400" dirty="0">
-                <a:solidFill>
-                  <a:schemeClr val="tx1">
-                    <a:lumMod val="95000"/>
-                    <a:lumOff val="5000"/>
-                  </a:schemeClr>
-                </a:solidFill>
-              </a:rPr>
-              <a:t> </a:t>
-            </a:r>
-            <a:r>
-              <a:rPr sz="2400" dirty="0">
-                <a:solidFill>
-                  <a:schemeClr val="tx1">
-                    <a:lumMod val="95000"/>
-                    <a:lumOff val="5000"/>
-                  </a:schemeClr>
-                </a:solidFill>
-              </a:rPr>
-              <a:t>Major</a:t>
-            </a:r>
-          </a:p>
-          <a:p>
-            <a:pPr>
-              <a:defRPr sz="2200"/>
-            </a:pPr>
-            <a:r>
-              <a:rPr sz="2400" dirty="0"/>
-              <a:t>1 </a:t>
-            </a:r>
-            <a:r>
-              <a:rPr sz="2400" dirty="0" err="1"/>
-              <a:t>韩梅梅</a:t>
-            </a:r>
-            <a:r>
-              <a:rPr sz="2400" dirty="0"/>
-              <a:t> Female  19 Statistics</a:t>
-            </a:r>
-          </a:p>
-          <a:p>
-            <a:pPr>
-              <a:defRPr sz="2200"/>
-            </a:pPr>
-            <a:r>
-              <a:rPr sz="2400" dirty="0"/>
-              <a:t>2   </a:t>
-            </a:r>
-            <a:r>
-              <a:rPr sz="2400" dirty="0" err="1"/>
-              <a:t>李雷</a:t>
-            </a:r>
-            <a:r>
-              <a:rPr sz="2400" dirty="0"/>
-              <a:t>   Male  20  </a:t>
-            </a:r>
-            <a:r>
-              <a:rPr lang="en-US" sz="2400" dirty="0"/>
-              <a:t>  </a:t>
-            </a:r>
-            <a:r>
-              <a:rPr sz="2400" dirty="0"/>
-              <a:t>Finance</a:t>
-            </a:r>
-          </a:p>
-          <a:p>
-            <a:pPr>
-              <a:defRPr sz="2200"/>
-            </a:pPr>
-            <a:r>
-              <a:rPr sz="2400" dirty="0"/>
-              <a:t>3   </a:t>
-            </a:r>
-            <a:r>
-              <a:rPr sz="2400" dirty="0" err="1"/>
-              <a:t>张萌</a:t>
-            </a:r>
-            <a:r>
-              <a:rPr sz="2400" dirty="0"/>
-              <a:t> Female  21  Economics</a:t>
-            </a:r>
-          </a:p>
-        </p:txBody>
-      </p:sp>
-      <p:sp>
-        <p:nvSpPr>
-          <p:cNvPr id="202" name="# 加入小函数desc()逆序…"/>
-          <p:cNvSpPr txBox="1"/>
-          <p:nvPr/>
-        </p:nvSpPr>
-        <p:spPr>
-          <a:xfrm>
-            <a:off x="5625222" y="4163866"/>
-            <a:ext cx="5488682" cy="1949252"/>
-          </a:xfrm>
-          <a:prstGeom prst="rect">
-            <a:avLst/>
-          </a:prstGeom>
-          <a:ln w="12700">
-            <a:miter lim="400000"/>
-          </a:ln>
-          <a:extLst>
-            <a:ext uri="{C572A759-6A51-4108-AA02-DFA0A04FC94B}">
-              <ma14:wrappingTextBoxFlag xmlns:ma14="http://schemas.microsoft.com/office/mac/drawingml/2011/main" xmlns:a14="http://schemas.microsoft.com/office/drawing/2010/main" xmlns:m="http://schemas.openxmlformats.org/officeDocument/2006/math" xmlns="" val="1"/>
-            </a:ext>
-          </a:extLst>
-        </p:spPr>
-        <p:txBody>
-          <a:bodyPr wrap="none" lIns="50800" tIns="50800" rIns="50800" bIns="50800" anchor="ctr">
-            <a:spAutoFit/>
-          </a:bodyPr>
-          <a:lstStyle/>
-          <a:p>
-            <a:pPr>
-              <a:defRPr sz="2200">
-                <a:solidFill>
-                  <a:srgbClr val="0433FF"/>
-                </a:solidFill>
-              </a:defRPr>
-            </a:pPr>
-            <a:r>
-              <a:rPr sz="2400" dirty="0"/>
-              <a:t>&gt; arrange(</a:t>
-            </a:r>
-            <a:r>
-              <a:rPr sz="2400" dirty="0" err="1"/>
-              <a:t>persons,desc</a:t>
-            </a:r>
-            <a:r>
-              <a:rPr sz="2400" dirty="0"/>
-              <a:t>(Age))</a:t>
-            </a:r>
-          </a:p>
-          <a:p>
-            <a:pPr>
-              <a:defRPr sz="2200"/>
-            </a:pPr>
-            <a:r>
-              <a:rPr sz="2400" dirty="0"/>
-              <a:t>    Name </a:t>
-            </a:r>
-            <a:r>
-              <a:rPr lang="en-US" sz="2400" dirty="0"/>
-              <a:t> </a:t>
-            </a:r>
-            <a:r>
-              <a:rPr sz="2400" dirty="0"/>
-              <a:t>Gender </a:t>
-            </a:r>
-            <a:r>
-              <a:rPr lang="en-US" sz="2400" dirty="0"/>
-              <a:t> </a:t>
-            </a:r>
-            <a:r>
-              <a:rPr sz="2400" dirty="0"/>
-              <a:t>Age </a:t>
-            </a:r>
-            <a:r>
-              <a:rPr lang="en-US" sz="2400" dirty="0"/>
-              <a:t>   </a:t>
-            </a:r>
-            <a:r>
-              <a:rPr sz="2400" dirty="0"/>
-              <a:t>     Major</a:t>
-            </a:r>
-          </a:p>
-          <a:p>
-            <a:pPr>
-              <a:defRPr sz="2200"/>
-            </a:pPr>
-            <a:r>
-              <a:rPr sz="2400" dirty="0"/>
-              <a:t>1   </a:t>
-            </a:r>
-            <a:r>
-              <a:rPr sz="2400" dirty="0" err="1"/>
-              <a:t>张萌</a:t>
-            </a:r>
-            <a:r>
-              <a:rPr sz="2400" dirty="0"/>
-              <a:t> </a:t>
-            </a:r>
-            <a:r>
-              <a:rPr lang="en-US" sz="2400" dirty="0"/>
-              <a:t>  </a:t>
-            </a:r>
-            <a:r>
-              <a:rPr sz="2400" dirty="0"/>
-              <a:t>Female  21  </a:t>
-            </a:r>
-            <a:r>
-              <a:rPr lang="en-US" sz="2400" dirty="0"/>
-              <a:t>   </a:t>
-            </a:r>
-            <a:r>
-              <a:rPr sz="2400" dirty="0"/>
-              <a:t>Economics</a:t>
-            </a:r>
-          </a:p>
-          <a:p>
-            <a:pPr>
-              <a:defRPr sz="2200"/>
-            </a:pPr>
-            <a:r>
-              <a:rPr sz="2400" dirty="0"/>
-              <a:t>2   </a:t>
-            </a:r>
-            <a:r>
-              <a:rPr sz="2400" dirty="0" err="1"/>
-              <a:t>李雷</a:t>
-            </a:r>
-            <a:r>
-              <a:rPr sz="2400" dirty="0"/>
-              <a:t>  </a:t>
-            </a:r>
-            <a:r>
-              <a:rPr lang="en-US" sz="2400" dirty="0"/>
-              <a:t>   </a:t>
-            </a:r>
-            <a:r>
-              <a:rPr sz="2400" dirty="0"/>
-              <a:t>Male  20   </a:t>
-            </a:r>
-            <a:r>
-              <a:rPr lang="en-US" sz="2400" dirty="0"/>
-              <a:t>   </a:t>
-            </a:r>
-            <a:r>
-              <a:rPr sz="2400" dirty="0"/>
-              <a:t> Finance</a:t>
-            </a:r>
-          </a:p>
-          <a:p>
-            <a:pPr>
-              <a:defRPr sz="2200"/>
-            </a:pPr>
-            <a:r>
-              <a:rPr sz="2400" dirty="0"/>
-              <a:t>3 </a:t>
-            </a:r>
-            <a:r>
-              <a:rPr sz="2400" dirty="0" err="1"/>
-              <a:t>韩梅梅</a:t>
-            </a:r>
-            <a:r>
-              <a:rPr sz="2400" dirty="0"/>
-              <a:t> </a:t>
-            </a:r>
-            <a:r>
-              <a:rPr lang="en-US" sz="2400" dirty="0"/>
-              <a:t>  </a:t>
-            </a:r>
-            <a:r>
-              <a:rPr sz="2400" dirty="0"/>
-              <a:t>Female  19 </a:t>
-            </a:r>
-            <a:r>
-              <a:rPr lang="en-US" sz="2400" dirty="0"/>
-              <a:t>   </a:t>
-            </a:r>
-            <a:r>
-              <a:rPr sz="2400" dirty="0"/>
-              <a:t>Statistics</a:t>
-            </a:r>
-          </a:p>
-        </p:txBody>
-      </p:sp>
-      <p:sp>
-        <p:nvSpPr>
-          <p:cNvPr id="8" name="R Console"/>
-          <p:cNvSpPr txBox="1"/>
-          <p:nvPr/>
-        </p:nvSpPr>
-        <p:spPr>
-          <a:xfrm>
-            <a:off x="5607444" y="1973910"/>
-            <a:ext cx="258084" cy="471924"/>
-          </a:xfrm>
-          <a:prstGeom prst="rect">
-            <a:avLst/>
-          </a:prstGeom>
-          <a:ln w="12700">
-            <a:miter lim="400000"/>
-          </a:ln>
-          <a:extLst>
-            <a:ext uri="{C572A759-6A51-4108-AA02-DFA0A04FC94B}">
-              <ma14:wrappingTextBoxFlag xmlns="" xmlns:m="http://schemas.openxmlformats.org/officeDocument/2006/math" xmlns:a14="http://schemas.microsoft.com/office/drawing/2010/main" xmlns:ma14="http://schemas.microsoft.com/office/mac/drawingml/2011/main" val="1"/>
-            </a:ext>
-          </a:extLst>
-        </p:spPr>
-        <p:txBody>
-          <a:bodyPr wrap="none" lIns="50800" tIns="50800" rIns="50800" bIns="50800" anchor="ctr">
-            <a:spAutoFit/>
-          </a:bodyPr>
-          <a:lstStyle/>
-          <a:p>
-            <a:r>
-              <a:rPr lang="en-US" sz="2400" b="1" dirty="0">
-                <a:solidFill>
-                  <a:srgbClr val="0000FF"/>
-                </a:solidFill>
-              </a:rPr>
-              <a:t>|</a:t>
-            </a:r>
-            <a:endParaRPr sz="2400" b="1" dirty="0">
-              <a:solidFill>
-                <a:srgbClr val="0000FF"/>
-              </a:solidFill>
-            </a:endParaRPr>
-          </a:p>
-        </p:txBody>
-      </p:sp>
-      <p:sp>
-        <p:nvSpPr>
-          <p:cNvPr id="9" name="R Console"/>
-          <p:cNvSpPr txBox="1"/>
-          <p:nvPr/>
-        </p:nvSpPr>
-        <p:spPr>
-          <a:xfrm>
-            <a:off x="5547946" y="4178591"/>
-            <a:ext cx="258084" cy="471924"/>
-          </a:xfrm>
-          <a:prstGeom prst="rect">
-            <a:avLst/>
-          </a:prstGeom>
-          <a:ln w="12700">
-            <a:miter lim="400000"/>
-          </a:ln>
-          <a:extLst>
-            <a:ext uri="{C572A759-6A51-4108-AA02-DFA0A04FC94B}">
-              <ma14:wrappingTextBoxFlag xmlns="" xmlns:m="http://schemas.openxmlformats.org/officeDocument/2006/math" xmlns:a14="http://schemas.microsoft.com/office/drawing/2010/main" xmlns:ma14="http://schemas.microsoft.com/office/mac/drawingml/2011/main" val="1"/>
-            </a:ext>
-          </a:extLst>
-        </p:spPr>
-        <p:txBody>
-          <a:bodyPr wrap="none" lIns="50800" tIns="50800" rIns="50800" bIns="50800" anchor="ctr">
-            <a:spAutoFit/>
-          </a:bodyPr>
-          <a:lstStyle/>
-          <a:p>
-            <a:r>
-              <a:rPr lang="en-US" sz="2400" b="1" dirty="0">
-                <a:solidFill>
-                  <a:srgbClr val="0000FF"/>
-                </a:solidFill>
-              </a:rPr>
-              <a:t>|</a:t>
-            </a:r>
-            <a:endParaRPr sz="2400" b="1" dirty="0">
-              <a:solidFill>
-                <a:srgbClr val="0000FF"/>
-              </a:solidFill>
-            </a:endParaRPr>
-          </a:p>
-        </p:txBody>
-      </p:sp>
-      <p:sp>
-        <p:nvSpPr>
-          <p:cNvPr id="2" name="椭圆 1">
-            <a:extLst>
-              <a:ext uri="{FF2B5EF4-FFF2-40B4-BE49-F238E27FC236}">
-                <a16:creationId xmlns:a16="http://schemas.microsoft.com/office/drawing/2014/main" id="{0F6A93FA-6CE8-F74F-A7CA-17B6C5A09D46}"/>
-              </a:ext>
-            </a:extLst>
-          </p:cNvPr>
-          <p:cNvSpPr/>
-          <p:nvPr/>
-        </p:nvSpPr>
-        <p:spPr>
-          <a:xfrm>
-            <a:off x="8147742" y="3952306"/>
-            <a:ext cx="1951892" cy="924493"/>
-          </a:xfrm>
-          <a:prstGeom prst="ellipse">
-            <a:avLst/>
-          </a:prstGeom>
-          <a:noFill/>
-          <a:ln w="12700" cap="flat">
-            <a:solidFill>
-              <a:srgbClr val="FF0000"/>
-            </a:solidFill>
-            <a:miter lim="400000"/>
-          </a:ln>
-          <a:effectLst/>
-          <a:sp3d/>
-        </p:spPr>
-        <p:style>
-          <a:lnRef idx="0">
-            <a:scrgbClr r="0" g="0" b="0"/>
-          </a:lnRef>
-          <a:fillRef idx="0">
-            <a:scrgbClr r="0" g="0" b="0"/>
-          </a:fillRef>
-          <a:effectRef idx="0">
-            <a:scrgbClr r="0" g="0" b="0"/>
-          </a:effectRef>
-          <a:fontRef idx="none"/>
-        </p:style>
-        <p:txBody>
-          <a:bodyPr rot="0" spcFirstLastPara="1" vertOverflow="overflow" horzOverflow="overflow" vert="horz" wrap="square" lIns="50800" tIns="50800" rIns="50800" bIns="50800" numCol="1" spcCol="38100" rtlCol="0" anchor="ctr">
-            <a:spAutoFit/>
-          </a:bodyPr>
-          <a:lstStyle/>
-          <a:p>
-            <a:pPr marL="0" marR="0" indent="0" algn="ctr" defTabSz="584200" rtl="0" fontAlgn="auto" latinLnBrk="0" hangingPunct="0">
-              <a:lnSpc>
-                <a:spcPct val="100000"/>
-              </a:lnSpc>
-              <a:spcBef>
-                <a:spcPts val="0"/>
-              </a:spcBef>
-              <a:spcAft>
-                <a:spcPts val="0"/>
-              </a:spcAft>
-              <a:buClrTx/>
-              <a:buSzTx/>
-              <a:buFontTx/>
-              <a:buNone/>
-              <a:tabLst/>
-            </a:pPr>
-            <a:endParaRPr kumimoji="0" lang="zh-CN" altLang="en-US" sz="3600" b="0" i="0" u="none" strike="noStrike" cap="none" spc="0" normalizeH="0" baseline="0">
-              <a:ln>
-                <a:noFill/>
-              </a:ln>
-              <a:solidFill>
-                <a:srgbClr val="FFFFFF"/>
-              </a:solidFill>
-              <a:effectLst/>
-              <a:uFillTx/>
-              <a:latin typeface="+mn-lt"/>
-              <a:ea typeface="+mn-ea"/>
-              <a:cs typeface="+mn-cs"/>
-              <a:sym typeface="Helvetica Neue Light"/>
-            </a:endParaRPr>
-          </a:p>
-        </p:txBody>
-      </p:sp>
-    </p:spTree>
-    <p:extLst>
-      <p:ext uri="{BB962C8B-B14F-4D97-AF65-F5344CB8AC3E}">
-        <p14:creationId xmlns:p14="http://schemas.microsoft.com/office/powerpoint/2010/main" val="3084555740"/>
-      </p:ext>
-    </p:extLst>
-  </p:cSld>
-  <p:clrMapOvr>
-    <a:masterClrMapping/>
-  </p:clrMapOvr>
-  <p:transition spd="slow">
-    <p:push dir="u"/>
-  </p:transition>
-  <p:timing>
-    <p:tnLst>
-      <p:par>
-        <p:cTn id="1" dur="indefinite" restart="never" fill="hold" nodeType="tmRoot">
-          <p:childTnLst>
-            <p:seq concurrent="1" prevAc="none" nextAc="seek">
-              <p:cTn id="2" dur="indefinite" fill="hold" nodeType="mainSeq">
-                <p:childTnLst>
-                  <p:par>
-                    <p:cTn id="3" fill="hold">
-                      <p:stCondLst>
-                        <p:cond delay="indefinite"/>
-                        <p:cond evt="onBegin" delay="0">
-                          <p:tn val="2"/>
-                        </p:cond>
-                      </p:stCondLst>
-                      <p:childTnLst>
-                        <p:par>
-                          <p:cTn id="4" fill="hold">
-                            <p:stCondLst>
-                              <p:cond delay="0"/>
-                            </p:stCondLst>
-                            <p:childTnLst>
-                              <p:par>
-                                <p:cTn id="5" presetID="22" presetClass="entr" presetSubtype="8" fill="hold" nodeType="afterEffect">
-                                  <p:stCondLst>
-                                    <p:cond delay="0"/>
-                                  </p:stCondLst>
-                                  <p:childTnLst>
-                                    <p:set>
-                                      <p:cBhvr>
-                                        <p:cTn id="6" dur="1" fill="hold">
-                                          <p:stCondLst>
-                                            <p:cond delay="0"/>
-                                          </p:stCondLst>
-                                        </p:cTn>
-                                        <p:tgtEl>
-                                          <p:spTgt spid="198">
-                                            <p:txEl>
-                                              <p:pRg st="0" end="0"/>
-                                            </p:txEl>
-                                          </p:spTgt>
-                                        </p:tgtEl>
-                                        <p:attrNameLst>
-                                          <p:attrName>style.visibility</p:attrName>
-                                        </p:attrNameLst>
-                                      </p:cBhvr>
-                                      <p:to>
-                                        <p:strVal val="visible"/>
-                                      </p:to>
-                                    </p:set>
-                                    <p:animEffect transition="in" filter="wipe(left)">
-                                      <p:cBhvr>
-                                        <p:cTn id="7" dur="500"/>
-                                        <p:tgtEl>
-                                          <p:spTgt spid="198">
-                                            <p:txEl>
-                                              <p:pRg st="0" end="0"/>
-                                            </p:txEl>
-                                          </p:spTgt>
-                                        </p:tgtEl>
-                                      </p:cBhvr>
-                                    </p:animEffect>
-                                  </p:childTnLst>
-                                </p:cTn>
-                              </p:par>
-                            </p:childTnLst>
-                          </p:cTn>
-                        </p:par>
-                        <p:par>
-                          <p:cTn id="8" fill="hold">
-                            <p:stCondLst>
-                              <p:cond delay="500"/>
-                            </p:stCondLst>
-                            <p:childTnLst>
-                              <p:par>
-                                <p:cTn id="9" presetID="22" presetClass="entr" presetSubtype="8" fill="hold" nodeType="afterEffect">
-                                  <p:stCondLst>
-                                    <p:cond delay="0"/>
-                                  </p:stCondLst>
-                                  <p:childTnLst>
-                                    <p:set>
-                                      <p:cBhvr>
-                                        <p:cTn id="10" dur="1" fill="hold">
-                                          <p:stCondLst>
-                                            <p:cond delay="0"/>
-                                          </p:stCondLst>
-                                        </p:cTn>
-                                        <p:tgtEl>
-                                          <p:spTgt spid="198">
-                                            <p:txEl>
-                                              <p:pRg st="1" end="1"/>
-                                            </p:txEl>
-                                          </p:spTgt>
-                                        </p:tgtEl>
-                                        <p:attrNameLst>
-                                          <p:attrName>style.visibility</p:attrName>
-                                        </p:attrNameLst>
-                                      </p:cBhvr>
-                                      <p:to>
-                                        <p:strVal val="visible"/>
-                                      </p:to>
-                                    </p:set>
-                                    <p:animEffect transition="in" filter="wipe(left)">
-                                      <p:cBhvr>
-                                        <p:cTn id="11" dur="500"/>
-                                        <p:tgtEl>
-                                          <p:spTgt spid="198">
-                                            <p:txEl>
-                                              <p:pRg st="1" end="1"/>
-                                            </p:txEl>
-                                          </p:spTgt>
-                                        </p:tgtEl>
-                                      </p:cBhvr>
-                                    </p:animEffect>
-                                  </p:childTnLst>
-                                </p:cTn>
-                              </p:par>
-                            </p:childTnLst>
-                          </p:cTn>
-                        </p:par>
-                        <p:par>
-                          <p:cTn id="12" fill="hold">
-                            <p:stCondLst>
-                              <p:cond delay="1000"/>
-                            </p:stCondLst>
-                            <p:childTnLst>
-                              <p:par>
-                                <p:cTn id="13" presetID="1" presetClass="entr" presetSubtype="0" fill="hold" grpId="2" nodeType="afterEffect">
-                                  <p:stCondLst>
-                                    <p:cond delay="0"/>
-                                  </p:stCondLst>
-                                  <p:childTnLst>
-                                    <p:set>
-                                      <p:cBhvr>
-                                        <p:cTn id="14" dur="1" fill="hold">
-                                          <p:stCondLst>
-                                            <p:cond delay="0"/>
-                                          </p:stCondLst>
-                                        </p:cTn>
-                                        <p:tgtEl>
-                                          <p:spTgt spid="8"/>
-                                        </p:tgtEl>
-                                        <p:attrNameLst>
-                                          <p:attrName>style.visibility</p:attrName>
-                                        </p:attrNameLst>
-                                      </p:cBhvr>
-                                      <p:to>
-                                        <p:strVal val="visible"/>
-                                      </p:to>
-                                    </p:set>
-                                  </p:childTnLst>
-                                </p:cTn>
-                              </p:par>
-                            </p:childTnLst>
-                          </p:cTn>
-                        </p:par>
-                        <p:par>
-                          <p:cTn id="15" fill="hold">
-                            <p:stCondLst>
-                              <p:cond delay="1000"/>
-                            </p:stCondLst>
-                            <p:childTnLst>
-                              <p:par>
-                                <p:cTn id="16" presetID="35" presetClass="emph" presetSubtype="0" repeatCount="indefinite" fill="hold" grpId="0" nodeType="afterEffect">
-                                  <p:stCondLst>
-                                    <p:cond delay="0"/>
-                                  </p:stCondLst>
-                                  <p:endCondLst>
-                                    <p:cond evt="onNext" delay="0">
-                                      <p:tgtEl>
-                                        <p:sldTgt/>
-                                      </p:tgtEl>
-                                    </p:cond>
-                                  </p:endCondLst>
-                                  <p:childTnLst>
-                                    <p:anim calcmode="discrete" valueType="str">
-                                      <p:cBhvr>
-                                        <p:cTn id="17" dur="1000" fill="hold"/>
-                                        <p:tgtEl>
-                                          <p:spTgt spid="8"/>
-                                        </p:tgtEl>
-                                        <p:attrNameLst>
-                                          <p:attrName>style.visibility</p:attrName>
-                                        </p:attrNameLst>
-                                      </p:cBhvr>
-                                      <p:tavLst>
-                                        <p:tav tm="0">
-                                          <p:val>
-                                            <p:strVal val="hidden"/>
-                                          </p:val>
-                                        </p:tav>
-                                        <p:tav tm="50000">
-                                          <p:val>
-                                            <p:strVal val="visible"/>
-                                          </p:val>
-                                        </p:tav>
-                                      </p:tavLst>
-                                    </p:anim>
-                                  </p:childTnLst>
-                                </p:cTn>
-                              </p:par>
-                            </p:childTnLst>
-                          </p:cTn>
-                        </p:par>
-                      </p:childTnLst>
-                    </p:cTn>
-                  </p:par>
-                  <p:par>
-                    <p:cTn id="18" fill="hold">
-                      <p:stCondLst>
-                        <p:cond delay="indefinite"/>
-                      </p:stCondLst>
-                      <p:childTnLst>
-                        <p:par>
-                          <p:cTn id="19" fill="hold">
-                            <p:stCondLst>
-                              <p:cond delay="0"/>
-                            </p:stCondLst>
-                            <p:childTnLst>
-                              <p:par>
-                                <p:cTn id="20" presetID="1" presetClass="exit" presetSubtype="0" fill="hold" grpId="1" nodeType="clickEffect">
-                                  <p:stCondLst>
-                                    <p:cond delay="0"/>
-                                  </p:stCondLst>
-                                  <p:childTnLst>
-                                    <p:set>
-                                      <p:cBhvr>
-                                        <p:cTn id="21" dur="1" fill="hold">
-                                          <p:stCondLst>
-                                            <p:cond delay="0"/>
-                                          </p:stCondLst>
-                                        </p:cTn>
-                                        <p:tgtEl>
-                                          <p:spTgt spid="8"/>
-                                        </p:tgtEl>
-                                        <p:attrNameLst>
-                                          <p:attrName>style.visibility</p:attrName>
-                                        </p:attrNameLst>
-                                      </p:cBhvr>
-                                      <p:to>
-                                        <p:strVal val="hidden"/>
-                                      </p:to>
-                                    </p:set>
-                                  </p:childTnLst>
-                                </p:cTn>
-                              </p:par>
-                            </p:childTnLst>
-                          </p:cTn>
-                        </p:par>
-                        <p:par>
-                          <p:cTn id="22" fill="hold">
-                            <p:stCondLst>
-                              <p:cond delay="0"/>
-                            </p:stCondLst>
-                            <p:childTnLst>
-                              <p:par>
-                                <p:cTn id="23" presetID="22" presetClass="entr" presetSubtype="8" fill="hold" nodeType="afterEffect">
-                                  <p:stCondLst>
-                                    <p:cond delay="0"/>
-                                  </p:stCondLst>
-                                  <p:childTnLst>
-                                    <p:set>
-                                      <p:cBhvr>
-                                        <p:cTn id="24" dur="1" fill="hold">
-                                          <p:stCondLst>
-                                            <p:cond delay="0"/>
-                                          </p:stCondLst>
-                                        </p:cTn>
-                                        <p:tgtEl>
-                                          <p:spTgt spid="201">
-                                            <p:txEl>
-                                              <p:pRg st="0" end="0"/>
-                                            </p:txEl>
-                                          </p:spTgt>
-                                        </p:tgtEl>
-                                        <p:attrNameLst>
-                                          <p:attrName>style.visibility</p:attrName>
-                                        </p:attrNameLst>
-                                      </p:cBhvr>
-                                      <p:to>
-                                        <p:strVal val="visible"/>
-                                      </p:to>
-                                    </p:set>
-                                    <p:animEffect transition="in" filter="wipe(left)">
-                                      <p:cBhvr>
-                                        <p:cTn id="25" dur="500"/>
-                                        <p:tgtEl>
-                                          <p:spTgt spid="201">
-                                            <p:txEl>
-                                              <p:pRg st="0" end="0"/>
-                                            </p:txEl>
-                                          </p:spTgt>
-                                        </p:tgtEl>
-                                      </p:cBhvr>
-                                    </p:animEffect>
-                                  </p:childTnLst>
-                                </p:cTn>
-                              </p:par>
-                            </p:childTnLst>
-                          </p:cTn>
-                        </p:par>
-                        <p:par>
-                          <p:cTn id="26" fill="hold">
-                            <p:stCondLst>
-                              <p:cond delay="500"/>
-                            </p:stCondLst>
-                            <p:childTnLst>
-                              <p:par>
-                                <p:cTn id="27" presetID="1" presetClass="entr" presetSubtype="0" fill="hold" nodeType="afterEffect">
-                                  <p:stCondLst>
-                                    <p:cond delay="0"/>
-                                  </p:stCondLst>
-                                  <p:childTnLst>
-                                    <p:set>
-                                      <p:cBhvr>
-                                        <p:cTn id="28" dur="1" fill="hold">
-                                          <p:stCondLst>
-                                            <p:cond delay="0"/>
-                                          </p:stCondLst>
-                                        </p:cTn>
-                                        <p:tgtEl>
-                                          <p:spTgt spid="201">
-                                            <p:txEl>
-                                              <p:pRg st="1" end="1"/>
-                                            </p:txEl>
-                                          </p:spTgt>
-                                        </p:tgtEl>
-                                        <p:attrNameLst>
-                                          <p:attrName>style.visibility</p:attrName>
-                                        </p:attrNameLst>
-                                      </p:cBhvr>
-                                      <p:to>
-                                        <p:strVal val="visible"/>
-                                      </p:to>
-                                    </p:set>
-                                  </p:childTnLst>
-                                </p:cTn>
-                              </p:par>
-                              <p:par>
-                                <p:cTn id="29" presetID="1" presetClass="entr" presetSubtype="0" fill="hold" nodeType="withEffect">
-                                  <p:stCondLst>
-                                    <p:cond delay="0"/>
-                                  </p:stCondLst>
-                                  <p:childTnLst>
-                                    <p:set>
-                                      <p:cBhvr>
-                                        <p:cTn id="30" dur="1" fill="hold">
-                                          <p:stCondLst>
-                                            <p:cond delay="0"/>
-                                          </p:stCondLst>
-                                        </p:cTn>
-                                        <p:tgtEl>
-                                          <p:spTgt spid="201">
-                                            <p:txEl>
-                                              <p:pRg st="2" end="2"/>
-                                            </p:txEl>
-                                          </p:spTgt>
-                                        </p:tgtEl>
-                                        <p:attrNameLst>
-                                          <p:attrName>style.visibility</p:attrName>
-                                        </p:attrNameLst>
-                                      </p:cBhvr>
-                                      <p:to>
-                                        <p:strVal val="visible"/>
-                                      </p:to>
-                                    </p:set>
-                                  </p:childTnLst>
-                                </p:cTn>
-                              </p:par>
-                              <p:par>
-                                <p:cTn id="31" presetID="1" presetClass="entr" presetSubtype="0" fill="hold" nodeType="withEffect">
-                                  <p:stCondLst>
-                                    <p:cond delay="0"/>
-                                  </p:stCondLst>
-                                  <p:childTnLst>
-                                    <p:set>
-                                      <p:cBhvr>
-                                        <p:cTn id="32" dur="1" fill="hold">
-                                          <p:stCondLst>
-                                            <p:cond delay="0"/>
-                                          </p:stCondLst>
-                                        </p:cTn>
-                                        <p:tgtEl>
-                                          <p:spTgt spid="201">
-                                            <p:txEl>
-                                              <p:pRg st="3" end="3"/>
-                                            </p:txEl>
-                                          </p:spTgt>
-                                        </p:tgtEl>
-                                        <p:attrNameLst>
-                                          <p:attrName>style.visibility</p:attrName>
-                                        </p:attrNameLst>
-                                      </p:cBhvr>
-                                      <p:to>
-                                        <p:strVal val="visible"/>
-                                      </p:to>
-                                    </p:set>
-                                  </p:childTnLst>
-                                </p:cTn>
-                              </p:par>
-                              <p:par>
-                                <p:cTn id="33" presetID="1" presetClass="entr" presetSubtype="0" fill="hold" nodeType="withEffect">
-                                  <p:stCondLst>
-                                    <p:cond delay="0"/>
-                                  </p:stCondLst>
-                                  <p:childTnLst>
-                                    <p:set>
-                                      <p:cBhvr>
-                                        <p:cTn id="34" dur="1" fill="hold">
-                                          <p:stCondLst>
-                                            <p:cond delay="0"/>
-                                          </p:stCondLst>
-                                        </p:cTn>
-                                        <p:tgtEl>
-                                          <p:spTgt spid="201">
-                                            <p:txEl>
-                                              <p:pRg st="4" end="4"/>
-                                            </p:txEl>
-                                          </p:spTgt>
-                                        </p:tgtEl>
-                                        <p:attrNameLst>
-                                          <p:attrName>style.visibility</p:attrName>
-                                        </p:attrNameLst>
-                                      </p:cBhvr>
-                                      <p:to>
-                                        <p:strVal val="visible"/>
-                                      </p:to>
-                                    </p:set>
-                                  </p:childTnLst>
-                                </p:cTn>
-                              </p:par>
-                            </p:childTnLst>
-                          </p:cTn>
-                        </p:par>
-                        <p:par>
-                          <p:cTn id="35" fill="hold">
-                            <p:stCondLst>
-                              <p:cond delay="500"/>
-                            </p:stCondLst>
-                            <p:childTnLst>
-                              <p:par>
-                                <p:cTn id="36" presetID="1" presetClass="entr" presetSubtype="0" fill="hold" grpId="2" nodeType="afterEffect">
-                                  <p:stCondLst>
-                                    <p:cond delay="0"/>
-                                  </p:stCondLst>
-                                  <p:childTnLst>
-                                    <p:set>
-                                      <p:cBhvr>
-                                        <p:cTn id="37" dur="1" fill="hold">
-                                          <p:stCondLst>
-                                            <p:cond delay="0"/>
-                                          </p:stCondLst>
-                                        </p:cTn>
-                                        <p:tgtEl>
-                                          <p:spTgt spid="9"/>
-                                        </p:tgtEl>
-                                        <p:attrNameLst>
-                                          <p:attrName>style.visibility</p:attrName>
-                                        </p:attrNameLst>
-                                      </p:cBhvr>
-                                      <p:to>
-                                        <p:strVal val="visible"/>
-                                      </p:to>
-                                    </p:set>
-                                  </p:childTnLst>
-                                </p:cTn>
-                              </p:par>
-                            </p:childTnLst>
-                          </p:cTn>
-                        </p:par>
-                        <p:par>
-                          <p:cTn id="38" fill="hold">
-                            <p:stCondLst>
-                              <p:cond delay="500"/>
-                            </p:stCondLst>
-                            <p:childTnLst>
-                              <p:par>
-                                <p:cTn id="39" presetID="35" presetClass="emph" presetSubtype="0" repeatCount="indefinite" fill="hold" grpId="0" nodeType="afterEffect">
-                                  <p:stCondLst>
-                                    <p:cond delay="0"/>
-                                  </p:stCondLst>
-                                  <p:endCondLst>
-                                    <p:cond evt="onNext" delay="0">
-                                      <p:tgtEl>
-                                        <p:sldTgt/>
-                                      </p:tgtEl>
-                                    </p:cond>
-                                  </p:endCondLst>
-                                  <p:childTnLst>
-                                    <p:anim calcmode="discrete" valueType="str">
-                                      <p:cBhvr>
-                                        <p:cTn id="40" dur="1000" fill="hold"/>
-                                        <p:tgtEl>
-                                          <p:spTgt spid="9"/>
-                                        </p:tgtEl>
-                                        <p:attrNameLst>
-                                          <p:attrName>style.visibility</p:attrName>
-                                        </p:attrNameLst>
-                                      </p:cBhvr>
-                                      <p:tavLst>
-                                        <p:tav tm="0">
-                                          <p:val>
-                                            <p:strVal val="hidden"/>
-                                          </p:val>
-                                        </p:tav>
-                                        <p:tav tm="50000">
-                                          <p:val>
-                                            <p:strVal val="visible"/>
-                                          </p:val>
-                                        </p:tav>
-                                      </p:tavLst>
-                                    </p:anim>
-                                  </p:childTnLst>
-                                </p:cTn>
-                              </p:par>
-                            </p:childTnLst>
-                          </p:cTn>
-                        </p:par>
-                      </p:childTnLst>
-                    </p:cTn>
-                  </p:par>
-                  <p:par>
-                    <p:cTn id="41" fill="hold">
-                      <p:stCondLst>
-                        <p:cond delay="indefinite"/>
-                      </p:stCondLst>
-                      <p:childTnLst>
-                        <p:par>
-                          <p:cTn id="42" fill="hold">
-                            <p:stCondLst>
-                              <p:cond delay="0"/>
-                            </p:stCondLst>
-                            <p:childTnLst>
-                              <p:par>
-                                <p:cTn id="43" presetID="1" presetClass="exit" presetSubtype="0" fill="hold" grpId="1" nodeType="clickEffect">
-                                  <p:stCondLst>
-                                    <p:cond delay="0"/>
-                                  </p:stCondLst>
-                                  <p:childTnLst>
-                                    <p:set>
-                                      <p:cBhvr>
-                                        <p:cTn id="44" dur="1" fill="hold">
-                                          <p:stCondLst>
-                                            <p:cond delay="0"/>
-                                          </p:stCondLst>
-                                        </p:cTn>
-                                        <p:tgtEl>
-                                          <p:spTgt spid="9"/>
-                                        </p:tgtEl>
-                                        <p:attrNameLst>
-                                          <p:attrName>style.visibility</p:attrName>
-                                        </p:attrNameLst>
-                                      </p:cBhvr>
-                                      <p:to>
-                                        <p:strVal val="hidden"/>
-                                      </p:to>
-                                    </p:set>
-                                  </p:childTnLst>
-                                </p:cTn>
-                              </p:par>
-                            </p:childTnLst>
-                          </p:cTn>
-                        </p:par>
-                        <p:par>
-                          <p:cTn id="45" fill="hold">
-                            <p:stCondLst>
-                              <p:cond delay="0"/>
-                            </p:stCondLst>
-                            <p:childTnLst>
-                              <p:par>
-                                <p:cTn id="46" presetID="22" presetClass="entr" presetSubtype="8" fill="hold" nodeType="afterEffect">
-                                  <p:stCondLst>
-                                    <p:cond delay="0"/>
-                                  </p:stCondLst>
-                                  <p:childTnLst>
-                                    <p:set>
-                                      <p:cBhvr>
-                                        <p:cTn id="47" dur="1" fill="hold">
-                                          <p:stCondLst>
-                                            <p:cond delay="0"/>
-                                          </p:stCondLst>
-                                        </p:cTn>
-                                        <p:tgtEl>
-                                          <p:spTgt spid="202">
-                                            <p:txEl>
-                                              <p:pRg st="0" end="0"/>
-                                            </p:txEl>
-                                          </p:spTgt>
-                                        </p:tgtEl>
-                                        <p:attrNameLst>
-                                          <p:attrName>style.visibility</p:attrName>
-                                        </p:attrNameLst>
-                                      </p:cBhvr>
-                                      <p:to>
-                                        <p:strVal val="visible"/>
-                                      </p:to>
-                                    </p:set>
-                                    <p:animEffect transition="in" filter="wipe(left)">
-                                      <p:cBhvr>
-                                        <p:cTn id="48" dur="500"/>
-                                        <p:tgtEl>
-                                          <p:spTgt spid="202">
-                                            <p:txEl>
-                                              <p:pRg st="0" end="0"/>
-                                            </p:txEl>
-                                          </p:spTgt>
-                                        </p:tgtEl>
-                                      </p:cBhvr>
-                                    </p:animEffect>
-                                  </p:childTnLst>
-                                </p:cTn>
-                              </p:par>
-                            </p:childTnLst>
-                          </p:cTn>
-                        </p:par>
-                        <p:par>
-                          <p:cTn id="49" fill="hold">
-                            <p:stCondLst>
-                              <p:cond delay="500"/>
-                            </p:stCondLst>
-                            <p:childTnLst>
-                              <p:par>
-                                <p:cTn id="50" presetID="1" presetClass="entr" presetSubtype="0" fill="hold" nodeType="afterEffect">
-                                  <p:stCondLst>
-                                    <p:cond delay="0"/>
-                                  </p:stCondLst>
-                                  <p:childTnLst>
-                                    <p:set>
-                                      <p:cBhvr>
-                                        <p:cTn id="51" dur="1" fill="hold">
-                                          <p:stCondLst>
-                                            <p:cond delay="0"/>
-                                          </p:stCondLst>
-                                        </p:cTn>
-                                        <p:tgtEl>
-                                          <p:spTgt spid="202">
-                                            <p:txEl>
-                                              <p:pRg st="1" end="1"/>
-                                            </p:txEl>
-                                          </p:spTgt>
-                                        </p:tgtEl>
-                                        <p:attrNameLst>
-                                          <p:attrName>style.visibility</p:attrName>
-                                        </p:attrNameLst>
-                                      </p:cBhvr>
-                                      <p:to>
-                                        <p:strVal val="visible"/>
-                                      </p:to>
-                                    </p:set>
-                                  </p:childTnLst>
-                                </p:cTn>
-                              </p:par>
-                              <p:par>
-                                <p:cTn id="52" presetID="1" presetClass="entr" presetSubtype="0" fill="hold" nodeType="withEffect">
-                                  <p:stCondLst>
-                                    <p:cond delay="0"/>
-                                  </p:stCondLst>
-                                  <p:childTnLst>
-                                    <p:set>
-                                      <p:cBhvr>
-                                        <p:cTn id="53" dur="1" fill="hold">
-                                          <p:stCondLst>
-                                            <p:cond delay="0"/>
-                                          </p:stCondLst>
-                                        </p:cTn>
-                                        <p:tgtEl>
-                                          <p:spTgt spid="202">
-                                            <p:txEl>
-                                              <p:pRg st="2" end="2"/>
-                                            </p:txEl>
-                                          </p:spTgt>
-                                        </p:tgtEl>
-                                        <p:attrNameLst>
-                                          <p:attrName>style.visibility</p:attrName>
-                                        </p:attrNameLst>
-                                      </p:cBhvr>
-                                      <p:to>
-                                        <p:strVal val="visible"/>
-                                      </p:to>
-                                    </p:set>
-                                  </p:childTnLst>
-                                </p:cTn>
-                              </p:par>
-                              <p:par>
-                                <p:cTn id="54" presetID="1" presetClass="entr" presetSubtype="0" fill="hold" nodeType="withEffect">
-                                  <p:stCondLst>
-                                    <p:cond delay="0"/>
-                                  </p:stCondLst>
-                                  <p:childTnLst>
-                                    <p:set>
-                                      <p:cBhvr>
-                                        <p:cTn id="55" dur="1" fill="hold">
-                                          <p:stCondLst>
-                                            <p:cond delay="0"/>
-                                          </p:stCondLst>
-                                        </p:cTn>
-                                        <p:tgtEl>
-                                          <p:spTgt spid="202">
-                                            <p:txEl>
-                                              <p:pRg st="3" end="3"/>
-                                            </p:txEl>
-                                          </p:spTgt>
-                                        </p:tgtEl>
-                                        <p:attrNameLst>
-                                          <p:attrName>style.visibility</p:attrName>
-                                        </p:attrNameLst>
-                                      </p:cBhvr>
-                                      <p:to>
-                                        <p:strVal val="visible"/>
-                                      </p:to>
-                                    </p:set>
-                                  </p:childTnLst>
-                                </p:cTn>
-                              </p:par>
-                              <p:par>
-                                <p:cTn id="56" presetID="1" presetClass="entr" presetSubtype="0" fill="hold" nodeType="withEffect">
-                                  <p:stCondLst>
-                                    <p:cond delay="0"/>
-                                  </p:stCondLst>
-                                  <p:childTnLst>
-                                    <p:set>
-                                      <p:cBhvr>
-                                        <p:cTn id="57" dur="1" fill="hold">
-                                          <p:stCondLst>
-                                            <p:cond delay="0"/>
-                                          </p:stCondLst>
-                                        </p:cTn>
-                                        <p:tgtEl>
-                                          <p:spTgt spid="202">
-                                            <p:txEl>
-                                              <p:pRg st="4" end="4"/>
-                                            </p:txEl>
-                                          </p:spTgt>
-                                        </p:tgtEl>
-                                        <p:attrNameLst>
-                                          <p:attrName>style.visibility</p:attrName>
-                                        </p:attrNameLst>
-                                      </p:cBhvr>
-                                      <p:to>
-                                        <p:strVal val="visible"/>
-                                      </p:to>
-                                    </p:set>
-                                  </p:childTnLst>
-                                </p:cTn>
-                              </p:par>
-                            </p:childTnLst>
-                          </p:cTn>
-                        </p:par>
-                      </p:childTnLst>
-                    </p:cTn>
-                  </p:par>
-                  <p:par>
-                    <p:cTn id="58" fill="hold">
-                      <p:stCondLst>
-                        <p:cond delay="indefinite"/>
-                      </p:stCondLst>
-                      <p:childTnLst>
-                        <p:par>
-                          <p:cTn id="59" fill="hold">
-                            <p:stCondLst>
-                              <p:cond delay="0"/>
-                            </p:stCondLst>
-                            <p:childTnLst>
-                              <p:par>
-                                <p:cTn id="60" presetID="21" presetClass="entr" presetSubtype="1" fill="hold" grpId="0" nodeType="clickEffect">
-                                  <p:stCondLst>
-                                    <p:cond delay="0"/>
-                                  </p:stCondLst>
-                                  <p:childTnLst>
-                                    <p:set>
-                                      <p:cBhvr>
-                                        <p:cTn id="61" dur="1" fill="hold">
-                                          <p:stCondLst>
-                                            <p:cond delay="0"/>
-                                          </p:stCondLst>
-                                        </p:cTn>
-                                        <p:tgtEl>
-                                          <p:spTgt spid="2"/>
-                                        </p:tgtEl>
-                                        <p:attrNameLst>
-                                          <p:attrName>style.visibility</p:attrName>
-                                        </p:attrNameLst>
-                                      </p:cBhvr>
-                                      <p:to>
-                                        <p:strVal val="visible"/>
-                                      </p:to>
-                                    </p:set>
-                                    <p:animEffect transition="in" filter="wheel(1)">
-                                      <p:cBhvr>
-                                        <p:cTn id="62" dur="1000"/>
-                                        <p:tgtEl>
-                                          <p:spTgt spid="2"/>
-                                        </p:tgtEl>
-                                      </p:cBhvr>
-                                    </p:animEffect>
-                                  </p:childTnLst>
-                                </p:cTn>
-                              </p:par>
-                            </p:childTnLst>
-                          </p:cTn>
-                        </p:par>
-                      </p:childTnLst>
-                    </p:cTn>
-                  </p:par>
-                </p:childTnLst>
-              </p:cTn>
-              <p:prevCondLst>
-                <p:cond evt="onPrev" delay="0">
-                  <p:tgtEl>
-                    <p:sldTgt/>
-                  </p:tgtEl>
-                </p:cond>
-              </p:prevCondLst>
-              <p:nextCondLst>
-                <p:cond evt="onNext" delay="0">
-                  <p:tgtEl>
-                    <p:sldTgt/>
-                  </p:tgtEl>
-                </p:cond>
-              </p:nextCondLst>
-            </p:seq>
-          </p:childTnLst>
-        </p:cTn>
-      </p:par>
-    </p:tnLst>
-    <p:bldLst>
-      <p:bldP spid="8" grpId="0" animBg="1"/>
-      <p:bldP spid="8" grpId="1" animBg="1"/>
-      <p:bldP spid="8" grpId="2" animBg="1"/>
-      <p:bldP spid="9" grpId="0" animBg="1"/>
-      <p:bldP spid="9" grpId="1" animBg="1"/>
-      <p:bldP spid="9" grpId="2" animBg="1"/>
-      <p:bldP spid="2" grpId="0" animBg="1"/>
-    </p:bldLst>
-  </p:timing>
-</p:sld>
-</file>
-
-<file path=ppt/slides/slide24.xml><?xml version="1.0" encoding="utf-8"?>
-<p:sld xmlns:a="http://schemas.openxmlformats.org/drawingml/2006/main" xmlns:r="http://schemas.openxmlformats.org/officeDocument/2006/relationships" xmlns:p="http://schemas.openxmlformats.org/presentationml/2006/main">
-  <p:cSld>
-    <p:spTree>
-      <p:nvGrpSpPr>
-        <p:cNvPr id="1" name=""/>
-        <p:cNvGrpSpPr/>
-        <p:nvPr/>
-      </p:nvGrpSpPr>
-      <p:grpSpPr>
-        <a:xfrm>
-          <a:off x="0" y="0"/>
-          <a:ext cx="0" cy="0"/>
-          <a:chOff x="0" y="0"/>
-          <a:chExt cx="0" cy="0"/>
-        </a:xfrm>
-      </p:grpSpPr>
-      <p:sp>
-        <p:nvSpPr>
-          <p:cNvPr id="3" name="文本占位符 2">
-            <a:extLst>
-              <a:ext uri="{FF2B5EF4-FFF2-40B4-BE49-F238E27FC236}">
-                <a16:creationId xmlns:a16="http://schemas.microsoft.com/office/drawing/2014/main" id="{E0EA71EA-4F30-AB47-B7A3-CFB2E8C9C263}"/>
-              </a:ext>
-            </a:extLst>
-          </p:cNvPr>
-          <p:cNvSpPr>
-            <a:spLocks noGrp="1"/>
-          </p:cNvSpPr>
-          <p:nvPr>
-            <p:ph type="body" sz="half" idx="1"/>
-          </p:nvPr>
-        </p:nvSpPr>
-        <p:spPr/>
-        <p:txBody>
-          <a:bodyPr/>
-          <a:lstStyle/>
-          <a:p>
-            <a:r>
-              <a:rPr kumimoji="1" lang="en-US" altLang="zh-CN" dirty="0" err="1"/>
-              <a:t>group_by</a:t>
-            </a:r>
-            <a:endParaRPr kumimoji="1" lang="en-US" altLang="zh-CN" dirty="0"/>
-          </a:p>
-          <a:p>
-            <a:r>
-              <a:rPr kumimoji="1" lang="en-US" altLang="zh-CN" dirty="0" err="1"/>
-              <a:t>summarise</a:t>
-            </a:r>
-            <a:endParaRPr kumimoji="1" lang="en-US" altLang="zh-CN" dirty="0"/>
-          </a:p>
-          <a:p>
-            <a:pPr marL="0" indent="0">
-              <a:buNone/>
-            </a:pPr>
-            <a:r>
-              <a:rPr kumimoji="1" lang="en-US" altLang="zh-CN" dirty="0" err="1"/>
-              <a:t>group_by</a:t>
-            </a:r>
-            <a:r>
-              <a:rPr kumimoji="1" lang="zh-CN" altLang="en-US" dirty="0"/>
-              <a:t>对数据集加入分组关键变量</a:t>
-            </a:r>
-            <a:endParaRPr kumimoji="1" lang="en-US" altLang="zh-CN" dirty="0"/>
-          </a:p>
-          <a:p>
-            <a:pPr marL="0" indent="0">
-              <a:buNone/>
-            </a:pPr>
-            <a:r>
-              <a:rPr kumimoji="1" lang="en-US" altLang="zh-CN" dirty="0" err="1"/>
-              <a:t>summarise</a:t>
-            </a:r>
-            <a:r>
-              <a:rPr kumimoji="1" lang="zh-CN" altLang="en-US" dirty="0"/>
-              <a:t>根据数据集的分组变量进行汇集，按照其后的计算函数分组运算</a:t>
-            </a:r>
-          </a:p>
-        </p:txBody>
-      </p:sp>
-      <p:sp>
-        <p:nvSpPr>
-          <p:cNvPr id="5" name="灯片编号占位符 4">
-            <a:extLst>
-              <a:ext uri="{FF2B5EF4-FFF2-40B4-BE49-F238E27FC236}">
-                <a16:creationId xmlns:a16="http://schemas.microsoft.com/office/drawing/2014/main" id="{E79733D1-ED86-FF4D-B9F4-5A3CF1722AA1}"/>
-              </a:ext>
-            </a:extLst>
-          </p:cNvPr>
-          <p:cNvSpPr>
-            <a:spLocks noGrp="1"/>
-          </p:cNvSpPr>
-          <p:nvPr>
-            <p:ph type="sldNum" sz="quarter" idx="2"/>
-          </p:nvPr>
-        </p:nvSpPr>
-        <p:spPr/>
-        <p:txBody>
-          <a:bodyPr/>
-          <a:lstStyle/>
-          <a:p>
-            <a:fld id="{86CB4B4D-7CA3-9044-876B-883B54F8677D}" type="slidenum">
-              <a:rPr lang="en-US" altLang="zh-CN" smtClean="0"/>
-              <a:t>24</a:t>
-            </a:fld>
-            <a:endParaRPr lang="zh-CN" altLang="en-US"/>
-          </a:p>
-        </p:txBody>
-      </p:sp>
-      <p:sp>
-        <p:nvSpPr>
-          <p:cNvPr id="6" name="文本占位符 5">
-            <a:extLst>
-              <a:ext uri="{FF2B5EF4-FFF2-40B4-BE49-F238E27FC236}">
-                <a16:creationId xmlns:a16="http://schemas.microsoft.com/office/drawing/2014/main" id="{5708A662-BD44-434A-B3DC-41F94337B424}"/>
-              </a:ext>
-            </a:extLst>
-          </p:cNvPr>
-          <p:cNvSpPr>
-            <a:spLocks noGrp="1"/>
-          </p:cNvSpPr>
-          <p:nvPr>
-            <p:ph type="body" sz="quarter" idx="14"/>
-          </p:nvPr>
-        </p:nvSpPr>
-        <p:spPr/>
-        <p:txBody>
-          <a:bodyPr>
-            <a:normAutofit/>
-          </a:bodyPr>
-          <a:lstStyle/>
-          <a:p>
-            <a:r>
-              <a:rPr kumimoji="1" lang="zh-CN" altLang="en-US" dirty="0"/>
-              <a:t>分组汇总</a:t>
-            </a:r>
-          </a:p>
-        </p:txBody>
-      </p:sp>
-      <p:sp>
-        <p:nvSpPr>
-          <p:cNvPr id="7" name="矩形 6">
-            <a:extLst>
-              <a:ext uri="{FF2B5EF4-FFF2-40B4-BE49-F238E27FC236}">
-                <a16:creationId xmlns:a16="http://schemas.microsoft.com/office/drawing/2014/main" id="{D03F87F4-CD8D-744D-80B9-34980C34CDA2}"/>
-              </a:ext>
-            </a:extLst>
-          </p:cNvPr>
-          <p:cNvSpPr/>
-          <p:nvPr/>
-        </p:nvSpPr>
-        <p:spPr>
-          <a:xfrm>
-            <a:off x="5447902" y="1893317"/>
-            <a:ext cx="7248189" cy="2308324"/>
-          </a:xfrm>
-          <a:prstGeom prst="rect">
-            <a:avLst/>
-          </a:prstGeom>
-        </p:spPr>
-        <p:txBody>
-          <a:bodyPr wrap="square">
-            <a:spAutoFit/>
-          </a:bodyPr>
-          <a:lstStyle/>
-          <a:p>
-            <a:r>
-              <a:rPr lang="zh-CN" altLang="en-US" sz="2400" dirty="0"/>
-              <a:t>&gt; persons$math &lt;- c(90,100,80)</a:t>
-            </a:r>
-          </a:p>
-          <a:p>
-            <a:r>
-              <a:rPr lang="zh-CN" altLang="en-US" sz="2400" dirty="0"/>
-              <a:t>&gt; persons</a:t>
-            </a:r>
-            <a:r>
-              <a:rPr lang="en-US" altLang="zh-CN" sz="2400" dirty="0"/>
-              <a:t> #</a:t>
-            </a:r>
-            <a:r>
-              <a:rPr lang="zh-CN" altLang="en-US" sz="2400" dirty="0"/>
-              <a:t>加入一列数学成绩作为案例</a:t>
-            </a:r>
-          </a:p>
-          <a:p>
-            <a:r>
-              <a:rPr lang="zh-CN" altLang="en-US" sz="2400" dirty="0">
-                <a:solidFill>
-                  <a:schemeClr val="bg2">
-                    <a:lumMod val="50000"/>
-                  </a:schemeClr>
-                </a:solidFill>
-              </a:rPr>
-              <a:t>    Name Gender Age      Major math</a:t>
-            </a:r>
-          </a:p>
-          <a:p>
-            <a:r>
-              <a:rPr lang="zh-CN" altLang="en-US" sz="2400" dirty="0">
-                <a:solidFill>
-                  <a:schemeClr val="bg2">
-                    <a:lumMod val="50000"/>
-                  </a:schemeClr>
-                </a:solidFill>
-              </a:rPr>
-              <a:t>1   李雷   Male  20    Finance   90</a:t>
-            </a:r>
-          </a:p>
-          <a:p>
-            <a:r>
-              <a:rPr lang="zh-CN" altLang="en-US" sz="2400" dirty="0">
-                <a:solidFill>
-                  <a:schemeClr val="bg2">
-                    <a:lumMod val="50000"/>
-                  </a:schemeClr>
-                </a:solidFill>
-              </a:rPr>
-              <a:t>2 韩梅梅 Female  19 Statistics  100</a:t>
-            </a:r>
-          </a:p>
-          <a:p>
-            <a:r>
-              <a:rPr lang="zh-CN" altLang="en-US" sz="2400" dirty="0">
-                <a:solidFill>
-                  <a:schemeClr val="bg2">
-                    <a:lumMod val="50000"/>
-                  </a:schemeClr>
-                </a:solidFill>
-              </a:rPr>
-              <a:t>3   张萌 Female  21  Economics   80</a:t>
-            </a:r>
-          </a:p>
-        </p:txBody>
-      </p:sp>
-      <p:sp>
-        <p:nvSpPr>
-          <p:cNvPr id="8" name="矩形 7">
-            <a:extLst>
-              <a:ext uri="{FF2B5EF4-FFF2-40B4-BE49-F238E27FC236}">
-                <a16:creationId xmlns:a16="http://schemas.microsoft.com/office/drawing/2014/main" id="{FD753985-6BB1-6741-A1CD-17B85DBEF9DA}"/>
-              </a:ext>
-            </a:extLst>
-          </p:cNvPr>
-          <p:cNvSpPr/>
-          <p:nvPr/>
-        </p:nvSpPr>
-        <p:spPr>
-          <a:xfrm>
-            <a:off x="5667462" y="4876800"/>
-            <a:ext cx="6502400" cy="2677656"/>
-          </a:xfrm>
-          <a:prstGeom prst="rect">
-            <a:avLst/>
-          </a:prstGeom>
-        </p:spPr>
-        <p:txBody>
-          <a:bodyPr>
-            <a:spAutoFit/>
-          </a:bodyPr>
-          <a:lstStyle/>
-          <a:p>
-            <a:r>
-              <a:rPr lang="zh-CN" altLang="en-US" sz="2400" dirty="0"/>
-              <a:t>&gt; p=group_by(persons,Gender)</a:t>
-            </a:r>
-          </a:p>
-          <a:p>
-            <a:r>
-              <a:rPr lang="zh-CN" altLang="en-US" sz="2400" dirty="0"/>
-              <a:t>&gt; summarise(p,score=mean(math))</a:t>
-            </a:r>
-          </a:p>
-          <a:p>
-            <a:r>
-              <a:rPr lang="zh-CN" altLang="en-US" sz="2400" dirty="0">
-                <a:solidFill>
-                  <a:schemeClr val="bg2">
-                    <a:lumMod val="50000"/>
-                  </a:schemeClr>
-                </a:solidFill>
-              </a:rPr>
-              <a:t># A tibble: 2 x 2</a:t>
-            </a:r>
-          </a:p>
-          <a:p>
-            <a:r>
-              <a:rPr lang="zh-CN" altLang="en-US" sz="2400" dirty="0">
-                <a:solidFill>
-                  <a:schemeClr val="bg2">
-                    <a:lumMod val="50000"/>
-                  </a:schemeClr>
-                </a:solidFill>
-              </a:rPr>
-              <a:t>  Gender score</a:t>
-            </a:r>
-          </a:p>
-          <a:p>
-            <a:r>
-              <a:rPr lang="zh-CN" altLang="en-US" sz="2400" dirty="0">
-                <a:solidFill>
-                  <a:schemeClr val="bg2">
-                    <a:lumMod val="50000"/>
-                  </a:schemeClr>
-                </a:solidFill>
-              </a:rPr>
-              <a:t>  &lt;fct&gt;  &lt;dbl&gt;</a:t>
-            </a:r>
-          </a:p>
-          <a:p>
-            <a:r>
-              <a:rPr lang="zh-CN" altLang="en-US" sz="2400" dirty="0">
-                <a:solidFill>
-                  <a:schemeClr val="bg2">
-                    <a:lumMod val="50000"/>
-                  </a:schemeClr>
-                </a:solidFill>
-              </a:rPr>
-              <a:t>1 Female    90</a:t>
-            </a:r>
-          </a:p>
-          <a:p>
-            <a:r>
-              <a:rPr lang="zh-CN" altLang="en-US" sz="2400" dirty="0">
-                <a:solidFill>
-                  <a:schemeClr val="bg2">
-                    <a:lumMod val="50000"/>
-                  </a:schemeClr>
-                </a:solidFill>
-              </a:rPr>
-              <a:t>2 Male      90</a:t>
-            </a:r>
-          </a:p>
-        </p:txBody>
-      </p:sp>
-    </p:spTree>
-    <p:extLst>
-      <p:ext uri="{BB962C8B-B14F-4D97-AF65-F5344CB8AC3E}">
-        <p14:creationId xmlns:p14="http://schemas.microsoft.com/office/powerpoint/2010/main" val="2717727509"/>
-      </p:ext>
-    </p:extLst>
-  </p:cSld>
-  <p:clrMapOvr>
-    <a:masterClrMapping/>
-  </p:clrMapOvr>
-  <p:transition spd="med"/>
-</p:sld>
-</file>
-
-<file path=ppt/slides/slide25.xml><?xml version="1.0" encoding="utf-8"?>
-<p:sld xmlns:a="http://schemas.openxmlformats.org/drawingml/2006/main" xmlns:r="http://schemas.openxmlformats.org/officeDocument/2006/relationships" xmlns:p="http://schemas.openxmlformats.org/presentationml/2006/main">
-  <p:cSld>
-    <p:spTree>
-      <p:nvGrpSpPr>
-        <p:cNvPr id="1" name=""/>
-        <p:cNvGrpSpPr/>
-        <p:nvPr/>
-      </p:nvGrpSpPr>
-      <p:grpSpPr>
-        <a:xfrm>
-          <a:off x="0" y="0"/>
-          <a:ext cx="0" cy="0"/>
-          <a:chOff x="0" y="0"/>
-          <a:chExt cx="0" cy="0"/>
-        </a:xfrm>
-      </p:grpSpPr>
-      <p:sp>
-        <p:nvSpPr>
-          <p:cNvPr id="2" name="标题 1"/>
-          <p:cNvSpPr>
-            <a:spLocks noGrp="1"/>
-          </p:cNvSpPr>
-          <p:nvPr>
-            <p:ph type="title"/>
-          </p:nvPr>
-        </p:nvSpPr>
-        <p:spPr/>
-        <p:txBody>
-          <a:bodyPr/>
-          <a:lstStyle/>
-          <a:p>
-            <a:r>
-              <a:rPr lang="zh-CN" altLang="en-US" dirty="0"/>
-              <a:t>练习作业</a:t>
-            </a:r>
-          </a:p>
-        </p:txBody>
-      </p:sp>
-      <p:sp>
-        <p:nvSpPr>
-          <p:cNvPr id="3" name="文本占位符 2"/>
-          <p:cNvSpPr>
-            <a:spLocks noGrp="1"/>
-          </p:cNvSpPr>
-          <p:nvPr>
-            <p:ph type="body" idx="1"/>
-          </p:nvPr>
-        </p:nvSpPr>
-        <p:spPr>
-          <a:xfrm>
-            <a:off x="571500" y="1705596"/>
-            <a:ext cx="10192753" cy="7139465"/>
-          </a:xfrm>
-        </p:spPr>
-        <p:txBody>
-          <a:bodyPr>
-            <a:normAutofit/>
-          </a:bodyPr>
-          <a:lstStyle/>
-          <a:p>
-            <a:r>
-              <a:rPr lang="zh-CN" altLang="en-US" dirty="0"/>
-              <a:t>练习：分析数据集</a:t>
-            </a:r>
-            <a:r>
-              <a:rPr lang="en-US" altLang="zh-CN" dirty="0"/>
-              <a:t>Baseball,322</a:t>
-            </a:r>
-            <a:r>
-              <a:rPr lang="zh-CN" altLang="en-US" dirty="0"/>
-              <a:t>名球员的数据，哪类球员对比赛最重要？数据放在</a:t>
-            </a:r>
-            <a:r>
-              <a:rPr lang="en-US" altLang="zh-CN" dirty="0" err="1"/>
-              <a:t>package:vcd</a:t>
-            </a:r>
-            <a:endParaRPr lang="en-US" altLang="zh-CN" dirty="0"/>
-          </a:p>
-          <a:p>
-            <a:pPr marL="0" indent="0">
-              <a:buNone/>
-            </a:pPr>
-            <a:r>
-              <a:rPr lang="zh-CN" altLang="en-US" dirty="0"/>
-              <a:t>阅读指导</a:t>
-            </a:r>
-            <a:endParaRPr lang="en-US" altLang="zh-CN" dirty="0"/>
-          </a:p>
-          <a:p>
-            <a:pPr marL="0" indent="0">
-              <a:buNone/>
-            </a:pPr>
-            <a:r>
-              <a:rPr lang="en-US" altLang="zh-CN" dirty="0"/>
-              <a:t>Wickham</a:t>
-            </a:r>
-            <a:r>
-              <a:rPr lang="zh-CN" altLang="en-US" dirty="0"/>
-              <a:t>的</a:t>
-            </a:r>
-            <a:r>
-              <a:rPr lang="en-US" altLang="zh-CN" dirty="0"/>
-              <a:t>《R</a:t>
-            </a:r>
-            <a:r>
-              <a:rPr lang="zh-CN" altLang="en-US" dirty="0"/>
-              <a:t>数据科学</a:t>
-            </a:r>
-            <a:r>
-              <a:rPr lang="en-US" altLang="zh-CN" dirty="0"/>
-              <a:t>》</a:t>
-            </a:r>
-            <a:r>
-              <a:rPr lang="zh-CN" altLang="en-US" dirty="0"/>
-              <a:t>第</a:t>
-            </a:r>
-            <a:r>
-              <a:rPr lang="en-US" altLang="zh-CN" dirty="0"/>
-              <a:t>3</a:t>
-            </a:r>
-            <a:r>
-              <a:rPr lang="zh-CN" altLang="en-US" dirty="0"/>
-              <a:t>章</a:t>
-            </a:r>
-            <a:r>
-              <a:rPr lang="en-US" altLang="zh-CN" dirty="0"/>
-              <a:t> </a:t>
-            </a:r>
-            <a:r>
-              <a:rPr lang="en-US" altLang="zh-CN" dirty="0" err="1"/>
-              <a:t>dplyr</a:t>
-            </a:r>
-            <a:r>
-              <a:rPr lang="zh-CN" altLang="en-US" dirty="0"/>
-              <a:t> 第</a:t>
-            </a:r>
-            <a:r>
-              <a:rPr lang="en-US" altLang="zh-CN" dirty="0"/>
-              <a:t>7</a:t>
-            </a:r>
-            <a:r>
-              <a:rPr lang="zh-CN" altLang="en-US" dirty="0"/>
-              <a:t>章 </a:t>
-            </a:r>
-            <a:r>
-              <a:rPr lang="en-US" altLang="zh-CN" dirty="0" err="1"/>
-              <a:t>tibble</a:t>
-            </a:r>
-            <a:endParaRPr lang="en-US" altLang="zh-CN" dirty="0"/>
-          </a:p>
-          <a:p>
-            <a:pPr marL="0" indent="0">
-              <a:buNone/>
-            </a:pPr>
-            <a:r>
-              <a:rPr lang="en-US" altLang="zh-CN" dirty="0"/>
-              <a:t>《R</a:t>
-            </a:r>
-            <a:r>
-              <a:rPr lang="zh-CN" altLang="en-US" dirty="0"/>
-              <a:t>语言实战</a:t>
-            </a:r>
-            <a:r>
-              <a:rPr lang="en-US" altLang="zh-CN" dirty="0"/>
-              <a:t>》</a:t>
-            </a:r>
-            <a:r>
-              <a:rPr lang="zh-CN" altLang="en-US" dirty="0"/>
-              <a:t>第</a:t>
-            </a:r>
-            <a:r>
-              <a:rPr lang="en-US" altLang="zh-CN" dirty="0"/>
-              <a:t>2</a:t>
-            </a:r>
-            <a:r>
-              <a:rPr lang="zh-CN" altLang="en-US" dirty="0"/>
-              <a:t>章 创建数据集 第</a:t>
-            </a:r>
-            <a:r>
-              <a:rPr lang="en-US" altLang="zh-CN" dirty="0"/>
-              <a:t>4</a:t>
-            </a:r>
-            <a:r>
-              <a:rPr lang="zh-CN" altLang="en-US" dirty="0"/>
-              <a:t>章 基本数据管理（</a:t>
-            </a:r>
-            <a:r>
-              <a:rPr lang="en-US" altLang="zh-CN" dirty="0"/>
-              <a:t>4.11</a:t>
-            </a:r>
-            <a:r>
-              <a:rPr lang="zh-CN" altLang="en-US" dirty="0"/>
-              <a:t>讲解如何在</a:t>
-            </a:r>
-            <a:r>
-              <a:rPr lang="en-US" altLang="zh-CN" dirty="0"/>
-              <a:t>R</a:t>
-            </a:r>
-            <a:r>
-              <a:rPr lang="zh-CN" altLang="en-US" dirty="0"/>
-              <a:t>中使用</a:t>
-            </a:r>
-            <a:r>
-              <a:rPr lang="en-US" altLang="zh-CN" dirty="0"/>
-              <a:t>SQL</a:t>
-            </a:r>
-            <a:r>
-              <a:rPr lang="zh-CN" altLang="en-US" dirty="0"/>
-              <a:t>语言操作数据库）</a:t>
-            </a:r>
-            <a:endParaRPr lang="en-US" altLang="zh-CN" dirty="0"/>
-          </a:p>
-          <a:p>
-            <a:pPr marL="0" indent="0">
-              <a:buNone/>
-            </a:pPr>
-            <a:r>
-              <a:rPr lang="zh-CN" altLang="en-US" dirty="0"/>
-              <a:t>阅读</a:t>
-            </a:r>
-            <a:r>
-              <a:rPr lang="en-US" altLang="zh-CN" dirty="0" err="1"/>
-              <a:t>dplyr</a:t>
-            </a:r>
-            <a:r>
-              <a:rPr lang="zh-CN" altLang="en-US" dirty="0"/>
-              <a:t>的</a:t>
-            </a:r>
-            <a:r>
-              <a:rPr lang="en-US" altLang="zh-CN" dirty="0"/>
-              <a:t>cheat</a:t>
-            </a:r>
-            <a:r>
-              <a:rPr lang="zh-CN" altLang="en-US" dirty="0"/>
-              <a:t> </a:t>
-            </a:r>
-            <a:r>
-              <a:rPr lang="en-US" altLang="zh-CN" dirty="0" err="1"/>
-              <a:t>sheat</a:t>
-            </a:r>
-            <a:r>
-              <a:rPr lang="zh-CN" altLang="en-US" dirty="0"/>
-              <a:t>（</a:t>
-            </a:r>
-            <a:r>
-              <a:rPr lang="en-US" altLang="zh-CN" dirty="0" err="1"/>
-              <a:t>Rstudio</a:t>
-            </a:r>
-            <a:r>
-              <a:rPr lang="zh-CN" altLang="en-US" dirty="0"/>
-              <a:t>的</a:t>
-            </a:r>
-            <a:r>
-              <a:rPr lang="en-US" altLang="zh-CN" dirty="0"/>
-              <a:t>help</a:t>
-            </a:r>
-            <a:r>
-              <a:rPr lang="zh-CN" altLang="en-US" dirty="0"/>
-              <a:t>菜单中提供了许多热门工具包</a:t>
-            </a:r>
-            <a:r>
-              <a:rPr lang="en-US" altLang="zh-CN" dirty="0"/>
-              <a:t>cheat </a:t>
-            </a:r>
-            <a:r>
-              <a:rPr lang="en-US" altLang="zh-CN" dirty="0" err="1"/>
-              <a:t>sheat</a:t>
-            </a:r>
-            <a:r>
-              <a:rPr lang="zh-CN" altLang="en-US" dirty="0"/>
-              <a:t>链接）</a:t>
-            </a:r>
-          </a:p>
-        </p:txBody>
-      </p:sp>
-      <p:sp>
-        <p:nvSpPr>
-          <p:cNvPr id="4" name="灯片编号占位符 3"/>
-          <p:cNvSpPr>
-            <a:spLocks noGrp="1"/>
-          </p:cNvSpPr>
-          <p:nvPr>
-            <p:ph type="sldNum" sz="quarter" idx="2"/>
-          </p:nvPr>
-        </p:nvSpPr>
-        <p:spPr/>
-        <p:txBody>
-          <a:bodyPr/>
-          <a:lstStyle/>
-          <a:p>
-            <a:fld id="{86CB4B4D-7CA3-9044-876B-883B54F8677D}" type="slidenum">
-              <a:rPr lang="en-US" altLang="zh-CN" smtClean="0"/>
-              <a:t>25</a:t>
-            </a:fld>
-            <a:endParaRPr lang="zh-CN" altLang="en-US"/>
-          </a:p>
-        </p:txBody>
-      </p:sp>
-    </p:spTree>
-    <p:extLst>
-      <p:ext uri="{BB962C8B-B14F-4D97-AF65-F5344CB8AC3E}">
-        <p14:creationId xmlns:p14="http://schemas.microsoft.com/office/powerpoint/2010/main" val="473279976"/>
-      </p:ext>
-    </p:extLst>
-  </p:cSld>
-  <p:clrMapOvr>
-    <a:masterClrMapping/>
-  </p:clrMapOvr>
-  <p:transition spd="med"/>
 </p:sld>
 </file>
 
